--- a/fuentes/contenidos/grado06/guion02/MC LE_06_02_CO.pptx
+++ b/fuentes/contenidos/grado06/guion02/MC LE_06_02_CO.pptx
@@ -304,7 +304,7 @@
           <a:p>
             <a:fld id="{44AB5F55-8C31-4329-B979-18DF92D3EF41}" type="datetimeFigureOut">
               <a:rPr lang="es-CO" smtClean="0"/>
-              <a:t>20/09/2015</a:t>
+              <a:t>21/09/2015</a:t>
             </a:fld>
             <a:endParaRPr lang="es-CO"/>
           </a:p>
@@ -474,7 +474,7 @@
           <a:p>
             <a:fld id="{44AB5F55-8C31-4329-B979-18DF92D3EF41}" type="datetimeFigureOut">
               <a:rPr lang="es-CO" smtClean="0"/>
-              <a:t>20/09/2015</a:t>
+              <a:t>21/09/2015</a:t>
             </a:fld>
             <a:endParaRPr lang="es-CO"/>
           </a:p>
@@ -654,7 +654,7 @@
           <a:p>
             <a:fld id="{44AB5F55-8C31-4329-B979-18DF92D3EF41}" type="datetimeFigureOut">
               <a:rPr lang="es-CO" smtClean="0"/>
-              <a:t>20/09/2015</a:t>
+              <a:t>21/09/2015</a:t>
             </a:fld>
             <a:endParaRPr lang="es-CO"/>
           </a:p>
@@ -824,7 +824,7 @@
           <a:p>
             <a:fld id="{44AB5F55-8C31-4329-B979-18DF92D3EF41}" type="datetimeFigureOut">
               <a:rPr lang="es-CO" smtClean="0"/>
-              <a:t>20/09/2015</a:t>
+              <a:t>21/09/2015</a:t>
             </a:fld>
             <a:endParaRPr lang="es-CO"/>
           </a:p>
@@ -1070,7 +1070,7 @@
           <a:p>
             <a:fld id="{44AB5F55-8C31-4329-B979-18DF92D3EF41}" type="datetimeFigureOut">
               <a:rPr lang="es-CO" smtClean="0"/>
-              <a:t>20/09/2015</a:t>
+              <a:t>21/09/2015</a:t>
             </a:fld>
             <a:endParaRPr lang="es-CO"/>
           </a:p>
@@ -1358,7 +1358,7 @@
           <a:p>
             <a:fld id="{44AB5F55-8C31-4329-B979-18DF92D3EF41}" type="datetimeFigureOut">
               <a:rPr lang="es-CO" smtClean="0"/>
-              <a:t>20/09/2015</a:t>
+              <a:t>21/09/2015</a:t>
             </a:fld>
             <a:endParaRPr lang="es-CO"/>
           </a:p>
@@ -1780,7 +1780,7 @@
           <a:p>
             <a:fld id="{44AB5F55-8C31-4329-B979-18DF92D3EF41}" type="datetimeFigureOut">
               <a:rPr lang="es-CO" smtClean="0"/>
-              <a:t>20/09/2015</a:t>
+              <a:t>21/09/2015</a:t>
             </a:fld>
             <a:endParaRPr lang="es-CO"/>
           </a:p>
@@ -1898,7 +1898,7 @@
           <a:p>
             <a:fld id="{44AB5F55-8C31-4329-B979-18DF92D3EF41}" type="datetimeFigureOut">
               <a:rPr lang="es-CO" smtClean="0"/>
-              <a:t>20/09/2015</a:t>
+              <a:t>21/09/2015</a:t>
             </a:fld>
             <a:endParaRPr lang="es-CO"/>
           </a:p>
@@ -1993,7 +1993,7 @@
           <a:p>
             <a:fld id="{44AB5F55-8C31-4329-B979-18DF92D3EF41}" type="datetimeFigureOut">
               <a:rPr lang="es-CO" smtClean="0"/>
-              <a:t>20/09/2015</a:t>
+              <a:t>21/09/2015</a:t>
             </a:fld>
             <a:endParaRPr lang="es-CO"/>
           </a:p>
@@ -2270,7 +2270,7 @@
           <a:p>
             <a:fld id="{44AB5F55-8C31-4329-B979-18DF92D3EF41}" type="datetimeFigureOut">
               <a:rPr lang="es-CO" smtClean="0"/>
-              <a:t>20/09/2015</a:t>
+              <a:t>21/09/2015</a:t>
             </a:fld>
             <a:endParaRPr lang="es-CO"/>
           </a:p>
@@ -2523,7 +2523,7 @@
           <a:p>
             <a:fld id="{44AB5F55-8C31-4329-B979-18DF92D3EF41}" type="datetimeFigureOut">
               <a:rPr lang="es-CO" smtClean="0"/>
-              <a:t>20/09/2015</a:t>
+              <a:t>21/09/2015</a:t>
             </a:fld>
             <a:endParaRPr lang="es-CO"/>
           </a:p>
@@ -2736,7 +2736,7 @@
           <a:p>
             <a:fld id="{44AB5F55-8C31-4329-B979-18DF92D3EF41}" type="datetimeFigureOut">
               <a:rPr lang="es-CO" smtClean="0"/>
-              <a:t>20/09/2015</a:t>
+              <a:t>21/09/2015</a:t>
             </a:fld>
             <a:endParaRPr lang="es-CO"/>
           </a:p>
@@ -3113,13 +3113,13 @@
       </p:grpSpPr>
       <p:cxnSp>
         <p:nvCxnSpPr>
-          <p:cNvPr id="128" name="Conector recto 378"/>
+          <p:cNvPr id="95" name="Conector recto 378"/>
           <p:cNvCxnSpPr/>
           <p:nvPr/>
         </p:nvCxnSpPr>
         <p:spPr>
           <a:xfrm flipH="1">
-            <a:off x="8028384" y="3212976"/>
+            <a:off x="8028384" y="2060848"/>
             <a:ext cx="1" cy="158515"/>
           </a:xfrm>
           <a:prstGeom prst="line">
@@ -3138,13 +3138,13 @@
       </p:cxnSp>
       <p:cxnSp>
         <p:nvCxnSpPr>
-          <p:cNvPr id="95" name="Conector recto 378"/>
+          <p:cNvPr id="68" name="Conector recto 378"/>
           <p:cNvCxnSpPr/>
           <p:nvPr/>
         </p:nvCxnSpPr>
         <p:spPr>
           <a:xfrm flipH="1">
-            <a:off x="8028384" y="2060848"/>
+            <a:off x="1136185" y="3143276"/>
             <a:ext cx="1" cy="158515"/>
           </a:xfrm>
           <a:prstGeom prst="line">
@@ -3163,38 +3163,13 @@
       </p:cxnSp>
       <p:cxnSp>
         <p:nvCxnSpPr>
-          <p:cNvPr id="68" name="Conector recto 378"/>
-          <p:cNvCxnSpPr/>
-          <p:nvPr/>
-        </p:nvCxnSpPr>
-        <p:spPr>
-          <a:xfrm flipH="1">
-            <a:off x="3085347" y="3068960"/>
-            <a:ext cx="1" cy="158515"/>
-          </a:xfrm>
-          <a:prstGeom prst="line">
-            <a:avLst/>
-          </a:prstGeom>
-          <a:noFill/>
-          <a:ln w="12700" cap="flat" cmpd="sng" algn="ctr">
-            <a:solidFill>
-              <a:sysClr val="windowText" lastClr="000000"/>
-            </a:solidFill>
-            <a:prstDash val="solid"/>
-            <a:miter lim="800000"/>
-          </a:ln>
-          <a:effectLst/>
-        </p:spPr>
-      </p:cxnSp>
-      <p:cxnSp>
-        <p:nvCxnSpPr>
           <p:cNvPr id="69" name="Conector recto 378"/>
           <p:cNvCxnSpPr/>
           <p:nvPr/>
         </p:nvCxnSpPr>
         <p:spPr>
           <a:xfrm flipH="1">
-            <a:off x="4644007" y="3068960"/>
+            <a:off x="4606089" y="3319717"/>
             <a:ext cx="1" cy="158515"/>
           </a:xfrm>
           <a:prstGeom prst="line">
@@ -3296,9 +3271,8 @@
                 <a:effectLst/>
                 <a:uLnTx/>
                 <a:uFillTx/>
-                <a:latin typeface="Calibri" panose="020F0502020204030204"/>
-                <a:ea typeface="+mn-ea"/>
-                <a:cs typeface="+mn-cs"/>
+                <a:latin typeface="Arial" panose="020B0604020202020204" pitchFamily="34" charset="0"/>
+                <a:cs typeface="Arial" panose="020B0604020202020204" pitchFamily="34" charset="0"/>
               </a:rPr>
               <a:t>Los géneros literarios</a:t>
             </a:r>
@@ -3312,9 +3286,8 @@
               <a:effectLst/>
               <a:uLnTx/>
               <a:uFillTx/>
-              <a:latin typeface="Calibri" panose="020F0502020204030204"/>
-              <a:ea typeface="+mn-ea"/>
-              <a:cs typeface="+mn-cs"/>
+              <a:latin typeface="Arial" panose="020B0604020202020204" pitchFamily="34" charset="0"/>
+              <a:cs typeface="Arial" panose="020B0604020202020204" pitchFamily="34" charset="0"/>
             </a:endParaRPr>
           </a:p>
         </p:txBody>
@@ -3327,7 +3300,7 @@
         </p:nvSpPr>
         <p:spPr>
           <a:xfrm>
-            <a:off x="674430" y="901596"/>
+            <a:off x="672453" y="865938"/>
             <a:ext cx="1065679" cy="431229"/>
           </a:xfrm>
           <a:prstGeom prst="rect">
@@ -3383,9 +3356,8 @@
                 <a:effectLst/>
                 <a:uLnTx/>
                 <a:uFillTx/>
-                <a:latin typeface="Calibri" panose="020F0502020204030204"/>
-                <a:ea typeface="+mn-ea"/>
-                <a:cs typeface="+mn-cs"/>
+                <a:latin typeface="Arial" panose="020B0604020202020204" pitchFamily="34" charset="0"/>
+                <a:cs typeface="Arial" panose="020B0604020202020204" pitchFamily="34" charset="0"/>
               </a:rPr>
               <a:t>Literatura</a:t>
             </a:r>
@@ -3399,9 +3371,8 @@
               <a:effectLst/>
               <a:uLnTx/>
               <a:uFillTx/>
-              <a:latin typeface="Calibri" panose="020F0502020204030204"/>
-              <a:ea typeface="+mn-ea"/>
-              <a:cs typeface="+mn-cs"/>
+              <a:latin typeface="Arial" panose="020B0604020202020204" pitchFamily="34" charset="0"/>
+              <a:cs typeface="Arial" panose="020B0604020202020204" pitchFamily="34" charset="0"/>
             </a:endParaRPr>
           </a:p>
         </p:txBody>
@@ -3439,8 +3410,8 @@
         </p:nvSpPr>
         <p:spPr>
           <a:xfrm>
-            <a:off x="626724" y="1645350"/>
-            <a:ext cx="1120084" cy="441760"/>
+            <a:off x="383668" y="1581260"/>
+            <a:ext cx="1676974" cy="441760"/>
           </a:xfrm>
           <a:prstGeom prst="rect">
             <a:avLst/>
@@ -3485,7 +3456,8 @@
                 <a:solidFill>
                   <a:prstClr val="white"/>
                 </a:solidFill>
-                <a:latin typeface="Calibri" panose="020F0502020204030204"/>
+                <a:latin typeface="Arial" panose="020B0604020202020204" pitchFamily="34" charset="0"/>
+                <a:cs typeface="Arial" panose="020B0604020202020204" pitchFamily="34" charset="0"/>
               </a:rPr>
               <a:t>Los géneros literarios</a:t>
             </a:r>
@@ -3499,9 +3471,8 @@
               <a:effectLst/>
               <a:uLnTx/>
               <a:uFillTx/>
-              <a:latin typeface="Calibri" panose="020F0502020204030204"/>
-              <a:ea typeface="+mn-ea"/>
-              <a:cs typeface="+mn-cs"/>
+              <a:latin typeface="Arial" panose="020B0604020202020204" pitchFamily="34" charset="0"/>
+              <a:cs typeface="Arial" panose="020B0604020202020204" pitchFamily="34" charset="0"/>
             </a:endParaRPr>
           </a:p>
         </p:txBody>
@@ -3514,8 +3485,8 @@
         </p:nvSpPr>
         <p:spPr>
           <a:xfrm>
-            <a:off x="755576" y="2162778"/>
-            <a:ext cx="932017" cy="230832"/>
+            <a:off x="525647" y="2139995"/>
+            <a:ext cx="1257238" cy="215444"/>
           </a:xfrm>
           <a:prstGeom prst="rect">
             <a:avLst/>
@@ -3546,20 +3517,26 @@
               <a:defRPr/>
             </a:pPr>
             <a:r>
-              <a:rPr kumimoji="0" lang="es-ES" sz="900" b="0" i="0" u="none" strike="noStrike" kern="0" cap="none" spc="0" normalizeH="0" baseline="0" noProof="0" dirty="0" smtClean="0">
-                <a:ln>
-                  <a:noFill/>
-                </a:ln>
+              <a:rPr lang="es-ES" sz="800" kern="0" dirty="0">
                 <a:solidFill>
                   <a:prstClr val="black"/>
                 </a:solidFill>
-                <a:effectLst/>
-                <a:uLnTx/>
-                <a:uFillTx/>
-              </a:rPr>
-              <a:t>son</a:t>
-            </a:r>
-            <a:endParaRPr kumimoji="0" lang="es-ES" sz="900" b="0" i="0" u="none" strike="noStrike" kern="0" cap="none" spc="0" normalizeH="0" baseline="0" noProof="0" dirty="0">
+                <a:latin typeface="Arial" panose="020B0604020202020204" pitchFamily="34" charset="0"/>
+                <a:cs typeface="Arial" panose="020B0604020202020204" pitchFamily="34" charset="0"/>
+              </a:rPr>
+              <a:t>s</a:t>
+            </a:r>
+            <a:r>
+              <a:rPr lang="es-ES" sz="800" kern="0" dirty="0" smtClean="0">
+                <a:solidFill>
+                  <a:prstClr val="black"/>
+                </a:solidFill>
+                <a:latin typeface="Arial" panose="020B0604020202020204" pitchFamily="34" charset="0"/>
+                <a:cs typeface="Arial" panose="020B0604020202020204" pitchFamily="34" charset="0"/>
+              </a:rPr>
+              <a:t>e definen como </a:t>
+            </a:r>
+            <a:endParaRPr kumimoji="0" lang="es-ES" sz="800" b="0" i="0" u="none" strike="noStrike" kern="0" cap="none" spc="0" normalizeH="0" baseline="0" noProof="0" dirty="0">
               <a:ln>
                 <a:noFill/>
               </a:ln>
@@ -3569,6 +3546,8 @@
               <a:effectLst/>
               <a:uLnTx/>
               <a:uFillTx/>
+              <a:latin typeface="Arial" panose="020B0604020202020204" pitchFamily="34" charset="0"/>
+              <a:cs typeface="Arial" panose="020B0604020202020204" pitchFamily="34" charset="0"/>
             </a:endParaRPr>
           </a:p>
         </p:txBody>
@@ -3581,7 +3560,7 @@
         </p:nvSpPr>
         <p:spPr>
           <a:xfrm>
-            <a:off x="395536" y="2492896"/>
+            <a:off x="305192" y="2487721"/>
             <a:ext cx="1800200" cy="656892"/>
           </a:xfrm>
           <a:prstGeom prst="rect">
@@ -3607,20 +3586,39 @@
           <a:p>
             <a:pPr lvl="0" algn="ctr"/>
             <a:r>
-              <a:rPr lang="es-CO" sz="900" dirty="0" smtClean="0"/>
+              <a:rPr lang="es-CO" sz="900" dirty="0" smtClean="0">
+                <a:latin typeface="Arial" panose="020B0604020202020204" pitchFamily="34" charset="0"/>
+                <a:cs typeface="Arial" panose="020B0604020202020204" pitchFamily="34" charset="0"/>
+              </a:rPr>
               <a:t>distintos </a:t>
             </a:r>
             <a:r>
-              <a:rPr lang="es-CO" sz="900" dirty="0"/>
+              <a:rPr lang="es-CO" sz="900" dirty="0">
+                <a:latin typeface="Arial" panose="020B0604020202020204" pitchFamily="34" charset="0"/>
+                <a:cs typeface="Arial" panose="020B0604020202020204" pitchFamily="34" charset="0"/>
+              </a:rPr>
               <a:t>grupos o categorías en </a:t>
             </a:r>
             <a:r>
-              <a:rPr lang="es-CO" sz="900" dirty="0" smtClean="0"/>
+              <a:rPr lang="es-CO" sz="900" dirty="0" smtClean="0">
+                <a:latin typeface="Arial" panose="020B0604020202020204" pitchFamily="34" charset="0"/>
+                <a:cs typeface="Arial" panose="020B0604020202020204" pitchFamily="34" charset="0"/>
+              </a:rPr>
               <a:t> que </a:t>
             </a:r>
             <a:r>
-              <a:rPr lang="es-CO" sz="900" dirty="0"/>
-              <a:t>podemos clasificar las obras literarias atendiendo a su contenido</a:t>
+              <a:rPr lang="es-CO" sz="900" dirty="0">
+                <a:latin typeface="Arial" panose="020B0604020202020204" pitchFamily="34" charset="0"/>
+                <a:cs typeface="Arial" panose="020B0604020202020204" pitchFamily="34" charset="0"/>
+              </a:rPr>
+              <a:t>podemos clasificar las obras literarias atendiendo a su </a:t>
+            </a:r>
+            <a:r>
+              <a:rPr lang="es-CO" sz="900" dirty="0" smtClean="0">
+                <a:latin typeface="Arial" panose="020B0604020202020204" pitchFamily="34" charset="0"/>
+                <a:cs typeface="Arial" panose="020B0604020202020204" pitchFamily="34" charset="0"/>
+              </a:rPr>
+              <a:t>contenido y forma</a:t>
             </a:r>
             <a:endParaRPr kumimoji="0" lang="es-ES" sz="900" b="0" i="0" u="none" strike="noStrike" kern="0" cap="none" spc="0" normalizeH="0" baseline="0" noProof="0" dirty="0">
               <a:ln>
@@ -3632,7 +3630,8 @@
               <a:effectLst/>
               <a:uLnTx/>
               <a:uFillTx/>
-              <a:latin typeface="Calibri" panose="020F0502020204030204"/>
+              <a:latin typeface="Arial" panose="020B0604020202020204" pitchFamily="34" charset="0"/>
+              <a:cs typeface="Arial" panose="020B0604020202020204" pitchFamily="34" charset="0"/>
             </a:endParaRPr>
           </a:p>
         </p:txBody>
@@ -3645,7 +3644,7 @@
         </p:nvSpPr>
         <p:spPr>
           <a:xfrm>
-            <a:off x="87138" y="3526704"/>
+            <a:off x="97577" y="3762442"/>
             <a:ext cx="744502" cy="300070"/>
           </a:xfrm>
           <a:prstGeom prst="rect">
@@ -3685,6 +3684,16 @@
               <a:defRPr/>
             </a:pPr>
             <a:r>
+              <a:rPr lang="es-ES" sz="900" kern="0" dirty="0">
+                <a:solidFill>
+                  <a:prstClr val="black"/>
+                </a:solidFill>
+                <a:latin typeface="Arial" panose="020B0604020202020204" pitchFamily="34" charset="0"/>
+                <a:cs typeface="Arial" panose="020B0604020202020204" pitchFamily="34" charset="0"/>
+              </a:rPr>
+              <a:t>e</a:t>
+            </a:r>
+            <a:r>
               <a:rPr kumimoji="0" lang="es-ES" sz="900" b="0" i="0" u="none" strike="noStrike" kern="0" cap="none" spc="0" normalizeH="0" baseline="0" noProof="0" dirty="0" smtClean="0">
                 <a:ln>
                   <a:noFill/>
@@ -3695,11 +3704,26 @@
                 <a:effectLst/>
                 <a:uLnTx/>
                 <a:uFillTx/>
-                <a:latin typeface="Calibri" panose="020F0502020204030204"/>
-                <a:ea typeface="+mn-ea"/>
-                <a:cs typeface="+mn-cs"/>
-              </a:rPr>
-              <a:t>El género narrativo</a:t>
+                <a:latin typeface="Arial" panose="020B0604020202020204" pitchFamily="34" charset="0"/>
+                <a:cs typeface="Arial" panose="020B0604020202020204" pitchFamily="34" charset="0"/>
+              </a:rPr>
+              <a:t>l género </a:t>
+            </a:r>
+            <a:r>
+              <a:rPr kumimoji="0" lang="es-ES" sz="900" b="0" i="0" u="none" strike="noStrike" kern="0" cap="none" spc="0" normalizeH="0" baseline="0" noProof="0" dirty="0" smtClean="0">
+                <a:ln>
+                  <a:noFill/>
+                </a:ln>
+                <a:solidFill>
+                  <a:prstClr val="black"/>
+                </a:solidFill>
+                <a:effectLst/>
+                <a:uLnTx/>
+                <a:uFillTx/>
+                <a:latin typeface="Arial" panose="020B0604020202020204" pitchFamily="34" charset="0"/>
+                <a:cs typeface="Arial" panose="020B0604020202020204" pitchFamily="34" charset="0"/>
+              </a:rPr>
+              <a:t>narrativo</a:t>
             </a:r>
             <a:endParaRPr kumimoji="0" lang="es-ES" sz="900" b="0" i="0" u="none" strike="noStrike" kern="0" cap="none" spc="0" normalizeH="0" baseline="0" noProof="0" dirty="0">
               <a:ln>
@@ -3711,9 +3735,8 @@
               <a:effectLst/>
               <a:uLnTx/>
               <a:uFillTx/>
-              <a:latin typeface="Calibri" panose="020F0502020204030204"/>
-              <a:ea typeface="+mn-ea"/>
-              <a:cs typeface="+mn-cs"/>
+              <a:latin typeface="Arial" panose="020B0604020202020204" pitchFamily="34" charset="0"/>
+              <a:cs typeface="Arial" panose="020B0604020202020204" pitchFamily="34" charset="0"/>
             </a:endParaRPr>
           </a:p>
         </p:txBody>
@@ -3782,9 +3805,8 @@
                 <a:effectLst/>
                 <a:uLnTx/>
                 <a:uFillTx/>
-                <a:latin typeface="Calibri" panose="020F0502020204030204"/>
-                <a:ea typeface="+mn-ea"/>
-                <a:cs typeface="+mn-cs"/>
+                <a:latin typeface="Arial" panose="020B0604020202020204" pitchFamily="34" charset="0"/>
+                <a:cs typeface="Arial" panose="020B0604020202020204" pitchFamily="34" charset="0"/>
               </a:rPr>
               <a:t>Semántica</a:t>
             </a:r>
@@ -3798,9 +3820,8 @@
               <a:effectLst/>
               <a:uLnTx/>
               <a:uFillTx/>
-              <a:latin typeface="Calibri" panose="020F0502020204030204"/>
-              <a:ea typeface="+mn-ea"/>
-              <a:cs typeface="+mn-cs"/>
+              <a:latin typeface="Arial" panose="020B0604020202020204" pitchFamily="34" charset="0"/>
+              <a:cs typeface="Arial" panose="020B0604020202020204" pitchFamily="34" charset="0"/>
             </a:endParaRPr>
           </a:p>
         </p:txBody>
@@ -3813,8 +3834,8 @@
         </p:nvSpPr>
         <p:spPr>
           <a:xfrm>
-            <a:off x="3059832" y="1620411"/>
-            <a:ext cx="1470543" cy="458747"/>
+            <a:off x="2493352" y="1694385"/>
+            <a:ext cx="1217414" cy="297574"/>
           </a:xfrm>
           <a:prstGeom prst="rect">
             <a:avLst/>
@@ -3859,9 +3880,20 @@
                 <a:solidFill>
                   <a:prstClr val="white"/>
                 </a:solidFill>
-                <a:latin typeface="Calibri" panose="020F0502020204030204"/>
-              </a:rPr>
-              <a:t>El sentido propio y el sentido figurado</a:t>
+                <a:latin typeface="Arial" panose="020B0604020202020204" pitchFamily="34" charset="0"/>
+                <a:cs typeface="Arial" panose="020B0604020202020204" pitchFamily="34" charset="0"/>
+              </a:rPr>
+              <a:t>El sentido </a:t>
+            </a:r>
+            <a:r>
+              <a:rPr lang="es-ES" sz="1000" kern="0" dirty="0" smtClean="0">
+                <a:solidFill>
+                  <a:prstClr val="white"/>
+                </a:solidFill>
+                <a:latin typeface="Arial" panose="020B0604020202020204" pitchFamily="34" charset="0"/>
+                <a:cs typeface="Arial" panose="020B0604020202020204" pitchFamily="34" charset="0"/>
+              </a:rPr>
+              <a:t>propio</a:t>
             </a:r>
             <a:endParaRPr kumimoji="0" lang="es-ES" sz="1000" b="0" i="0" u="none" strike="noStrike" kern="0" cap="none" spc="0" normalizeH="0" baseline="0" noProof="0" dirty="0">
               <a:ln>
@@ -3873,9 +3905,8 @@
               <a:effectLst/>
               <a:uLnTx/>
               <a:uFillTx/>
-              <a:latin typeface="Calibri" panose="020F0502020204030204"/>
-              <a:ea typeface="+mn-ea"/>
-              <a:cs typeface="+mn-cs"/>
+              <a:latin typeface="Arial" panose="020B0604020202020204" pitchFamily="34" charset="0"/>
+              <a:cs typeface="Arial" panose="020B0604020202020204" pitchFamily="34" charset="0"/>
             </a:endParaRPr>
           </a:p>
         </p:txBody>
@@ -3888,8 +3919,8 @@
         </p:nvSpPr>
         <p:spPr>
           <a:xfrm>
-            <a:off x="5335832" y="1611433"/>
-            <a:ext cx="1180384" cy="451823"/>
+            <a:off x="5325740" y="1607395"/>
+            <a:ext cx="1180384" cy="377577"/>
           </a:xfrm>
           <a:prstGeom prst="rect">
             <a:avLst/>
@@ -3934,7 +3965,8 @@
                 <a:solidFill>
                   <a:prstClr val="white"/>
                 </a:solidFill>
-                <a:latin typeface="Calibri" panose="020F0502020204030204"/>
+                <a:latin typeface="Arial" panose="020B0604020202020204" pitchFamily="34" charset="0"/>
+                <a:cs typeface="Arial" panose="020B0604020202020204" pitchFamily="34" charset="0"/>
               </a:rPr>
               <a:t>El noticiero</a:t>
             </a:r>
@@ -3948,9 +3980,8 @@
               <a:effectLst/>
               <a:uLnTx/>
               <a:uFillTx/>
-              <a:latin typeface="Calibri" panose="020F0502020204030204"/>
-              <a:ea typeface="+mn-ea"/>
-              <a:cs typeface="+mn-cs"/>
+              <a:latin typeface="Arial" panose="020B0604020202020204" pitchFamily="34" charset="0"/>
+              <a:cs typeface="Arial" panose="020B0604020202020204" pitchFamily="34" charset="0"/>
             </a:endParaRPr>
           </a:p>
         </p:txBody>
@@ -4019,9 +4050,8 @@
                 <a:effectLst/>
                 <a:uLnTx/>
                 <a:uFillTx/>
-                <a:latin typeface="Calibri" panose="020F0502020204030204"/>
-                <a:ea typeface="+mn-ea"/>
-                <a:cs typeface="+mn-cs"/>
+                <a:latin typeface="Arial" panose="020B0604020202020204" pitchFamily="34" charset="0"/>
+                <a:cs typeface="Arial" panose="020B0604020202020204" pitchFamily="34" charset="0"/>
               </a:rPr>
               <a:t>Expresión oral</a:t>
             </a:r>
@@ -4035,9 +4065,8 @@
               <a:effectLst/>
               <a:uLnTx/>
               <a:uFillTx/>
-              <a:latin typeface="Calibri" panose="020F0502020204030204"/>
-              <a:ea typeface="+mn-ea"/>
-              <a:cs typeface="+mn-cs"/>
+              <a:latin typeface="Arial" panose="020B0604020202020204" pitchFamily="34" charset="0"/>
+              <a:cs typeface="Arial" panose="020B0604020202020204" pitchFamily="34" charset="0"/>
             </a:endParaRPr>
           </a:p>
         </p:txBody>
@@ -4121,18 +4150,10 @@
                 <a:solidFill>
                   <a:prstClr val="white"/>
                 </a:solidFill>
-                <a:latin typeface="Calibri" panose="020F0502020204030204"/>
-              </a:rPr>
-              <a:t>La comunicación </a:t>
-            </a:r>
-            <a:r>
-              <a:rPr lang="es-ES" sz="1050" kern="0" noProof="0" dirty="0" smtClean="0">
-                <a:solidFill>
-                  <a:prstClr val="white"/>
-                </a:solidFill>
-                <a:latin typeface="Calibri" panose="020F0502020204030204"/>
-              </a:rPr>
-              <a:t>verbal</a:t>
+                <a:latin typeface="Arial" panose="020B0604020202020204" pitchFamily="34" charset="0"/>
+                <a:cs typeface="Arial" panose="020B0604020202020204" pitchFamily="34" charset="0"/>
+              </a:rPr>
+              <a:t>La comunicación verbal</a:t>
             </a:r>
             <a:endParaRPr kumimoji="0" lang="es-ES" sz="1050" b="0" i="0" u="none" strike="noStrike" kern="0" cap="none" spc="0" normalizeH="0" baseline="0" noProof="0" dirty="0">
               <a:ln>
@@ -4144,9 +4165,8 @@
               <a:effectLst/>
               <a:uLnTx/>
               <a:uFillTx/>
-              <a:latin typeface="Calibri" panose="020F0502020204030204"/>
-              <a:ea typeface="+mn-ea"/>
-              <a:cs typeface="+mn-cs"/>
+              <a:latin typeface="Arial" panose="020B0604020202020204" pitchFamily="34" charset="0"/>
+              <a:cs typeface="Arial" panose="020B0604020202020204" pitchFamily="34" charset="0"/>
             </a:endParaRPr>
           </a:p>
         </p:txBody>
@@ -4205,13 +4225,20 @@
               <a:defRPr/>
             </a:pPr>
             <a:r>
-              <a:rPr lang="es-ES" sz="1200" b="1" kern="0" dirty="0" smtClean="0">
+              <a:rPr kumimoji="0" lang="es-ES" sz="1200" b="1" i="0" u="none" strike="noStrike" kern="0" cap="none" spc="0" normalizeH="0" baseline="0" noProof="0" dirty="0" smtClean="0">
+                <a:ln>
+                  <a:noFill/>
+                </a:ln>
                 <a:solidFill>
                   <a:prstClr val="black"/>
                 </a:solidFill>
-                <a:latin typeface="Calibri" panose="020F0502020204030204"/>
-              </a:rPr>
-              <a:t>Ética y comunicación</a:t>
+                <a:effectLst/>
+                <a:uLnTx/>
+                <a:uFillTx/>
+                <a:latin typeface="Arial" panose="020B0604020202020204" pitchFamily="34" charset="0"/>
+                <a:cs typeface="Arial" panose="020B0604020202020204" pitchFamily="34" charset="0"/>
+              </a:rPr>
+              <a:t>Comunicación</a:t>
             </a:r>
             <a:endParaRPr kumimoji="0" lang="es-ES" sz="1200" b="1" i="0" u="none" strike="noStrike" kern="0" cap="none" spc="0" normalizeH="0" baseline="0" noProof="0" dirty="0">
               <a:ln>
@@ -4223,9 +4250,8 @@
               <a:effectLst/>
               <a:uLnTx/>
               <a:uFillTx/>
-              <a:latin typeface="Calibri" panose="020F0502020204030204"/>
-              <a:ea typeface="+mn-ea"/>
-              <a:cs typeface="+mn-cs"/>
+              <a:latin typeface="Arial" panose="020B0604020202020204" pitchFamily="34" charset="0"/>
+              <a:cs typeface="Arial" panose="020B0604020202020204" pitchFamily="34" charset="0"/>
             </a:endParaRPr>
           </a:p>
         </p:txBody>
@@ -4238,7 +4264,7 @@
         </p:nvCxnSpPr>
         <p:spPr>
           <a:xfrm rot="5400000">
-            <a:off x="1095035" y="1570075"/>
+            <a:off x="1089737" y="1515574"/>
             <a:ext cx="143029" cy="1"/>
           </a:xfrm>
           <a:prstGeom prst="bentConnector3">
@@ -4259,13 +4285,13 @@
       </p:cxnSp>
       <p:cxnSp>
         <p:nvCxnSpPr>
-          <p:cNvPr id="316" name="Conector angular 306"/>
+          <p:cNvPr id="317" name="Conector angular 315"/>
           <p:cNvCxnSpPr/>
           <p:nvPr/>
         </p:nvCxnSpPr>
         <p:spPr>
           <a:xfrm rot="5400000">
-            <a:off x="3708398" y="1541999"/>
+            <a:off x="5796629" y="1529046"/>
             <a:ext cx="143029" cy="1"/>
           </a:xfrm>
           <a:prstGeom prst="bentConnector3">
@@ -4286,19 +4312,17 @@
       </p:cxnSp>
       <p:cxnSp>
         <p:nvCxnSpPr>
-          <p:cNvPr id="317" name="Conector angular 315"/>
+          <p:cNvPr id="322" name="Conector recto 372"/>
           <p:cNvCxnSpPr/>
           <p:nvPr/>
         </p:nvCxnSpPr>
         <p:spPr>
-          <a:xfrm rot="5400000">
-            <a:off x="5796629" y="1529046"/>
-            <a:ext cx="143029" cy="1"/>
-          </a:xfrm>
-          <a:prstGeom prst="bentConnector3">
-            <a:avLst>
-              <a:gd name="adj1" fmla="val -99041"/>
-            </a:avLst>
+          <a:xfrm flipH="1">
+            <a:off x="1150929" y="2018910"/>
+            <a:ext cx="1" cy="158515"/>
+          </a:xfrm>
+          <a:prstGeom prst="line">
+            <a:avLst/>
           </a:prstGeom>
           <a:noFill/>
           <a:ln w="12700" cap="flat" cmpd="sng" algn="ctr">
@@ -4313,13 +4337,13 @@
       </p:cxnSp>
       <p:cxnSp>
         <p:nvCxnSpPr>
-          <p:cNvPr id="322" name="Conector recto 372"/>
+          <p:cNvPr id="323" name="Conector recto 373"/>
           <p:cNvCxnSpPr/>
           <p:nvPr/>
         </p:nvCxnSpPr>
         <p:spPr>
           <a:xfrm flipH="1">
-            <a:off x="1170573" y="2083521"/>
+            <a:off x="1139003" y="2321909"/>
             <a:ext cx="1" cy="158515"/>
           </a:xfrm>
           <a:prstGeom prst="line">
@@ -4336,81 +4360,6 @@
           <a:effectLst/>
         </p:spPr>
       </p:cxnSp>
-      <p:cxnSp>
-        <p:nvCxnSpPr>
-          <p:cNvPr id="323" name="Conector recto 373"/>
-          <p:cNvCxnSpPr/>
-          <p:nvPr/>
-        </p:nvCxnSpPr>
-        <p:spPr>
-          <a:xfrm flipH="1">
-            <a:off x="1170965" y="2348880"/>
-            <a:ext cx="1" cy="158515"/>
-          </a:xfrm>
-          <a:prstGeom prst="line">
-            <a:avLst/>
-          </a:prstGeom>
-          <a:noFill/>
-          <a:ln w="12700" cap="flat" cmpd="sng" algn="ctr">
-            <a:solidFill>
-              <a:sysClr val="windowText" lastClr="000000"/>
-            </a:solidFill>
-            <a:prstDash val="solid"/>
-            <a:miter lim="800000"/>
-          </a:ln>
-          <a:effectLst/>
-        </p:spPr>
-      </p:cxnSp>
-      <p:cxnSp>
-        <p:nvCxnSpPr>
-          <p:cNvPr id="324" name="Conector recto 374"/>
-          <p:cNvCxnSpPr/>
-          <p:nvPr/>
-        </p:nvCxnSpPr>
-        <p:spPr>
-          <a:xfrm flipH="1">
-            <a:off x="3849560" y="2079363"/>
-            <a:ext cx="2360" cy="379116"/>
-          </a:xfrm>
-          <a:prstGeom prst="line">
-            <a:avLst/>
-          </a:prstGeom>
-          <a:noFill/>
-          <a:ln w="12700" cap="flat" cmpd="sng" algn="ctr">
-            <a:solidFill>
-              <a:sysClr val="windowText" lastClr="000000"/>
-            </a:solidFill>
-            <a:prstDash val="solid"/>
-            <a:miter lim="800000"/>
-          </a:ln>
-          <a:effectLst/>
-        </p:spPr>
-      </p:cxnSp>
-      <p:cxnSp>
-        <p:nvCxnSpPr>
-          <p:cNvPr id="328" name="Conector recto 139"/>
-          <p:cNvCxnSpPr/>
-          <p:nvPr/>
-        </p:nvCxnSpPr>
-        <p:spPr>
-          <a:xfrm flipH="1">
-            <a:off x="1324546" y="3149788"/>
-            <a:ext cx="1525" cy="129681"/>
-          </a:xfrm>
-          <a:prstGeom prst="line">
-            <a:avLst/>
-          </a:prstGeom>
-          <a:noFill/>
-          <a:ln w="12700" cap="flat" cmpd="sng" algn="ctr">
-            <a:solidFill>
-              <a:sysClr val="windowText" lastClr="000000"/>
-            </a:solidFill>
-            <a:prstDash val="solid"/>
-            <a:miter lim="800000"/>
-          </a:ln>
-          <a:effectLst/>
-        </p:spPr>
-      </p:cxnSp>
       <p:sp>
         <p:nvSpPr>
           <p:cNvPr id="336" name="Rectángulo 72" descr="Nodo de cuarto nivel&#10;" title="Nodo04"/>
@@ -4419,7 +4368,7 @@
         </p:nvSpPr>
         <p:spPr>
           <a:xfrm>
-            <a:off x="943091" y="3527709"/>
+            <a:off x="937702" y="3750478"/>
             <a:ext cx="744502" cy="300070"/>
           </a:xfrm>
           <a:prstGeom prst="rect">
@@ -4459,6 +4408,16 @@
               <a:defRPr/>
             </a:pPr>
             <a:r>
+              <a:rPr lang="es-ES" sz="900" kern="0" dirty="0">
+                <a:solidFill>
+                  <a:prstClr val="black"/>
+                </a:solidFill>
+                <a:latin typeface="Arial" panose="020B0604020202020204" pitchFamily="34" charset="0"/>
+                <a:cs typeface="Arial" panose="020B0604020202020204" pitchFamily="34" charset="0"/>
+              </a:rPr>
+              <a:t>e</a:t>
+            </a:r>
+            <a:r>
               <a:rPr kumimoji="0" lang="es-ES" sz="900" b="0" i="0" u="none" strike="noStrike" kern="0" cap="none" spc="0" normalizeH="0" baseline="0" noProof="0" dirty="0" smtClean="0">
                 <a:ln>
                   <a:noFill/>
@@ -4469,11 +4428,26 @@
                 <a:effectLst/>
                 <a:uLnTx/>
                 <a:uFillTx/>
-                <a:latin typeface="Calibri" panose="020F0502020204030204"/>
-                <a:ea typeface="+mn-ea"/>
-                <a:cs typeface="+mn-cs"/>
-              </a:rPr>
-              <a:t>El género lírico</a:t>
+                <a:latin typeface="Arial" panose="020B0604020202020204" pitchFamily="34" charset="0"/>
+                <a:cs typeface="Arial" panose="020B0604020202020204" pitchFamily="34" charset="0"/>
+              </a:rPr>
+              <a:t>l género </a:t>
+            </a:r>
+            <a:r>
+              <a:rPr kumimoji="0" lang="es-ES" sz="900" b="0" i="0" u="none" strike="noStrike" kern="0" cap="none" spc="0" normalizeH="0" baseline="0" noProof="0" dirty="0" smtClean="0">
+                <a:ln>
+                  <a:noFill/>
+                </a:ln>
+                <a:solidFill>
+                  <a:prstClr val="black"/>
+                </a:solidFill>
+                <a:effectLst/>
+                <a:uLnTx/>
+                <a:uFillTx/>
+                <a:latin typeface="Arial" panose="020B0604020202020204" pitchFamily="34" charset="0"/>
+                <a:cs typeface="Arial" panose="020B0604020202020204" pitchFamily="34" charset="0"/>
+              </a:rPr>
+              <a:t>lírico</a:t>
             </a:r>
             <a:endParaRPr kumimoji="0" lang="es-ES" sz="900" b="0" i="0" u="none" strike="noStrike" kern="0" cap="none" spc="0" normalizeH="0" baseline="0" noProof="0" dirty="0">
               <a:ln>
@@ -4485,9 +4459,8 @@
               <a:effectLst/>
               <a:uLnTx/>
               <a:uFillTx/>
-              <a:latin typeface="Calibri" panose="020F0502020204030204"/>
-              <a:ea typeface="+mn-ea"/>
-              <a:cs typeface="+mn-cs"/>
+              <a:latin typeface="Arial" panose="020B0604020202020204" pitchFamily="34" charset="0"/>
+              <a:cs typeface="Arial" panose="020B0604020202020204" pitchFamily="34" charset="0"/>
             </a:endParaRPr>
           </a:p>
         </p:txBody>
@@ -4500,7 +4473,7 @@
         </p:nvSpPr>
         <p:spPr>
           <a:xfrm>
-            <a:off x="1883306" y="3522685"/>
+            <a:off x="1775712" y="3757250"/>
             <a:ext cx="744502" cy="300070"/>
           </a:xfrm>
           <a:prstGeom prst="rect">
@@ -4540,13 +4513,14 @@
               <a:defRPr/>
             </a:pPr>
             <a:r>
-              <a:rPr lang="es-ES" sz="900" kern="0" dirty="0" smtClean="0">
+              <a:rPr lang="es-ES" sz="900" kern="0" dirty="0">
                 <a:solidFill>
                   <a:prstClr val="black"/>
                 </a:solidFill>
-                <a:latin typeface="Calibri" panose="020F0502020204030204"/>
-              </a:rPr>
-              <a:t>El</a:t>
+                <a:latin typeface="Arial" panose="020B0604020202020204" pitchFamily="34" charset="0"/>
+                <a:cs typeface="Arial" panose="020B0604020202020204" pitchFamily="34" charset="0"/>
+              </a:rPr>
+              <a:t>e</a:t>
             </a:r>
             <a:r>
               <a:rPr kumimoji="0" lang="es-ES" sz="900" b="0" i="0" u="none" strike="noStrike" kern="0" cap="none" spc="0" normalizeH="0" baseline="0" noProof="0" dirty="0" smtClean="0">
@@ -4559,28 +4533,10 @@
                 <a:effectLst/>
                 <a:uLnTx/>
                 <a:uFillTx/>
-                <a:latin typeface="Calibri" panose="020F0502020204030204"/>
-                <a:ea typeface="+mn-ea"/>
-                <a:cs typeface="+mn-cs"/>
-              </a:rPr>
-              <a:t> </a:t>
-            </a:r>
-            <a:r>
-              <a:rPr kumimoji="0" lang="es-ES" sz="900" b="0" i="0" u="none" strike="noStrike" kern="0" cap="none" spc="0" normalizeH="0" baseline="0" noProof="0" dirty="0" smtClean="0">
-                <a:ln>
-                  <a:noFill/>
-                </a:ln>
-                <a:solidFill>
-                  <a:prstClr val="black"/>
-                </a:solidFill>
-                <a:effectLst/>
-                <a:uLnTx/>
-                <a:uFillTx/>
-                <a:latin typeface="Calibri" panose="020F0502020204030204"/>
-                <a:ea typeface="+mn-ea"/>
-                <a:cs typeface="+mn-cs"/>
-              </a:rPr>
-              <a:t>género</a:t>
+                <a:latin typeface="Arial" panose="020B0604020202020204" pitchFamily="34" charset="0"/>
+                <a:cs typeface="Arial" panose="020B0604020202020204" pitchFamily="34" charset="0"/>
+              </a:rPr>
+              <a:t>l género</a:t>
             </a:r>
             <a:r>
               <a:rPr kumimoji="0" lang="es-ES" sz="900" b="0" i="0" u="none" strike="noStrike" kern="0" cap="none" spc="0" normalizeH="0" noProof="0" dirty="0" smtClean="0">
@@ -4593,11 +4549,26 @@
                 <a:effectLst/>
                 <a:uLnTx/>
                 <a:uFillTx/>
-                <a:latin typeface="Calibri" panose="020F0502020204030204"/>
-                <a:ea typeface="+mn-ea"/>
-                <a:cs typeface="+mn-cs"/>
-              </a:rPr>
-              <a:t> dramático</a:t>
+                <a:latin typeface="Arial" panose="020B0604020202020204" pitchFamily="34" charset="0"/>
+                <a:cs typeface="Arial" panose="020B0604020202020204" pitchFamily="34" charset="0"/>
+              </a:rPr>
+              <a:t> </a:t>
+            </a:r>
+            <a:r>
+              <a:rPr kumimoji="0" lang="es-ES" sz="900" b="0" i="0" u="none" strike="noStrike" kern="0" cap="none" spc="0" normalizeH="0" noProof="0" dirty="0" smtClean="0">
+                <a:ln>
+                  <a:noFill/>
+                </a:ln>
+                <a:solidFill>
+                  <a:prstClr val="black"/>
+                </a:solidFill>
+                <a:effectLst/>
+                <a:uLnTx/>
+                <a:uFillTx/>
+                <a:latin typeface="Arial" panose="020B0604020202020204" pitchFamily="34" charset="0"/>
+                <a:cs typeface="Arial" panose="020B0604020202020204" pitchFamily="34" charset="0"/>
+              </a:rPr>
+              <a:t>dramático</a:t>
             </a:r>
             <a:endParaRPr kumimoji="0" lang="es-ES" sz="900" b="0" i="0" u="none" strike="noStrike" kern="0" cap="none" spc="0" normalizeH="0" baseline="0" noProof="0" dirty="0">
               <a:ln>
@@ -4609,67 +4580,12 @@
               <a:effectLst/>
               <a:uLnTx/>
               <a:uFillTx/>
-              <a:latin typeface="Calibri" panose="020F0502020204030204"/>
-              <a:ea typeface="+mn-ea"/>
-              <a:cs typeface="+mn-cs"/>
+              <a:latin typeface="Arial" panose="020B0604020202020204" pitchFamily="34" charset="0"/>
+              <a:cs typeface="Arial" panose="020B0604020202020204" pitchFamily="34" charset="0"/>
             </a:endParaRPr>
           </a:p>
         </p:txBody>
       </p:sp>
-      <p:cxnSp>
-        <p:nvCxnSpPr>
-          <p:cNvPr id="343" name="Conector angular 261"/>
-          <p:cNvCxnSpPr/>
-          <p:nvPr/>
-        </p:nvCxnSpPr>
-        <p:spPr>
-          <a:xfrm rot="10800000" flipV="1">
-            <a:off x="3085348" y="2458479"/>
-            <a:ext cx="766572" cy="214041"/>
-          </a:xfrm>
-          <a:prstGeom prst="bentConnector3">
-            <a:avLst>
-              <a:gd name="adj1" fmla="val 100495"/>
-            </a:avLst>
-          </a:prstGeom>
-          <a:noFill/>
-          <a:ln w="12700" cap="flat" cmpd="sng" algn="ctr">
-            <a:solidFill>
-              <a:sysClr val="windowText" lastClr="000000"/>
-            </a:solidFill>
-            <a:prstDash val="solid"/>
-            <a:miter lim="800000"/>
-          </a:ln>
-          <a:effectLst/>
-        </p:spPr>
-      </p:cxnSp>
-      <p:cxnSp>
-        <p:nvCxnSpPr>
-          <p:cNvPr id="344" name="Conector angular 261"/>
-          <p:cNvCxnSpPr/>
-          <p:nvPr/>
-        </p:nvCxnSpPr>
-        <p:spPr>
-          <a:xfrm>
-            <a:off x="3851920" y="2458479"/>
-            <a:ext cx="756134" cy="207937"/>
-          </a:xfrm>
-          <a:prstGeom prst="bentConnector3">
-            <a:avLst>
-              <a:gd name="adj1" fmla="val 100450"/>
-            </a:avLst>
-          </a:prstGeom>
-          <a:noFill/>
-          <a:ln w="12700" cap="flat" cmpd="sng" algn="ctr">
-            <a:solidFill>
-              <a:sysClr val="windowText" lastClr="000000"/>
-            </a:solidFill>
-            <a:prstDash val="solid"/>
-            <a:miter lim="800000"/>
-          </a:ln>
-          <a:effectLst/>
-        </p:spPr>
-      </p:cxnSp>
       <p:sp>
         <p:nvSpPr>
           <p:cNvPr id="346" name="Rectángulo 283" descr="Nodo de tercer nivel" title="Nodo03"/>
@@ -4678,8 +4594,8 @@
         </p:nvSpPr>
         <p:spPr>
           <a:xfrm>
-            <a:off x="2757047" y="2672521"/>
-            <a:ext cx="806841" cy="421380"/>
+            <a:off x="2603258" y="2811393"/>
+            <a:ext cx="1127250" cy="738592"/>
           </a:xfrm>
           <a:prstGeom prst="rect">
             <a:avLst/>
@@ -4730,11 +4646,10 @@
                 <a:effectLst/>
                 <a:uLnTx/>
                 <a:uFillTx/>
-                <a:latin typeface="Calibri" panose="020F0502020204030204"/>
-                <a:ea typeface="+mn-ea"/>
-                <a:cs typeface="+mn-cs"/>
-              </a:rPr>
-              <a:t>El sentido</a:t>
+                <a:latin typeface="Arial" panose="020B0604020202020204" pitchFamily="34" charset="0"/>
+                <a:cs typeface="Arial" panose="020B0604020202020204" pitchFamily="34" charset="0"/>
+              </a:rPr>
+              <a:t>sentido original</a:t>
             </a:r>
             <a:r>
               <a:rPr kumimoji="0" lang="es-ES" sz="900" b="0" i="0" u="none" strike="noStrike" kern="0" cap="none" spc="0" normalizeH="0" noProof="0" dirty="0" smtClean="0">
@@ -4747,11 +4662,10 @@
                 <a:effectLst/>
                 <a:uLnTx/>
                 <a:uFillTx/>
-                <a:latin typeface="Calibri" panose="020F0502020204030204"/>
-                <a:ea typeface="+mn-ea"/>
-                <a:cs typeface="+mn-cs"/>
-              </a:rPr>
-              <a:t> propio o denotativo</a:t>
+                <a:latin typeface="Arial" panose="020B0604020202020204" pitchFamily="34" charset="0"/>
+                <a:cs typeface="Arial" panose="020B0604020202020204" pitchFamily="34" charset="0"/>
+              </a:rPr>
+              <a:t> de las palabras sin ninguna variación en su significado</a:t>
             </a:r>
             <a:endParaRPr kumimoji="0" lang="es-ES" sz="900" b="0" i="0" u="none" strike="noStrike" kern="0" cap="none" spc="0" normalizeH="0" baseline="0" noProof="0" dirty="0">
               <a:ln>
@@ -4763,9 +4677,8 @@
               <a:effectLst/>
               <a:uLnTx/>
               <a:uFillTx/>
-              <a:latin typeface="Calibri" panose="020F0502020204030204"/>
-              <a:ea typeface="+mn-ea"/>
-              <a:cs typeface="+mn-cs"/>
+              <a:latin typeface="Arial" panose="020B0604020202020204" pitchFamily="34" charset="0"/>
+              <a:cs typeface="Arial" panose="020B0604020202020204" pitchFamily="34" charset="0"/>
             </a:endParaRPr>
           </a:p>
         </p:txBody>
@@ -4778,8 +4691,8 @@
         </p:nvSpPr>
         <p:spPr>
           <a:xfrm>
-            <a:off x="4211960" y="2672520"/>
-            <a:ext cx="864096" cy="421381"/>
+            <a:off x="3998450" y="2786639"/>
+            <a:ext cx="1048292" cy="792300"/>
           </a:xfrm>
           <a:prstGeom prst="rect">
             <a:avLst/>
@@ -4820,6 +4733,32 @@
               <a:defRPr/>
             </a:pPr>
             <a:r>
+              <a:rPr lang="es-ES" sz="900" kern="0" dirty="0">
+                <a:solidFill>
+                  <a:prstClr val="black"/>
+                </a:solidFill>
+                <a:latin typeface="Arial" panose="020B0604020202020204" pitchFamily="34" charset="0"/>
+                <a:cs typeface="Arial" panose="020B0604020202020204" pitchFamily="34" charset="0"/>
+              </a:rPr>
+              <a:t>n</a:t>
+            </a:r>
+            <a:r>
+              <a:rPr kumimoji="0" lang="es-ES" sz="900" b="0" i="0" u="none" strike="noStrike" kern="0" cap="none" spc="0" normalizeH="0" baseline="0" noProof="0" dirty="0" err="1" smtClean="0">
+                <a:ln>
+                  <a:noFill/>
+                </a:ln>
+                <a:solidFill>
+                  <a:prstClr val="black"/>
+                </a:solidFill>
+                <a:effectLst/>
+                <a:uLnTx/>
+                <a:uFillTx/>
+                <a:latin typeface="Arial" panose="020B0604020202020204" pitchFamily="34" charset="0"/>
+                <a:cs typeface="Arial" panose="020B0604020202020204" pitchFamily="34" charset="0"/>
+              </a:rPr>
+              <a:t>uevo</a:t>
+            </a:r>
+            <a:r>
               <a:rPr kumimoji="0" lang="es-ES" sz="900" b="0" i="0" u="none" strike="noStrike" kern="0" cap="none" spc="0" normalizeH="0" baseline="0" noProof="0" dirty="0" smtClean="0">
                 <a:ln>
                   <a:noFill/>
@@ -4830,11 +4769,10 @@
                 <a:effectLst/>
                 <a:uLnTx/>
                 <a:uFillTx/>
-                <a:latin typeface="Calibri" panose="020F0502020204030204"/>
-                <a:ea typeface="+mn-ea"/>
-                <a:cs typeface="+mn-cs"/>
-              </a:rPr>
-              <a:t>El sentido figurado o connotativo</a:t>
+                <a:latin typeface="Arial" panose="020B0604020202020204" pitchFamily="34" charset="0"/>
+                <a:cs typeface="Arial" panose="020B0604020202020204" pitchFamily="34" charset="0"/>
+              </a:rPr>
+              <a:t> sentido que desarrollan las palabras a partir de su sentido propio</a:t>
             </a:r>
             <a:endParaRPr kumimoji="0" lang="es-ES" sz="900" b="0" i="0" u="none" strike="noStrike" kern="0" cap="none" spc="0" normalizeH="0" baseline="0" noProof="0" dirty="0">
               <a:ln>
@@ -4846,23 +4784,97 @@
               <a:effectLst/>
               <a:uLnTx/>
               <a:uFillTx/>
-              <a:latin typeface="Calibri" panose="020F0502020204030204"/>
-              <a:ea typeface="+mn-ea"/>
-              <a:cs typeface="+mn-cs"/>
+              <a:latin typeface="Arial" panose="020B0604020202020204" pitchFamily="34" charset="0"/>
+              <a:cs typeface="Arial" panose="020B0604020202020204" pitchFamily="34" charset="0"/>
             </a:endParaRPr>
           </a:p>
         </p:txBody>
       </p:sp>
-      <p:sp>
-        <p:nvSpPr>
-          <p:cNvPr id="348" name="CuadroTexto 262" descr="Conector entre nodos" title="conector"/>
+      <p:cxnSp>
+        <p:nvCxnSpPr>
+          <p:cNvPr id="359" name="Conector recto 382"/>
+          <p:cNvCxnSpPr/>
+          <p:nvPr/>
+        </p:nvCxnSpPr>
+        <p:spPr>
+          <a:xfrm flipH="1">
+            <a:off x="3779911" y="735196"/>
+            <a:ext cx="1" cy="158515"/>
+          </a:xfrm>
+          <a:prstGeom prst="line">
+            <a:avLst/>
+          </a:prstGeom>
+          <a:noFill/>
+          <a:ln w="12700" cap="flat" cmpd="sng" algn="ctr">
+            <a:solidFill>
+              <a:sysClr val="windowText" lastClr="000000"/>
+            </a:solidFill>
+            <a:prstDash val="solid"/>
+            <a:miter lim="800000"/>
+          </a:ln>
+          <a:effectLst/>
+        </p:spPr>
+      </p:cxnSp>
+      <p:cxnSp>
+        <p:nvCxnSpPr>
+          <p:cNvPr id="360" name="Conector recto 382"/>
+          <p:cNvCxnSpPr/>
+          <p:nvPr/>
+        </p:nvCxnSpPr>
+        <p:spPr>
+          <a:xfrm>
+            <a:off x="5868144" y="729081"/>
+            <a:ext cx="0" cy="130490"/>
+          </a:xfrm>
+          <a:prstGeom prst="line">
+            <a:avLst/>
+          </a:prstGeom>
+          <a:noFill/>
+          <a:ln w="12700" cap="flat" cmpd="sng" algn="ctr">
+            <a:solidFill>
+              <a:sysClr val="windowText" lastClr="000000"/>
+            </a:solidFill>
+            <a:prstDash val="solid"/>
+            <a:miter lim="800000"/>
+          </a:ln>
+          <a:effectLst/>
+        </p:spPr>
+      </p:cxnSp>
+      <p:cxnSp>
+        <p:nvCxnSpPr>
+          <p:cNvPr id="393" name="Conector recto 378"/>
+          <p:cNvCxnSpPr/>
+          <p:nvPr/>
+        </p:nvCxnSpPr>
+        <p:spPr>
+          <a:xfrm flipH="1">
+            <a:off x="438985" y="4051698"/>
+            <a:ext cx="1" cy="158515"/>
+          </a:xfrm>
+          <a:prstGeom prst="line">
+            <a:avLst/>
+          </a:prstGeom>
+          <a:noFill/>
+          <a:ln w="12700" cap="flat" cmpd="sng" algn="ctr">
+            <a:solidFill>
+              <a:sysClr val="windowText" lastClr="000000"/>
+            </a:solidFill>
+            <a:prstDash val="solid"/>
+            <a:miter lim="800000"/>
+          </a:ln>
+          <a:effectLst/>
+        </p:spPr>
+      </p:cxnSp>
+      <p:sp>
+        <p:nvSpPr>
+          <p:cNvPr id="394" name="CuadroTexto 262" descr="Conector entre nodos" title="conector"/>
           <p:cNvSpPr txBox="1"/>
           <p:nvPr/>
         </p:nvSpPr>
         <p:spPr>
           <a:xfrm>
-            <a:off x="2811315" y="3207338"/>
-            <a:ext cx="785065" cy="230832"/>
+            <a:off x="9576" y="4163754"/>
+            <a:ext cx="928126" cy="215444"/>
           </a:xfrm>
           <a:prstGeom prst="rect">
             <a:avLst/>
@@ -4893,14 +4905,48 @@
               <a:defRPr/>
             </a:pPr>
             <a:r>
-              <a:rPr lang="es-ES" sz="900" kern="0" noProof="0" dirty="0" smtClean="0">
+              <a:rPr lang="es-ES" sz="800" kern="0" dirty="0">
                 <a:solidFill>
                   <a:prstClr val="black"/>
                 </a:solidFill>
-              </a:rPr>
-              <a:t>Se expresa</a:t>
-            </a:r>
-            <a:endParaRPr kumimoji="0" lang="es-ES" sz="900" b="0" i="0" u="none" strike="noStrike" kern="0" cap="none" spc="0" normalizeH="0" baseline="0" noProof="0" dirty="0">
+                <a:latin typeface="Arial" panose="020B0604020202020204" pitchFamily="34" charset="0"/>
+                <a:cs typeface="Arial" panose="020B0604020202020204" pitchFamily="34" charset="0"/>
+              </a:rPr>
+              <a:t>c</a:t>
+            </a:r>
+            <a:r>
+              <a:rPr kumimoji="0" lang="es-ES" sz="800" b="0" i="0" u="none" strike="noStrike" kern="0" cap="none" spc="0" normalizeH="0" baseline="0" noProof="0" dirty="0" err="1" smtClean="0">
+                <a:ln>
+                  <a:noFill/>
+                </a:ln>
+                <a:solidFill>
+                  <a:prstClr val="black"/>
+                </a:solidFill>
+                <a:effectLst/>
+                <a:uLnTx/>
+                <a:uFillTx/>
+                <a:latin typeface="Arial" panose="020B0604020202020204" pitchFamily="34" charset="0"/>
+                <a:cs typeface="Arial" panose="020B0604020202020204" pitchFamily="34" charset="0"/>
+              </a:rPr>
+              <a:t>onformado</a:t>
+            </a:r>
+            <a:r>
+              <a:rPr kumimoji="0" lang="es-ES" sz="800" b="0" i="0" u="none" strike="noStrike" kern="0" cap="none" spc="0" normalizeH="0" baseline="0" noProof="0" dirty="0" smtClean="0">
+                <a:ln>
+                  <a:noFill/>
+                </a:ln>
+                <a:solidFill>
+                  <a:prstClr val="black"/>
+                </a:solidFill>
+                <a:effectLst/>
+                <a:uLnTx/>
+                <a:uFillTx/>
+                <a:latin typeface="Arial" panose="020B0604020202020204" pitchFamily="34" charset="0"/>
+                <a:cs typeface="Arial" panose="020B0604020202020204" pitchFamily="34" charset="0"/>
+              </a:rPr>
+              <a:t> por</a:t>
+            </a:r>
+            <a:endParaRPr kumimoji="0" lang="es-ES" sz="800" b="0" i="0" u="none" strike="noStrike" kern="0" cap="none" spc="0" normalizeH="0" baseline="0" noProof="0" dirty="0">
               <a:ln>
                 <a:noFill/>
               </a:ln>
@@ -4910,20 +4956,197 @@
               <a:effectLst/>
               <a:uLnTx/>
               <a:uFillTx/>
+              <a:latin typeface="Arial" panose="020B0604020202020204" pitchFamily="34" charset="0"/>
+              <a:cs typeface="Arial" panose="020B0604020202020204" pitchFamily="34" charset="0"/>
             </a:endParaRPr>
           </a:p>
         </p:txBody>
       </p:sp>
-      <p:sp>
-        <p:nvSpPr>
-          <p:cNvPr id="349" name="CuadroTexto 262" descr="Conector entre nodos" title="conector"/>
+      <p:cxnSp>
+        <p:nvCxnSpPr>
+          <p:cNvPr id="395" name="Conector recto 380"/>
+          <p:cNvCxnSpPr/>
+          <p:nvPr/>
+        </p:nvCxnSpPr>
+        <p:spPr>
+          <a:xfrm flipH="1">
+            <a:off x="431219" y="4347316"/>
+            <a:ext cx="1" cy="158515"/>
+          </a:xfrm>
+          <a:prstGeom prst="line">
+            <a:avLst/>
+          </a:prstGeom>
+          <a:noFill/>
+          <a:ln w="12700" cap="flat" cmpd="sng" algn="ctr">
+            <a:solidFill>
+              <a:sysClr val="windowText" lastClr="000000"/>
+            </a:solidFill>
+            <a:prstDash val="solid"/>
+            <a:miter lim="800000"/>
+          </a:ln>
+          <a:effectLst/>
+        </p:spPr>
+      </p:cxnSp>
+      <p:cxnSp>
+        <p:nvCxnSpPr>
+          <p:cNvPr id="396" name="Conector recto 378"/>
+          <p:cNvCxnSpPr/>
+          <p:nvPr/>
+        </p:nvCxnSpPr>
+        <p:spPr>
+          <a:xfrm flipH="1">
+            <a:off x="1164470" y="4059963"/>
+            <a:ext cx="1" cy="158515"/>
+          </a:xfrm>
+          <a:prstGeom prst="line">
+            <a:avLst/>
+          </a:prstGeom>
+          <a:noFill/>
+          <a:ln w="12700" cap="flat" cmpd="sng" algn="ctr">
+            <a:solidFill>
+              <a:sysClr val="windowText" lastClr="000000"/>
+            </a:solidFill>
+            <a:prstDash val="solid"/>
+            <a:miter lim="800000"/>
+          </a:ln>
+          <a:effectLst/>
+        </p:spPr>
+      </p:cxnSp>
+      <p:sp>
+        <p:nvSpPr>
+          <p:cNvPr id="397" name="CuadroTexto 262" descr="Conector entre nodos" title="conector"/>
           <p:cNvSpPr txBox="1"/>
           <p:nvPr/>
         </p:nvSpPr>
         <p:spPr>
           <a:xfrm>
-            <a:off x="4336627" y="3207338"/>
-            <a:ext cx="680247" cy="230832"/>
+            <a:off x="937702" y="4147715"/>
+            <a:ext cx="938593" cy="215444"/>
+          </a:xfrm>
+          <a:prstGeom prst="rect">
+            <a:avLst/>
+          </a:prstGeom>
+          <a:noFill/>
+        </p:spPr>
+        <p:txBody>
+          <a:bodyPr wrap="square" rtlCol="0">
+            <a:spAutoFit/>
+          </a:bodyPr>
+          <a:lstStyle/>
+          <a:p>
+            <a:pPr marL="0" marR="0" lvl="0" indent="0" defTabSz="914400" eaLnBrk="1" fontAlgn="auto" latinLnBrk="0" hangingPunct="1">
+              <a:lnSpc>
+                <a:spcPct val="100000"/>
+              </a:lnSpc>
+              <a:spcBef>
+                <a:spcPts val="0"/>
+              </a:spcBef>
+              <a:spcAft>
+                <a:spcPts val="0"/>
+              </a:spcAft>
+              <a:buClrTx/>
+              <a:buSzTx/>
+              <a:buFontTx/>
+              <a:buNone/>
+              <a:tabLst/>
+              <a:defRPr/>
+            </a:pPr>
+            <a:r>
+              <a:rPr lang="es-ES" sz="800" kern="0" dirty="0">
+                <a:solidFill>
+                  <a:prstClr val="black"/>
+                </a:solidFill>
+                <a:latin typeface="Arial" panose="020B0604020202020204" pitchFamily="34" charset="0"/>
+                <a:cs typeface="Arial" panose="020B0604020202020204" pitchFamily="34" charset="0"/>
+              </a:rPr>
+              <a:t>q</a:t>
+            </a:r>
+            <a:r>
+              <a:rPr lang="es-ES" sz="800" kern="0" dirty="0" smtClean="0">
+                <a:solidFill>
+                  <a:prstClr val="black"/>
+                </a:solidFill>
+                <a:latin typeface="Arial" panose="020B0604020202020204" pitchFamily="34" charset="0"/>
+                <a:cs typeface="Arial" panose="020B0604020202020204" pitchFamily="34" charset="0"/>
+              </a:rPr>
+              <a:t>ue comprende</a:t>
+            </a:r>
+            <a:endParaRPr kumimoji="0" lang="es-ES" sz="800" b="0" i="0" u="none" strike="noStrike" kern="0" cap="none" spc="0" normalizeH="0" baseline="0" noProof="0" dirty="0">
+              <a:ln>
+                <a:noFill/>
+              </a:ln>
+              <a:solidFill>
+                <a:prstClr val="black"/>
+              </a:solidFill>
+              <a:effectLst/>
+              <a:uLnTx/>
+              <a:uFillTx/>
+              <a:latin typeface="Arial" panose="020B0604020202020204" pitchFamily="34" charset="0"/>
+              <a:cs typeface="Arial" panose="020B0604020202020204" pitchFamily="34" charset="0"/>
+            </a:endParaRPr>
+          </a:p>
+        </p:txBody>
+      </p:sp>
+      <p:cxnSp>
+        <p:nvCxnSpPr>
+          <p:cNvPr id="398" name="Conector recto 380"/>
+          <p:cNvCxnSpPr/>
+          <p:nvPr/>
+        </p:nvCxnSpPr>
+        <p:spPr>
+          <a:xfrm flipH="1">
+            <a:off x="1168281" y="4347316"/>
+            <a:ext cx="1" cy="158515"/>
+          </a:xfrm>
+          <a:prstGeom prst="line">
+            <a:avLst/>
+          </a:prstGeom>
+          <a:noFill/>
+          <a:ln w="12700" cap="flat" cmpd="sng" algn="ctr">
+            <a:solidFill>
+              <a:sysClr val="windowText" lastClr="000000"/>
+            </a:solidFill>
+            <a:prstDash val="solid"/>
+            <a:miter lim="800000"/>
+          </a:ln>
+          <a:effectLst/>
+        </p:spPr>
+      </p:cxnSp>
+      <p:cxnSp>
+        <p:nvCxnSpPr>
+          <p:cNvPr id="399" name="Conector recto 378"/>
+          <p:cNvCxnSpPr/>
+          <p:nvPr/>
+        </p:nvCxnSpPr>
+        <p:spPr>
+          <a:xfrm flipH="1">
+            <a:off x="2146318" y="4062465"/>
+            <a:ext cx="1" cy="158515"/>
+          </a:xfrm>
+          <a:prstGeom prst="line">
+            <a:avLst/>
+          </a:prstGeom>
+          <a:noFill/>
+          <a:ln w="12700" cap="flat" cmpd="sng" algn="ctr">
+            <a:solidFill>
+              <a:sysClr val="windowText" lastClr="000000"/>
+            </a:solidFill>
+            <a:prstDash val="solid"/>
+            <a:miter lim="800000"/>
+          </a:ln>
+          <a:effectLst/>
+        </p:spPr>
+      </p:cxnSp>
+      <p:sp>
+        <p:nvSpPr>
+          <p:cNvPr id="400" name="CuadroTexto 262" descr="Conector entre nodos" title="conector"/>
+          <p:cNvSpPr txBox="1"/>
+          <p:nvPr/>
+        </p:nvSpPr>
+        <p:spPr>
+          <a:xfrm>
+            <a:off x="1778736" y="4169355"/>
+            <a:ext cx="804780" cy="215444"/>
           </a:xfrm>
           <a:prstGeom prst="rect">
             <a:avLst/>
@@ -4954,14 +5177,48 @@
               <a:defRPr/>
             </a:pPr>
             <a:r>
-              <a:rPr lang="es-ES" sz="900" kern="0" dirty="0" smtClean="0">
+              <a:rPr lang="es-ES" sz="800" kern="0" dirty="0">
                 <a:solidFill>
                   <a:prstClr val="black"/>
                 </a:solidFill>
-              </a:rPr>
-              <a:t>Se expresa</a:t>
-            </a:r>
-            <a:endParaRPr kumimoji="0" lang="es-ES" sz="900" b="0" i="0" u="none" strike="noStrike" kern="0" cap="none" spc="0" normalizeH="0" baseline="0" noProof="0" dirty="0">
+                <a:latin typeface="Arial" panose="020B0604020202020204" pitchFamily="34" charset="0"/>
+                <a:cs typeface="Arial" panose="020B0604020202020204" pitchFamily="34" charset="0"/>
+              </a:rPr>
+              <a:t>i</a:t>
+            </a:r>
+            <a:r>
+              <a:rPr kumimoji="0" lang="es-ES" sz="800" b="0" i="0" u="none" strike="noStrike" kern="0" cap="none" spc="0" normalizeH="0" baseline="0" noProof="0" dirty="0" err="1" smtClean="0">
+                <a:ln>
+                  <a:noFill/>
+                </a:ln>
+                <a:solidFill>
+                  <a:prstClr val="black"/>
+                </a:solidFill>
+                <a:effectLst/>
+                <a:uLnTx/>
+                <a:uFillTx/>
+                <a:latin typeface="Arial" panose="020B0604020202020204" pitchFamily="34" charset="0"/>
+                <a:cs typeface="Arial" panose="020B0604020202020204" pitchFamily="34" charset="0"/>
+              </a:rPr>
+              <a:t>ntegrado</a:t>
+            </a:r>
+            <a:r>
+              <a:rPr kumimoji="0" lang="es-ES" sz="800" b="0" i="0" u="none" strike="noStrike" kern="0" cap="none" spc="0" normalizeH="0" noProof="0" dirty="0" smtClean="0">
+                <a:ln>
+                  <a:noFill/>
+                </a:ln>
+                <a:solidFill>
+                  <a:prstClr val="black"/>
+                </a:solidFill>
+                <a:effectLst/>
+                <a:uLnTx/>
+                <a:uFillTx/>
+                <a:latin typeface="Arial" panose="020B0604020202020204" pitchFamily="34" charset="0"/>
+                <a:cs typeface="Arial" panose="020B0604020202020204" pitchFamily="34" charset="0"/>
+              </a:rPr>
+              <a:t> por</a:t>
+            </a:r>
+            <a:endParaRPr kumimoji="0" lang="es-ES" sz="800" b="0" i="0" u="none" strike="noStrike" kern="0" cap="none" spc="0" normalizeH="0" baseline="0" noProof="0" dirty="0">
               <a:ln>
                 <a:noFill/>
               </a:ln>
@@ -4971,19 +5228,21 @@
               <a:effectLst/>
               <a:uLnTx/>
               <a:uFillTx/>
+              <a:latin typeface="Arial" panose="020B0604020202020204" pitchFamily="34" charset="0"/>
+              <a:cs typeface="Arial" panose="020B0604020202020204" pitchFamily="34" charset="0"/>
             </a:endParaRPr>
           </a:p>
         </p:txBody>
       </p:sp>
       <p:cxnSp>
         <p:nvCxnSpPr>
-          <p:cNvPr id="351" name="Conector recto 380"/>
+          <p:cNvPr id="401" name="Conector recto 380"/>
           <p:cNvCxnSpPr/>
           <p:nvPr/>
         </p:nvCxnSpPr>
         <p:spPr>
           <a:xfrm flipH="1">
-            <a:off x="3275855" y="3499025"/>
+            <a:off x="2118282" y="4346036"/>
             <a:ext cx="1" cy="158515"/>
           </a:xfrm>
           <a:prstGeom prst="line">
@@ -5000,21 +5259,23 @@
           <a:effectLst/>
         </p:spPr>
       </p:cxnSp>
-      <p:cxnSp>
-        <p:nvCxnSpPr>
-          <p:cNvPr id="352" name="Conector recto 380"/>
-          <p:cNvCxnSpPr/>
-          <p:nvPr/>
-        </p:nvCxnSpPr>
-        <p:spPr>
-          <a:xfrm flipH="1">
-            <a:off x="4644008" y="3479259"/>
-            <a:ext cx="1" cy="158515"/>
-          </a:xfrm>
-          <a:prstGeom prst="line">
-            <a:avLst/>
-          </a:prstGeom>
-          <a:noFill/>
+      <p:sp>
+        <p:nvSpPr>
+          <p:cNvPr id="407" name="Rectángulo 72" descr="Nodo de cuarto nivel&#10;" title="Nodo04"/>
+          <p:cNvSpPr/>
+          <p:nvPr/>
+        </p:nvSpPr>
+        <p:spPr>
+          <a:xfrm>
+            <a:off x="79362" y="4512242"/>
+            <a:ext cx="883002" cy="717076"/>
+          </a:xfrm>
+          <a:prstGeom prst="rect">
+            <a:avLst/>
+          </a:prstGeom>
+          <a:solidFill>
+            <a:sysClr val="window" lastClr="FFFFFF"/>
+          </a:solidFill>
           <a:ln w="12700" cap="flat" cmpd="sng" algn="ctr">
             <a:solidFill>
               <a:sysClr val="windowText" lastClr="000000"/>
@@ -5024,22 +5285,86 @@
           </a:ln>
           <a:effectLst/>
         </p:spPr>
-      </p:cxnSp>
-      <p:cxnSp>
-        <p:nvCxnSpPr>
-          <p:cNvPr id="359" name="Conector recto 382"/>
-          <p:cNvCxnSpPr/>
-          <p:nvPr/>
-        </p:nvCxnSpPr>
-        <p:spPr>
-          <a:xfrm flipH="1">
-            <a:off x="3779911" y="735196"/>
-            <a:ext cx="1" cy="158515"/>
-          </a:xfrm>
-          <a:prstGeom prst="line">
-            <a:avLst/>
-          </a:prstGeom>
-          <a:noFill/>
+        <p:txBody>
+          <a:bodyPr rtlCol="0" anchor="ctr"/>
+          <a:lstStyle/>
+          <a:p>
+            <a:pPr lvl="0" algn="ctr"/>
+            <a:r>
+              <a:rPr lang="es-ES" sz="800" kern="0" dirty="0">
+                <a:solidFill>
+                  <a:prstClr val="black"/>
+                </a:solidFill>
+                <a:latin typeface="Arial" panose="020B0604020202020204" pitchFamily="34" charset="0"/>
+                <a:cs typeface="Arial" panose="020B0604020202020204" pitchFamily="34" charset="0"/>
+              </a:rPr>
+              <a:t>o</a:t>
+            </a:r>
+            <a:r>
+              <a:rPr kumimoji="0" lang="es-ES" sz="800" b="0" i="0" u="none" strike="noStrike" kern="0" cap="none" spc="0" normalizeH="0" baseline="0" noProof="0" dirty="0" err="1" smtClean="0">
+                <a:ln>
+                  <a:noFill/>
+                </a:ln>
+                <a:solidFill>
+                  <a:prstClr val="black"/>
+                </a:solidFill>
+                <a:effectLst/>
+                <a:uLnTx/>
+                <a:uFillTx/>
+                <a:latin typeface="Arial" panose="020B0604020202020204" pitchFamily="34" charset="0"/>
+                <a:cs typeface="Arial" panose="020B0604020202020204" pitchFamily="34" charset="0"/>
+              </a:rPr>
+              <a:t>bras</a:t>
+            </a:r>
+            <a:r>
+              <a:rPr kumimoji="0" lang="es-ES" sz="800" b="0" i="0" u="none" strike="noStrike" kern="0" cap="none" spc="0" normalizeH="0" baseline="0" noProof="0" dirty="0" smtClean="0">
+                <a:ln>
+                  <a:noFill/>
+                </a:ln>
+                <a:solidFill>
+                  <a:prstClr val="black"/>
+                </a:solidFill>
+                <a:effectLst/>
+                <a:uLnTx/>
+                <a:uFillTx/>
+                <a:latin typeface="Arial" panose="020B0604020202020204" pitchFamily="34" charset="0"/>
+                <a:cs typeface="Arial" panose="020B0604020202020204" pitchFamily="34" charset="0"/>
+              </a:rPr>
+              <a:t> escritas en prosa en las que un narrador relata una historia</a:t>
+            </a:r>
+            <a:endParaRPr kumimoji="0" lang="es-ES" sz="800" b="0" i="0" u="none" strike="noStrike" kern="0" cap="none" spc="0" normalizeH="0" baseline="0" noProof="0" dirty="0">
+              <a:ln>
+                <a:noFill/>
+              </a:ln>
+              <a:solidFill>
+                <a:prstClr val="black"/>
+              </a:solidFill>
+              <a:effectLst/>
+              <a:uLnTx/>
+              <a:uFillTx/>
+              <a:latin typeface="Arial" panose="020B0604020202020204" pitchFamily="34" charset="0"/>
+              <a:cs typeface="Arial" panose="020B0604020202020204" pitchFamily="34" charset="0"/>
+            </a:endParaRPr>
+          </a:p>
+        </p:txBody>
+      </p:sp>
+      <p:sp>
+        <p:nvSpPr>
+          <p:cNvPr id="408" name="Rectángulo 72" descr="Nodo de cuarto nivel&#10;" title="Nodo04"/>
+          <p:cNvSpPr/>
+          <p:nvPr/>
+        </p:nvSpPr>
+        <p:spPr>
+          <a:xfrm>
+            <a:off x="1042113" y="4512318"/>
+            <a:ext cx="849417" cy="716151"/>
+          </a:xfrm>
+          <a:prstGeom prst="rect">
+            <a:avLst/>
+          </a:prstGeom>
+          <a:solidFill>
+            <a:sysClr val="window" lastClr="FFFFFF"/>
+          </a:solidFill>
           <a:ln w="12700" cap="flat" cmpd="sng" algn="ctr">
             <a:solidFill>
               <a:sysClr val="windowText" lastClr="000000"/>
@@ -5049,22 +5374,64 @@
           </a:ln>
           <a:effectLst/>
         </p:spPr>
-      </p:cxnSp>
-      <p:cxnSp>
-        <p:nvCxnSpPr>
-          <p:cNvPr id="360" name="Conector recto 382"/>
-          <p:cNvCxnSpPr/>
-          <p:nvPr/>
-        </p:nvCxnSpPr>
+        <p:txBody>
+          <a:bodyPr rtlCol="0" anchor="ctr"/>
+          <a:lstStyle/>
+          <a:p>
+            <a:pPr lvl="0" algn="ctr"/>
+            <a:r>
+              <a:rPr lang="es-CO" sz="800" kern="0" dirty="0" smtClean="0">
+                <a:solidFill>
+                  <a:prstClr val="black"/>
+                </a:solidFill>
+                <a:latin typeface="Arial" panose="020B0604020202020204" pitchFamily="34" charset="0"/>
+                <a:cs typeface="Arial" panose="020B0604020202020204" pitchFamily="34" charset="0"/>
+              </a:rPr>
+              <a:t>textos que expresan los sentimientos del </a:t>
+            </a:r>
+            <a:r>
+              <a:rPr lang="es-CO" sz="800" kern="0" dirty="0" smtClean="0">
+                <a:solidFill>
+                  <a:prstClr val="black"/>
+                </a:solidFill>
+                <a:latin typeface="Arial" panose="020B0604020202020204" pitchFamily="34" charset="0"/>
+                <a:cs typeface="Arial" panose="020B0604020202020204" pitchFamily="34" charset="0"/>
+              </a:rPr>
+              <a:t>autor</a:t>
+            </a:r>
+            <a:endParaRPr kumimoji="0" lang="es-ES" sz="800" b="0" i="0" u="none" strike="noStrike" kern="0" cap="none" spc="0" normalizeH="0" baseline="0" noProof="0" dirty="0">
+              <a:ln>
+                <a:noFill/>
+              </a:ln>
+              <a:solidFill>
+                <a:prstClr val="black"/>
+              </a:solidFill>
+              <a:effectLst/>
+              <a:uLnTx/>
+              <a:uFillTx/>
+              <a:latin typeface="Arial" panose="020B0604020202020204" pitchFamily="34" charset="0"/>
+              <a:cs typeface="Arial" panose="020B0604020202020204" pitchFamily="34" charset="0"/>
+            </a:endParaRPr>
+          </a:p>
+        </p:txBody>
+      </p:sp>
+      <p:sp>
+        <p:nvSpPr>
+          <p:cNvPr id="409" name="Rectángulo 72" descr="Nodo de cuarto nivel&#10;" title="Nodo04"/>
+          <p:cNvSpPr/>
+          <p:nvPr/>
+        </p:nvSpPr>
         <p:spPr>
           <a:xfrm>
-            <a:off x="5868144" y="729081"/>
-            <a:ext cx="0" cy="130490"/>
-          </a:xfrm>
-          <a:prstGeom prst="line">
-            <a:avLst/>
-          </a:prstGeom>
-          <a:noFill/>
+            <a:off x="1948179" y="4512242"/>
+            <a:ext cx="894304" cy="732514"/>
+          </a:xfrm>
+          <a:prstGeom prst="rect">
+            <a:avLst/>
+          </a:prstGeom>
+          <a:solidFill>
+            <a:sysClr val="window" lastClr="FFFFFF"/>
+          </a:solidFill>
           <a:ln w="12700" cap="flat" cmpd="sng" algn="ctr">
             <a:solidFill>
               <a:sysClr val="windowText" lastClr="000000"/>
@@ -5074,96 +5441,77 @@
           </a:ln>
           <a:effectLst/>
         </p:spPr>
-      </p:cxnSp>
-      <p:cxnSp>
-        <p:nvCxnSpPr>
-          <p:cNvPr id="387" name="Conector angular 261"/>
-          <p:cNvCxnSpPr/>
-          <p:nvPr/>
-        </p:nvCxnSpPr>
-        <p:spPr>
-          <a:xfrm rot="10800000" flipV="1">
-            <a:off x="448354" y="3284984"/>
-            <a:ext cx="766572" cy="214041"/>
-          </a:xfrm>
-          <a:prstGeom prst="bentConnector3">
-            <a:avLst>
-              <a:gd name="adj1" fmla="val 100495"/>
-            </a:avLst>
-          </a:prstGeom>
-          <a:noFill/>
-          <a:ln w="12700" cap="flat" cmpd="sng" algn="ctr">
-            <a:solidFill>
-              <a:sysClr val="windowText" lastClr="000000"/>
-            </a:solidFill>
-            <a:prstDash val="solid"/>
-            <a:miter lim="800000"/>
-          </a:ln>
-          <a:effectLst/>
-        </p:spPr>
-      </p:cxnSp>
-      <p:cxnSp>
-        <p:nvCxnSpPr>
-          <p:cNvPr id="388" name="Conector angular 261"/>
-          <p:cNvCxnSpPr>
-            <a:endCxn id="338" idx="0"/>
-          </p:cNvCxnSpPr>
-          <p:nvPr/>
-        </p:nvCxnSpPr>
+        <p:txBody>
+          <a:bodyPr rtlCol="0" anchor="ctr"/>
+          <a:lstStyle/>
+          <a:p>
+            <a:pPr lvl="0" algn="ctr"/>
+            <a:r>
+              <a:rPr lang="es-CO" sz="800" kern="0" dirty="0" smtClean="0">
+                <a:solidFill>
+                  <a:prstClr val="black"/>
+                </a:solidFill>
+                <a:latin typeface="Arial" panose="020B0604020202020204" pitchFamily="34" charset="0"/>
+                <a:cs typeface="Arial" panose="020B0604020202020204" pitchFamily="34" charset="0"/>
+              </a:rPr>
+              <a:t>obras en forma de diálogo </a:t>
+            </a:r>
+            <a:r>
+              <a:rPr lang="es-CO" sz="800" kern="0" dirty="0" smtClean="0">
+                <a:solidFill>
+                  <a:prstClr val="black"/>
+                </a:solidFill>
+                <a:latin typeface="Arial" panose="020B0604020202020204" pitchFamily="34" charset="0"/>
+                <a:cs typeface="Arial" panose="020B0604020202020204" pitchFamily="34" charset="0"/>
+              </a:rPr>
+              <a:t>creadas para representarse en </a:t>
+            </a:r>
+            <a:r>
+              <a:rPr lang="es-CO" sz="800" kern="0" dirty="0">
+                <a:solidFill>
+                  <a:prstClr val="black"/>
+                </a:solidFill>
+                <a:latin typeface="Arial" panose="020B0604020202020204" pitchFamily="34" charset="0"/>
+                <a:cs typeface="Arial" panose="020B0604020202020204" pitchFamily="34" charset="0"/>
+              </a:rPr>
+              <a:t>el </a:t>
+            </a:r>
+            <a:r>
+              <a:rPr lang="es-CO" sz="800" kern="0" dirty="0" smtClean="0">
+                <a:solidFill>
+                  <a:prstClr val="black"/>
+                </a:solidFill>
+                <a:latin typeface="Arial" panose="020B0604020202020204" pitchFamily="34" charset="0"/>
+                <a:cs typeface="Arial" panose="020B0604020202020204" pitchFamily="34" charset="0"/>
+              </a:rPr>
+              <a:t>teatro</a:t>
+            </a:r>
+            <a:endParaRPr kumimoji="0" lang="es-ES" sz="800" b="0" i="0" u="none" strike="noStrike" kern="0" cap="none" spc="0" normalizeH="0" baseline="0" noProof="0" dirty="0">
+              <a:ln>
+                <a:noFill/>
+              </a:ln>
+              <a:solidFill>
+                <a:prstClr val="black"/>
+              </a:solidFill>
+              <a:effectLst/>
+              <a:uLnTx/>
+              <a:uFillTx/>
+              <a:latin typeface="Arial" panose="020B0604020202020204" pitchFamily="34" charset="0"/>
+              <a:cs typeface="Arial" panose="020B0604020202020204" pitchFamily="34" charset="0"/>
+            </a:endParaRPr>
+          </a:p>
+        </p:txBody>
+      </p:sp>
+      <p:sp>
+        <p:nvSpPr>
+          <p:cNvPr id="412" name="CuadroTexto 262" descr="Conector entre nodos" title="conector"/>
+          <p:cNvSpPr txBox="1"/>
+          <p:nvPr/>
+        </p:nvSpPr>
         <p:spPr>
           <a:xfrm>
-            <a:off x="1187624" y="3284984"/>
-            <a:ext cx="1067933" cy="237701"/>
-          </a:xfrm>
-          <a:prstGeom prst="bentConnector2">
-            <a:avLst/>
-          </a:prstGeom>
-          <a:noFill/>
-          <a:ln w="12700" cap="flat" cmpd="sng" algn="ctr">
-            <a:solidFill>
-              <a:sysClr val="windowText" lastClr="000000"/>
-            </a:solidFill>
-            <a:prstDash val="solid"/>
-            <a:miter lim="800000"/>
-          </a:ln>
-          <a:effectLst/>
-        </p:spPr>
-      </p:cxnSp>
-      <p:cxnSp>
-        <p:nvCxnSpPr>
-          <p:cNvPr id="393" name="Conector recto 378"/>
-          <p:cNvCxnSpPr/>
-          <p:nvPr/>
-        </p:nvCxnSpPr>
-        <p:spPr>
-          <a:xfrm flipH="1">
-            <a:off x="460026" y="3824267"/>
-            <a:ext cx="1" cy="158515"/>
-          </a:xfrm>
-          <a:prstGeom prst="line">
-            <a:avLst/>
-          </a:prstGeom>
-          <a:noFill/>
-          <a:ln w="12700" cap="flat" cmpd="sng" algn="ctr">
-            <a:solidFill>
-              <a:sysClr val="windowText" lastClr="000000"/>
-            </a:solidFill>
-            <a:prstDash val="solid"/>
-            <a:miter lim="800000"/>
-          </a:ln>
-          <a:effectLst/>
-        </p:spPr>
-      </p:cxnSp>
-      <p:sp>
-        <p:nvSpPr>
-          <p:cNvPr id="394" name="CuadroTexto 262" descr="Conector entre nodos" title="conector"/>
-          <p:cNvSpPr txBox="1"/>
-          <p:nvPr/>
-        </p:nvSpPr>
-        <p:spPr>
-          <a:xfrm>
-            <a:off x="227349" y="3933162"/>
-            <a:ext cx="447081" cy="230832"/>
+            <a:off x="-75871" y="5335496"/>
+            <a:ext cx="1011123" cy="307777"/>
           </a:xfrm>
           <a:prstGeom prst="rect">
             <a:avLst/>
@@ -5194,14 +5542,42 @@
               <a:defRPr/>
             </a:pPr>
             <a:r>
-              <a:rPr lang="es-ES" sz="900" kern="0" dirty="0" smtClean="0">
+              <a:rPr lang="es-ES" sz="700" kern="0" dirty="0">
                 <a:solidFill>
                   <a:prstClr val="black"/>
                 </a:solidFill>
-              </a:rPr>
-              <a:t>es</a:t>
-            </a:r>
-            <a:endParaRPr kumimoji="0" lang="es-ES" sz="900" b="0" i="0" u="none" strike="noStrike" kern="0" cap="none" spc="0" normalizeH="0" baseline="0" noProof="0" dirty="0">
+                <a:latin typeface="Arial" panose="020B0604020202020204" pitchFamily="34" charset="0"/>
+                <a:cs typeface="Arial" panose="020B0604020202020204" pitchFamily="34" charset="0"/>
+              </a:rPr>
+              <a:t>l</a:t>
+            </a:r>
+            <a:r>
+              <a:rPr lang="es-ES" sz="700" kern="0" noProof="0" dirty="0" smtClean="0">
+                <a:solidFill>
+                  <a:prstClr val="black"/>
+                </a:solidFill>
+                <a:latin typeface="Arial" panose="020B0604020202020204" pitchFamily="34" charset="0"/>
+                <a:cs typeface="Arial" panose="020B0604020202020204" pitchFamily="34" charset="0"/>
+              </a:rPr>
+              <a:t>as cuales se </a:t>
+            </a:r>
+            <a:r>
+              <a:rPr kumimoji="0" lang="es-ES" sz="700" b="0" i="0" u="none" strike="noStrike" kern="0" cap="none" spc="0" normalizeH="0" noProof="0" dirty="0" smtClean="0">
+                <a:ln>
+                  <a:noFill/>
+                </a:ln>
+                <a:solidFill>
+                  <a:prstClr val="black"/>
+                </a:solidFill>
+                <a:effectLst/>
+                <a:uLnTx/>
+                <a:uFillTx/>
+                <a:latin typeface="Arial" panose="020B0604020202020204" pitchFamily="34" charset="0"/>
+                <a:cs typeface="Arial" panose="020B0604020202020204" pitchFamily="34" charset="0"/>
+              </a:rPr>
+              <a:t>estructuran en</a:t>
+            </a:r>
+            <a:endParaRPr kumimoji="0" lang="es-ES" sz="700" b="0" i="0" u="none" strike="noStrike" kern="0" cap="none" spc="0" normalizeH="0" baseline="0" noProof="0" dirty="0">
               <a:ln>
                 <a:noFill/>
               </a:ln>
@@ -5211,19 +5587,476 @@
               <a:effectLst/>
               <a:uLnTx/>
               <a:uFillTx/>
+              <a:latin typeface="Arial" panose="020B0604020202020204" pitchFamily="34" charset="0"/>
+              <a:cs typeface="Arial" panose="020B0604020202020204" pitchFamily="34" charset="0"/>
+            </a:endParaRPr>
+          </a:p>
+        </p:txBody>
+      </p:sp>
+      <p:sp>
+        <p:nvSpPr>
+          <p:cNvPr id="415" name="CuadroTexto 262" descr="Conector entre nodos" title="conector"/>
+          <p:cNvSpPr txBox="1"/>
+          <p:nvPr/>
+        </p:nvSpPr>
+        <p:spPr>
+          <a:xfrm>
+            <a:off x="890400" y="5345325"/>
+            <a:ext cx="1008040" cy="200055"/>
+          </a:xfrm>
+          <a:prstGeom prst="rect">
+            <a:avLst/>
+          </a:prstGeom>
+          <a:noFill/>
+        </p:spPr>
+        <p:txBody>
+          <a:bodyPr wrap="square" rtlCol="0">
+            <a:spAutoFit/>
+          </a:bodyPr>
+          <a:lstStyle/>
+          <a:p>
+            <a:pPr marL="0" marR="0" lvl="0" indent="0" defTabSz="914400" eaLnBrk="1" fontAlgn="auto" latinLnBrk="0" hangingPunct="1">
+              <a:lnSpc>
+                <a:spcPct val="100000"/>
+              </a:lnSpc>
+              <a:spcBef>
+                <a:spcPts val="0"/>
+              </a:spcBef>
+              <a:spcAft>
+                <a:spcPts val="0"/>
+              </a:spcAft>
+              <a:buClrTx/>
+              <a:buSzTx/>
+              <a:buFontTx/>
+              <a:buNone/>
+              <a:tabLst/>
+              <a:defRPr/>
+            </a:pPr>
+            <a:r>
+              <a:rPr lang="es-ES" sz="700" kern="0" dirty="0">
+                <a:solidFill>
+                  <a:prstClr val="black"/>
+                </a:solidFill>
+                <a:latin typeface="Arial" panose="020B0604020202020204" pitchFamily="34" charset="0"/>
+                <a:cs typeface="Arial" panose="020B0604020202020204" pitchFamily="34" charset="0"/>
+              </a:rPr>
+              <a:t>l</a:t>
+            </a:r>
+            <a:r>
+              <a:rPr lang="es-ES" sz="700" kern="0" dirty="0" smtClean="0">
+                <a:solidFill>
+                  <a:prstClr val="black"/>
+                </a:solidFill>
+                <a:latin typeface="Arial" panose="020B0604020202020204" pitchFamily="34" charset="0"/>
+                <a:cs typeface="Arial" panose="020B0604020202020204" pitchFamily="34" charset="0"/>
+              </a:rPr>
+              <a:t>os cuales suelen </a:t>
+            </a:r>
+            <a:endParaRPr kumimoji="0" lang="es-ES" sz="700" b="0" i="0" u="none" strike="noStrike" kern="0" cap="none" spc="0" normalizeH="0" baseline="0" noProof="0" dirty="0">
+              <a:ln>
+                <a:noFill/>
+              </a:ln>
+              <a:solidFill>
+                <a:prstClr val="black"/>
+              </a:solidFill>
+              <a:effectLst/>
+              <a:uLnTx/>
+              <a:uFillTx/>
+              <a:latin typeface="Arial" panose="020B0604020202020204" pitchFamily="34" charset="0"/>
+              <a:cs typeface="Arial" panose="020B0604020202020204" pitchFamily="34" charset="0"/>
+            </a:endParaRPr>
+          </a:p>
+        </p:txBody>
+      </p:sp>
+      <p:sp>
+        <p:nvSpPr>
+          <p:cNvPr id="423" name="Rectángulo 72" descr="Nodo de cuarto nivel&#10;" title="Nodo04"/>
+          <p:cNvSpPr/>
+          <p:nvPr/>
+        </p:nvSpPr>
+        <p:spPr>
+          <a:xfrm>
+            <a:off x="117614" y="5805420"/>
+            <a:ext cx="879782" cy="418268"/>
+          </a:xfrm>
+          <a:prstGeom prst="rect">
+            <a:avLst/>
+          </a:prstGeom>
+          <a:solidFill>
+            <a:sysClr val="window" lastClr="FFFFFF"/>
+          </a:solidFill>
+          <a:ln w="12700" cap="flat" cmpd="sng" algn="ctr">
+            <a:solidFill>
+              <a:sysClr val="windowText" lastClr="000000"/>
+            </a:solidFill>
+            <a:prstDash val="solid"/>
+            <a:miter lim="800000"/>
+          </a:ln>
+          <a:effectLst/>
+        </p:spPr>
+        <p:txBody>
+          <a:bodyPr rtlCol="0" anchor="ctr"/>
+          <a:lstStyle/>
+          <a:p>
+            <a:pPr marL="171450" lvl="0" indent="-171450">
+              <a:buFont typeface="Arial" panose="020B0604020202020204" pitchFamily="34" charset="0"/>
+              <a:buChar char="•"/>
+            </a:pPr>
+            <a:r>
+              <a:rPr lang="es-ES" sz="800" kern="0" dirty="0">
+                <a:solidFill>
+                  <a:prstClr val="black"/>
+                </a:solidFill>
+                <a:latin typeface="Arial" panose="020B0604020202020204" pitchFamily="34" charset="0"/>
+                <a:cs typeface="Arial" panose="020B0604020202020204" pitchFamily="34" charset="0"/>
+              </a:rPr>
+              <a:t>i</a:t>
+            </a:r>
+            <a:r>
+              <a:rPr kumimoji="0" lang="es-ES" sz="800" b="0" i="0" u="none" strike="noStrike" kern="0" cap="none" spc="0" normalizeH="0" baseline="0" noProof="0" dirty="0" err="1" smtClean="0">
+                <a:ln>
+                  <a:noFill/>
+                </a:ln>
+                <a:solidFill>
+                  <a:prstClr val="black"/>
+                </a:solidFill>
+                <a:effectLst/>
+                <a:uLnTx/>
+                <a:uFillTx/>
+                <a:latin typeface="Arial" panose="020B0604020202020204" pitchFamily="34" charset="0"/>
+                <a:cs typeface="Arial" panose="020B0604020202020204" pitchFamily="34" charset="0"/>
+              </a:rPr>
+              <a:t>nicio</a:t>
+            </a:r>
+            <a:endParaRPr kumimoji="0" lang="es-ES" sz="800" b="0" i="0" u="none" strike="noStrike" kern="0" cap="none" spc="0" normalizeH="0" baseline="0" noProof="0" dirty="0" smtClean="0">
+              <a:ln>
+                <a:noFill/>
+              </a:ln>
+              <a:solidFill>
+                <a:prstClr val="black"/>
+              </a:solidFill>
+              <a:effectLst/>
+              <a:uLnTx/>
+              <a:uFillTx/>
+              <a:latin typeface="Arial" panose="020B0604020202020204" pitchFamily="34" charset="0"/>
+              <a:cs typeface="Arial" panose="020B0604020202020204" pitchFamily="34" charset="0"/>
+            </a:endParaRPr>
+          </a:p>
+          <a:p>
+            <a:pPr marL="171450" lvl="0" indent="-171450">
+              <a:buFont typeface="Arial" panose="020B0604020202020204" pitchFamily="34" charset="0"/>
+              <a:buChar char="•"/>
+            </a:pPr>
+            <a:r>
+              <a:rPr lang="es-ES" sz="800" kern="0" dirty="0">
+                <a:solidFill>
+                  <a:prstClr val="black"/>
+                </a:solidFill>
+                <a:latin typeface="Arial" panose="020B0604020202020204" pitchFamily="34" charset="0"/>
+                <a:cs typeface="Arial" panose="020B0604020202020204" pitchFamily="34" charset="0"/>
+              </a:rPr>
+              <a:t>n</a:t>
+            </a:r>
+            <a:r>
+              <a:rPr lang="es-ES" sz="800" kern="0" dirty="0" smtClean="0">
+                <a:solidFill>
+                  <a:prstClr val="black"/>
+                </a:solidFill>
+                <a:latin typeface="Arial" panose="020B0604020202020204" pitchFamily="34" charset="0"/>
+                <a:cs typeface="Arial" panose="020B0604020202020204" pitchFamily="34" charset="0"/>
+              </a:rPr>
+              <a:t>udo</a:t>
+            </a:r>
+          </a:p>
+          <a:p>
+            <a:pPr marL="171450" lvl="0" indent="-171450">
+              <a:buFont typeface="Arial" panose="020B0604020202020204" pitchFamily="34" charset="0"/>
+              <a:buChar char="•"/>
+            </a:pPr>
+            <a:r>
+              <a:rPr kumimoji="0" lang="es-ES" sz="800" b="0" i="0" u="none" strike="noStrike" kern="0" cap="none" spc="0" normalizeH="0" baseline="0" noProof="0" dirty="0" smtClean="0">
+                <a:ln>
+                  <a:noFill/>
+                </a:ln>
+                <a:solidFill>
+                  <a:prstClr val="black"/>
+                </a:solidFill>
+                <a:effectLst/>
+                <a:uLnTx/>
+                <a:uFillTx/>
+                <a:latin typeface="Arial" panose="020B0604020202020204" pitchFamily="34" charset="0"/>
+                <a:cs typeface="Arial" panose="020B0604020202020204" pitchFamily="34" charset="0"/>
+              </a:rPr>
+              <a:t>desenlace</a:t>
+            </a:r>
+            <a:endParaRPr kumimoji="0" lang="es-ES" sz="800" b="0" i="0" u="none" strike="noStrike" kern="0" cap="none" spc="0" normalizeH="0" baseline="0" noProof="0" dirty="0">
+              <a:ln>
+                <a:noFill/>
+              </a:ln>
+              <a:solidFill>
+                <a:prstClr val="black"/>
+              </a:solidFill>
+              <a:effectLst/>
+              <a:uLnTx/>
+              <a:uFillTx/>
+              <a:latin typeface="Arial" panose="020B0604020202020204" pitchFamily="34" charset="0"/>
+              <a:cs typeface="Arial" panose="020B0604020202020204" pitchFamily="34" charset="0"/>
+            </a:endParaRPr>
+          </a:p>
+        </p:txBody>
+      </p:sp>
+      <p:sp>
+        <p:nvSpPr>
+          <p:cNvPr id="424" name="Rectángulo 72" descr="Nodo de cuarto nivel&#10;" title="Nodo04"/>
+          <p:cNvSpPr/>
+          <p:nvPr/>
+        </p:nvSpPr>
+        <p:spPr>
+          <a:xfrm>
+            <a:off x="1098475" y="5688427"/>
+            <a:ext cx="849703" cy="692901"/>
+          </a:xfrm>
+          <a:prstGeom prst="rect">
+            <a:avLst/>
+          </a:prstGeom>
+          <a:solidFill>
+            <a:sysClr val="window" lastClr="FFFFFF"/>
+          </a:solidFill>
+          <a:ln w="12700" cap="flat" cmpd="sng" algn="ctr">
+            <a:solidFill>
+              <a:sysClr val="windowText" lastClr="000000"/>
+            </a:solidFill>
+            <a:prstDash val="solid"/>
+            <a:miter lim="800000"/>
+          </a:ln>
+          <a:effectLst/>
+        </p:spPr>
+        <p:txBody>
+          <a:bodyPr rtlCol="0" anchor="ctr"/>
+          <a:lstStyle/>
+          <a:p>
+            <a:pPr lvl="0"/>
+            <a:r>
+              <a:rPr lang="es-ES" sz="800" kern="0" dirty="0">
+                <a:solidFill>
+                  <a:prstClr val="black"/>
+                </a:solidFill>
+                <a:latin typeface="Arial" panose="020B0604020202020204" pitchFamily="34" charset="0"/>
+                <a:cs typeface="Arial" panose="020B0604020202020204" pitchFamily="34" charset="0"/>
+              </a:rPr>
+              <a:t>c</a:t>
+            </a:r>
+            <a:r>
+              <a:rPr kumimoji="0" lang="es-ES" sz="800" b="0" i="0" u="none" strike="noStrike" kern="0" cap="none" spc="0" normalizeH="0" baseline="0" noProof="0" dirty="0" err="1" smtClean="0">
+                <a:ln>
+                  <a:noFill/>
+                </a:ln>
+                <a:solidFill>
+                  <a:prstClr val="black"/>
+                </a:solidFill>
+                <a:effectLst/>
+                <a:uLnTx/>
+                <a:uFillTx/>
+                <a:latin typeface="Arial" panose="020B0604020202020204" pitchFamily="34" charset="0"/>
+                <a:cs typeface="Arial" panose="020B0604020202020204" pitchFamily="34" charset="0"/>
+              </a:rPr>
+              <a:t>omponerse</a:t>
+            </a:r>
+            <a:r>
+              <a:rPr kumimoji="0" lang="es-ES" sz="800" b="0" i="0" u="none" strike="noStrike" kern="0" cap="none" spc="0" normalizeH="0" noProof="0" dirty="0" smtClean="0">
+                <a:ln>
+                  <a:noFill/>
+                </a:ln>
+                <a:solidFill>
+                  <a:prstClr val="black"/>
+                </a:solidFill>
+                <a:effectLst/>
+                <a:uLnTx/>
+                <a:uFillTx/>
+                <a:latin typeface="Arial" panose="020B0604020202020204" pitchFamily="34" charset="0"/>
+                <a:cs typeface="Arial" panose="020B0604020202020204" pitchFamily="34" charset="0"/>
+              </a:rPr>
+              <a:t> en verso y mantener la rima, el ritmo y la musicalidad</a:t>
+            </a:r>
+            <a:endParaRPr kumimoji="0" lang="es-ES" sz="800" b="0" i="0" u="none" strike="noStrike" kern="0" cap="none" spc="0" normalizeH="0" baseline="0" noProof="0" dirty="0">
+              <a:ln>
+                <a:noFill/>
+              </a:ln>
+              <a:solidFill>
+                <a:prstClr val="black"/>
+              </a:solidFill>
+              <a:effectLst/>
+              <a:uLnTx/>
+              <a:uFillTx/>
+              <a:latin typeface="Arial" panose="020B0604020202020204" pitchFamily="34" charset="0"/>
+              <a:cs typeface="Arial" panose="020B0604020202020204" pitchFamily="34" charset="0"/>
+            </a:endParaRPr>
+          </a:p>
+        </p:txBody>
+      </p:sp>
+      <p:sp>
+        <p:nvSpPr>
+          <p:cNvPr id="66" name="Rectángulo 72" descr="Nodo de cuarto nivel&#10;" title="Nodo04"/>
+          <p:cNvSpPr/>
+          <p:nvPr/>
+        </p:nvSpPr>
+        <p:spPr>
+          <a:xfrm>
+            <a:off x="4103404" y="4049671"/>
+            <a:ext cx="1062668" cy="462572"/>
+          </a:xfrm>
+          <a:prstGeom prst="rect">
+            <a:avLst/>
+          </a:prstGeom>
+          <a:solidFill>
+            <a:sysClr val="window" lastClr="FFFFFF"/>
+          </a:solidFill>
+          <a:ln w="12700" cap="flat" cmpd="sng" algn="ctr">
+            <a:solidFill>
+              <a:sysClr val="windowText" lastClr="000000"/>
+            </a:solidFill>
+            <a:prstDash val="solid"/>
+            <a:miter lim="800000"/>
+          </a:ln>
+          <a:effectLst/>
+        </p:spPr>
+        <p:txBody>
+          <a:bodyPr rtlCol="0" anchor="ctr"/>
+          <a:lstStyle/>
+          <a:p>
+            <a:pPr algn="ctr"/>
+            <a:r>
+              <a:rPr lang="es-CO" sz="800" dirty="0" smtClean="0">
+                <a:latin typeface="Arial" panose="020B0604020202020204" pitchFamily="34" charset="0"/>
+                <a:cs typeface="Arial" panose="020B0604020202020204" pitchFamily="34" charset="0"/>
+              </a:rPr>
+              <a:t>Andrés es la </a:t>
+            </a:r>
+            <a:r>
+              <a:rPr lang="es-CO" sz="800" i="1" dirty="0" smtClean="0">
+                <a:latin typeface="Arial" panose="020B0604020202020204" pitchFamily="34" charset="0"/>
+                <a:cs typeface="Arial" panose="020B0604020202020204" pitchFamily="34" charset="0"/>
+              </a:rPr>
+              <a:t>estrella</a:t>
+            </a:r>
+            <a:r>
+              <a:rPr lang="es-CO" sz="800" dirty="0" smtClean="0">
+                <a:latin typeface="Arial" panose="020B0604020202020204" pitchFamily="34" charset="0"/>
+                <a:cs typeface="Arial" panose="020B0604020202020204" pitchFamily="34" charset="0"/>
+              </a:rPr>
+              <a:t> del equipo de ciclismo</a:t>
+            </a:r>
+            <a:endParaRPr lang="es-CO" sz="800" dirty="0">
+              <a:latin typeface="Arial" panose="020B0604020202020204" pitchFamily="34" charset="0"/>
+              <a:cs typeface="Arial" panose="020B0604020202020204" pitchFamily="34" charset="0"/>
+            </a:endParaRPr>
+          </a:p>
+        </p:txBody>
+      </p:sp>
+      <p:sp>
+        <p:nvSpPr>
+          <p:cNvPr id="71" name="CuadroTexto 262" descr="Conector entre nodos" title="conector"/>
+          <p:cNvSpPr txBox="1"/>
+          <p:nvPr/>
+        </p:nvSpPr>
+        <p:spPr>
+          <a:xfrm>
+            <a:off x="2800815" y="3706772"/>
+            <a:ext cx="785065" cy="215444"/>
+          </a:xfrm>
+          <a:prstGeom prst="rect">
+            <a:avLst/>
+          </a:prstGeom>
+          <a:noFill/>
+        </p:spPr>
+        <p:txBody>
+          <a:bodyPr wrap="square" rtlCol="0">
+            <a:spAutoFit/>
+          </a:bodyPr>
+          <a:lstStyle/>
+          <a:p>
+            <a:pPr marL="0" marR="0" lvl="0" indent="0" defTabSz="914400" eaLnBrk="1" fontAlgn="auto" latinLnBrk="0" hangingPunct="1">
+              <a:lnSpc>
+                <a:spcPct val="100000"/>
+              </a:lnSpc>
+              <a:spcBef>
+                <a:spcPts val="0"/>
+              </a:spcBef>
+              <a:spcAft>
+                <a:spcPts val="0"/>
+              </a:spcAft>
+              <a:buClrTx/>
+              <a:buSzTx/>
+              <a:buFontTx/>
+              <a:buNone/>
+              <a:tabLst/>
+              <a:defRPr/>
+            </a:pPr>
+            <a:r>
+              <a:rPr lang="es-ES" sz="800" kern="0" dirty="0">
+                <a:solidFill>
+                  <a:prstClr val="black"/>
+                </a:solidFill>
+                <a:latin typeface="Arial" panose="020B0604020202020204" pitchFamily="34" charset="0"/>
+                <a:cs typeface="Arial" panose="020B0604020202020204" pitchFamily="34" charset="0"/>
+              </a:rPr>
+              <a:t>p</a:t>
+            </a:r>
+            <a:r>
+              <a:rPr lang="es-ES" sz="800" kern="0" noProof="0" dirty="0" err="1" smtClean="0">
+                <a:solidFill>
+                  <a:prstClr val="black"/>
+                </a:solidFill>
+                <a:latin typeface="Arial" panose="020B0604020202020204" pitchFamily="34" charset="0"/>
+                <a:cs typeface="Arial" panose="020B0604020202020204" pitchFamily="34" charset="0"/>
+              </a:rPr>
+              <a:t>or</a:t>
+            </a:r>
+            <a:r>
+              <a:rPr lang="es-ES" sz="800" kern="0" noProof="0" dirty="0" smtClean="0">
+                <a:solidFill>
+                  <a:prstClr val="black"/>
+                </a:solidFill>
+                <a:latin typeface="Arial" panose="020B0604020202020204" pitchFamily="34" charset="0"/>
+                <a:cs typeface="Arial" panose="020B0604020202020204" pitchFamily="34" charset="0"/>
+              </a:rPr>
+              <a:t> </a:t>
+            </a:r>
+            <a:r>
+              <a:rPr lang="es-ES" sz="800" kern="0" noProof="0" dirty="0" smtClean="0">
+                <a:solidFill>
+                  <a:prstClr val="black"/>
+                </a:solidFill>
+                <a:latin typeface="Arial" panose="020B0604020202020204" pitchFamily="34" charset="0"/>
+                <a:cs typeface="Arial" panose="020B0604020202020204" pitchFamily="34" charset="0"/>
+              </a:rPr>
+              <a:t>ejemplo</a:t>
+            </a:r>
+            <a:endParaRPr kumimoji="0" lang="es-ES" sz="800" b="0" i="0" u="none" strike="noStrike" kern="0" cap="none" spc="0" normalizeH="0" baseline="0" noProof="0" dirty="0">
+              <a:ln>
+                <a:noFill/>
+              </a:ln>
+              <a:solidFill>
+                <a:prstClr val="black"/>
+              </a:solidFill>
+              <a:effectLst/>
+              <a:uLnTx/>
+              <a:uFillTx/>
+              <a:latin typeface="Arial" panose="020B0604020202020204" pitchFamily="34" charset="0"/>
+              <a:cs typeface="Arial" panose="020B0604020202020204" pitchFamily="34" charset="0"/>
             </a:endParaRPr>
           </a:p>
         </p:txBody>
       </p:sp>
       <p:cxnSp>
         <p:nvCxnSpPr>
-          <p:cNvPr id="395" name="Conector recto 380"/>
+          <p:cNvPr id="72" name="Conector recto 380"/>
           <p:cNvCxnSpPr/>
           <p:nvPr/>
         </p:nvCxnSpPr>
         <p:spPr>
           <a:xfrm flipH="1">
-            <a:off x="460025" y="4163994"/>
+            <a:off x="3142685" y="3907285"/>
             <a:ext cx="1" cy="158515"/>
           </a:xfrm>
           <a:prstGeom prst="line">
@@ -5240,41 +6073,16 @@
           <a:effectLst/>
         </p:spPr>
       </p:cxnSp>
-      <p:cxnSp>
-        <p:nvCxnSpPr>
-          <p:cNvPr id="396" name="Conector recto 378"/>
-          <p:cNvCxnSpPr/>
-          <p:nvPr/>
-        </p:nvCxnSpPr>
-        <p:spPr>
-          <a:xfrm flipH="1">
-            <a:off x="1324122" y="3831635"/>
-            <a:ext cx="1" cy="158515"/>
-          </a:xfrm>
-          <a:prstGeom prst="line">
-            <a:avLst/>
-          </a:prstGeom>
-          <a:noFill/>
-          <a:ln w="12700" cap="flat" cmpd="sng" algn="ctr">
-            <a:solidFill>
-              <a:sysClr val="windowText" lastClr="000000"/>
-            </a:solidFill>
-            <a:prstDash val="solid"/>
-            <a:miter lim="800000"/>
-          </a:ln>
-          <a:effectLst/>
-        </p:spPr>
-      </p:cxnSp>
-      <p:sp>
-        <p:nvSpPr>
-          <p:cNvPr id="397" name="CuadroTexto 262" descr="Conector entre nodos" title="conector"/>
+      <p:sp>
+        <p:nvSpPr>
+          <p:cNvPr id="74" name="CuadroTexto 262" descr="Conector entre nodos" title="conector"/>
           <p:cNvSpPr txBox="1"/>
           <p:nvPr/>
         </p:nvSpPr>
         <p:spPr>
           <a:xfrm>
-            <a:off x="971601" y="3932975"/>
-            <a:ext cx="715992" cy="230832"/>
+            <a:off x="4176894" y="3677721"/>
+            <a:ext cx="785065" cy="215444"/>
           </a:xfrm>
           <a:prstGeom prst="rect">
             <a:avLst/>
@@ -5305,14 +6113,46 @@
               <a:defRPr/>
             </a:pPr>
             <a:r>
-              <a:rPr lang="es-ES" sz="900" kern="0" noProof="0" dirty="0" smtClean="0">
+              <a:rPr lang="es-ES" sz="800" kern="0" dirty="0">
                 <a:solidFill>
                   <a:prstClr val="black"/>
                 </a:solidFill>
-              </a:rPr>
-              <a:t>presenta</a:t>
-            </a:r>
-            <a:endParaRPr kumimoji="0" lang="es-ES" sz="900" b="0" i="0" u="none" strike="noStrike" kern="0" cap="none" spc="0" normalizeH="0" baseline="0" noProof="0" dirty="0">
+                <a:latin typeface="Arial" panose="020B0604020202020204" pitchFamily="34" charset="0"/>
+                <a:cs typeface="Arial" panose="020B0604020202020204" pitchFamily="34" charset="0"/>
+              </a:rPr>
+              <a:t>p</a:t>
+            </a:r>
+            <a:r>
+              <a:rPr lang="es-ES" sz="800" kern="0" noProof="0" dirty="0" err="1" smtClean="0">
+                <a:solidFill>
+                  <a:prstClr val="black"/>
+                </a:solidFill>
+                <a:latin typeface="Arial" panose="020B0604020202020204" pitchFamily="34" charset="0"/>
+                <a:cs typeface="Arial" panose="020B0604020202020204" pitchFamily="34" charset="0"/>
+              </a:rPr>
+              <a:t>or</a:t>
+            </a:r>
+            <a:r>
+              <a:rPr lang="es-ES" sz="800" kern="0" noProof="0" dirty="0" smtClean="0">
+                <a:solidFill>
+                  <a:prstClr val="black"/>
+                </a:solidFill>
+                <a:latin typeface="Arial" panose="020B0604020202020204" pitchFamily="34" charset="0"/>
+                <a:cs typeface="Arial" panose="020B0604020202020204" pitchFamily="34" charset="0"/>
+              </a:rPr>
+              <a:t> </a:t>
+            </a:r>
+            <a:r>
+              <a:rPr lang="es-ES" sz="800" kern="0" noProof="0" dirty="0" smtClean="0">
+                <a:solidFill>
+                  <a:prstClr val="black"/>
+                </a:solidFill>
+                <a:latin typeface="Arial" panose="020B0604020202020204" pitchFamily="34" charset="0"/>
+                <a:cs typeface="Arial" panose="020B0604020202020204" pitchFamily="34" charset="0"/>
+              </a:rPr>
+              <a:t>ejemplo</a:t>
+            </a:r>
+            <a:endParaRPr kumimoji="0" lang="es-ES" sz="800" b="0" i="0" u="none" strike="noStrike" kern="0" cap="none" spc="0" normalizeH="0" baseline="0" noProof="0" dirty="0">
               <a:ln>
                 <a:noFill/>
               </a:ln>
@@ -5322,25 +6162,29 @@
               <a:effectLst/>
               <a:uLnTx/>
               <a:uFillTx/>
+              <a:latin typeface="Arial" panose="020B0604020202020204" pitchFamily="34" charset="0"/>
+              <a:cs typeface="Arial" panose="020B0604020202020204" pitchFamily="34" charset="0"/>
             </a:endParaRPr>
           </a:p>
         </p:txBody>
       </p:sp>
-      <p:cxnSp>
-        <p:nvCxnSpPr>
-          <p:cNvPr id="398" name="Conector recto 380"/>
-          <p:cNvCxnSpPr/>
-          <p:nvPr/>
-        </p:nvCxnSpPr>
-        <p:spPr>
-          <a:xfrm flipH="1">
-            <a:off x="1324121" y="4134581"/>
-            <a:ext cx="1" cy="158515"/>
-          </a:xfrm>
-          <a:prstGeom prst="line">
-            <a:avLst/>
-          </a:prstGeom>
-          <a:noFill/>
+      <p:sp>
+        <p:nvSpPr>
+          <p:cNvPr id="76" name="Rectángulo 72" descr="Nodo de cuarto nivel&#10;" title="Nodo04"/>
+          <p:cNvSpPr/>
+          <p:nvPr/>
+        </p:nvSpPr>
+        <p:spPr>
+          <a:xfrm>
+            <a:off x="2959749" y="4074135"/>
+            <a:ext cx="971283" cy="547974"/>
+          </a:xfrm>
+          <a:prstGeom prst="rect">
+            <a:avLst/>
+          </a:prstGeom>
+          <a:solidFill>
+            <a:sysClr val="window" lastClr="FFFFFF"/>
+          </a:solidFill>
           <a:ln w="12700" cap="flat" cmpd="sng" algn="ctr">
             <a:solidFill>
               <a:sysClr val="windowText" lastClr="000000"/>
@@ -5350,42 +6194,95 @@
           </a:ln>
           <a:effectLst/>
         </p:spPr>
-      </p:cxnSp>
-      <p:cxnSp>
-        <p:nvCxnSpPr>
-          <p:cNvPr id="399" name="Conector recto 378"/>
-          <p:cNvCxnSpPr/>
-          <p:nvPr/>
-        </p:nvCxnSpPr>
-        <p:spPr>
-          <a:xfrm flipH="1">
-            <a:off x="2275257" y="3831635"/>
-            <a:ext cx="1" cy="158515"/>
-          </a:xfrm>
-          <a:prstGeom prst="line">
-            <a:avLst/>
-          </a:prstGeom>
-          <a:noFill/>
-          <a:ln w="12700" cap="flat" cmpd="sng" algn="ctr">
-            <a:solidFill>
-              <a:sysClr val="windowText" lastClr="000000"/>
-            </a:solidFill>
-            <a:prstDash val="solid"/>
-            <a:miter lim="800000"/>
-          </a:ln>
-          <a:effectLst/>
-        </p:spPr>
-      </p:cxnSp>
-      <p:sp>
-        <p:nvSpPr>
-          <p:cNvPr id="400" name="CuadroTexto 262" descr="Conector entre nodos" title="conector"/>
+        <p:txBody>
+          <a:bodyPr rtlCol="0" anchor="ctr"/>
+          <a:lstStyle/>
+          <a:p>
+            <a:pPr lvl="0" algn="ctr"/>
+            <a:r>
+              <a:rPr lang="es-ES" sz="800" kern="0" noProof="0" dirty="0" smtClean="0">
+                <a:solidFill>
+                  <a:prstClr val="black"/>
+                </a:solidFill>
+                <a:latin typeface="Arial" panose="020B0604020202020204" pitchFamily="34" charset="0"/>
+                <a:cs typeface="Arial" panose="020B0604020202020204" pitchFamily="34" charset="0"/>
+              </a:rPr>
+              <a:t>L</a:t>
+            </a:r>
+            <a:r>
+              <a:rPr kumimoji="0" lang="es-ES" sz="800" b="0" i="0" u="none" strike="noStrike" kern="0" cap="none" spc="0" normalizeH="0" baseline="0" noProof="0" dirty="0" smtClean="0">
+                <a:ln>
+                  <a:noFill/>
+                </a:ln>
+                <a:solidFill>
+                  <a:prstClr val="black"/>
+                </a:solidFill>
+                <a:effectLst/>
+                <a:uLnTx/>
+                <a:uFillTx/>
+                <a:latin typeface="Arial" panose="020B0604020202020204" pitchFamily="34" charset="0"/>
+                <a:cs typeface="Arial" panose="020B0604020202020204" pitchFamily="34" charset="0"/>
+              </a:rPr>
+              <a:t>as </a:t>
+            </a:r>
+            <a:r>
+              <a:rPr kumimoji="0" lang="es-ES" sz="800" b="0" i="1" u="none" strike="noStrike" kern="0" cap="none" spc="0" normalizeH="0" baseline="0" noProof="0" dirty="0" smtClean="0">
+                <a:ln>
+                  <a:noFill/>
+                </a:ln>
+                <a:solidFill>
+                  <a:prstClr val="black"/>
+                </a:solidFill>
+                <a:effectLst/>
+                <a:uLnTx/>
+                <a:uFillTx/>
+                <a:latin typeface="Arial" panose="020B0604020202020204" pitchFamily="34" charset="0"/>
+                <a:cs typeface="Arial" panose="020B0604020202020204" pitchFamily="34" charset="0"/>
+              </a:rPr>
+              <a:t>estrellas</a:t>
+            </a:r>
+            <a:r>
+              <a:rPr kumimoji="0" lang="es-ES" sz="800" b="0" i="0" u="none" strike="noStrike" kern="0" cap="none" spc="0" normalizeH="0" baseline="0" noProof="0" dirty="0" smtClean="0">
+                <a:ln>
+                  <a:noFill/>
+                </a:ln>
+                <a:solidFill>
+                  <a:prstClr val="black"/>
+                </a:solidFill>
+                <a:effectLst/>
+                <a:uLnTx/>
+                <a:uFillTx/>
+                <a:latin typeface="Arial" panose="020B0604020202020204" pitchFamily="34" charset="0"/>
+                <a:cs typeface="Arial" panose="020B0604020202020204" pitchFamily="34" charset="0"/>
+              </a:rPr>
+              <a:t> son cuerpos celestes que brillan con luz propia  </a:t>
+            </a:r>
+            <a:endParaRPr kumimoji="0" lang="es-ES" sz="800" b="0" i="0" u="none" strike="noStrike" kern="0" cap="none" spc="0" normalizeH="0" baseline="0" noProof="0" dirty="0">
+              <a:ln>
+                <a:noFill/>
+              </a:ln>
+              <a:solidFill>
+                <a:prstClr val="black"/>
+              </a:solidFill>
+              <a:effectLst/>
+              <a:uLnTx/>
+              <a:uFillTx/>
+              <a:latin typeface="Arial" panose="020B0604020202020204" pitchFamily="34" charset="0"/>
+              <a:cs typeface="Arial" panose="020B0604020202020204" pitchFamily="34" charset="0"/>
+            </a:endParaRPr>
+          </a:p>
+        </p:txBody>
+      </p:sp>
+      <p:sp>
+        <p:nvSpPr>
+          <p:cNvPr id="80" name="CuadroTexto 262" descr="Conector entre nodos" title="conector"/>
           <p:cNvSpPr txBox="1"/>
           <p:nvPr/>
         </p:nvSpPr>
         <p:spPr>
           <a:xfrm>
-            <a:off x="1922384" y="3932881"/>
-            <a:ext cx="698608" cy="230832"/>
+            <a:off x="5457189" y="2283659"/>
+            <a:ext cx="1021941" cy="215444"/>
           </a:xfrm>
           <a:prstGeom prst="rect">
             <a:avLst/>
@@ -5416,147 +6313,30 @@
               <a:defRPr/>
             </a:pPr>
             <a:r>
-              <a:rPr lang="es-ES" sz="900" kern="0" noProof="0" dirty="0" smtClean="0">
+              <a:rPr lang="es-ES" sz="800" kern="0" dirty="0">
                 <a:solidFill>
                   <a:prstClr val="black"/>
                 </a:solidFill>
-              </a:rPr>
-              <a:t>contiene</a:t>
-            </a:r>
-            <a:endParaRPr kumimoji="0" lang="es-ES" sz="900" b="0" i="0" u="none" strike="noStrike" kern="0" cap="none" spc="0" normalizeH="0" baseline="0" noProof="0" dirty="0">
-              <a:ln>
-                <a:noFill/>
-              </a:ln>
-              <a:solidFill>
-                <a:prstClr val="black"/>
-              </a:solidFill>
-              <a:effectLst/>
-              <a:uLnTx/>
-              <a:uFillTx/>
-            </a:endParaRPr>
-          </a:p>
-        </p:txBody>
-      </p:sp>
-      <p:cxnSp>
-        <p:nvCxnSpPr>
-          <p:cNvPr id="401" name="Conector recto 380"/>
-          <p:cNvCxnSpPr/>
-          <p:nvPr/>
-        </p:nvCxnSpPr>
-        <p:spPr>
-          <a:xfrm flipH="1">
-            <a:off x="2275258" y="4134581"/>
-            <a:ext cx="1" cy="158515"/>
-          </a:xfrm>
-          <a:prstGeom prst="line">
-            <a:avLst/>
-          </a:prstGeom>
-          <a:noFill/>
-          <a:ln w="12700" cap="flat" cmpd="sng" algn="ctr">
-            <a:solidFill>
-              <a:sysClr val="windowText" lastClr="000000"/>
-            </a:solidFill>
-            <a:prstDash val="solid"/>
-            <a:miter lim="800000"/>
-          </a:ln>
-          <a:effectLst/>
-        </p:spPr>
-      </p:cxnSp>
-      <p:cxnSp>
-        <p:nvCxnSpPr>
-          <p:cNvPr id="402" name="Conector recto 378"/>
-          <p:cNvCxnSpPr/>
-          <p:nvPr/>
-        </p:nvCxnSpPr>
-        <p:spPr>
-          <a:xfrm>
-            <a:off x="1331640" y="3294219"/>
-            <a:ext cx="1" cy="206789"/>
-          </a:xfrm>
-          <a:prstGeom prst="line">
-            <a:avLst/>
-          </a:prstGeom>
-          <a:noFill/>
-          <a:ln w="12700" cap="flat" cmpd="sng" algn="ctr">
-            <a:solidFill>
-              <a:sysClr val="windowText" lastClr="000000"/>
-            </a:solidFill>
-            <a:prstDash val="solid"/>
-            <a:miter lim="800000"/>
-          </a:ln>
-          <a:effectLst/>
-        </p:spPr>
-      </p:cxnSp>
-      <p:sp>
-        <p:nvSpPr>
-          <p:cNvPr id="407" name="Rectángulo 72" descr="Nodo de cuarto nivel&#10;" title="Nodo04"/>
-          <p:cNvSpPr/>
-          <p:nvPr/>
-        </p:nvSpPr>
-        <p:spPr>
-          <a:xfrm>
-            <a:off x="87137" y="4293096"/>
-            <a:ext cx="849417" cy="1152128"/>
-          </a:xfrm>
-          <a:prstGeom prst="rect">
-            <a:avLst/>
-          </a:prstGeom>
-          <a:solidFill>
-            <a:sysClr val="window" lastClr="FFFFFF"/>
-          </a:solidFill>
-          <a:ln w="12700" cap="flat" cmpd="sng" algn="ctr">
-            <a:solidFill>
-              <a:sysClr val="windowText" lastClr="000000"/>
-            </a:solidFill>
-            <a:prstDash val="solid"/>
-            <a:miter lim="800000"/>
-          </a:ln>
-          <a:effectLst/>
-        </p:spPr>
-        <p:txBody>
-          <a:bodyPr rtlCol="0" anchor="ctr"/>
-          <a:lstStyle/>
-          <a:p>
-            <a:pPr lvl="0" algn="ctr"/>
-            <a:r>
-              <a:rPr lang="es-CO" sz="800" kern="0" dirty="0" smtClean="0">
+                <a:latin typeface="Arial" panose="020B0604020202020204" pitchFamily="34" charset="0"/>
+                <a:cs typeface="Arial" panose="020B0604020202020204" pitchFamily="34" charset="0"/>
+              </a:rPr>
+              <a:t>s</a:t>
+            </a:r>
+            <a:r>
+              <a:rPr kumimoji="0" lang="es-ES" sz="800" b="0" i="0" u="none" strike="noStrike" kern="0" cap="none" spc="0" normalizeH="0" baseline="0" noProof="0" dirty="0" smtClean="0">
+                <a:ln>
+                  <a:noFill/>
+                </a:ln>
                 <a:solidFill>
                   <a:prstClr val="black"/>
                 </a:solidFill>
-              </a:rPr>
-              <a:t>también llamado épico. Suele contar historias o hazañas de </a:t>
-            </a:r>
-            <a:r>
-              <a:rPr lang="es-CO" sz="800" kern="0" dirty="0">
-                <a:solidFill>
-                  <a:prstClr val="black"/>
-                </a:solidFill>
-              </a:rPr>
-              <a:t>uno </a:t>
-            </a:r>
-            <a:r>
-              <a:rPr lang="es-CO" sz="800" kern="0" dirty="0" smtClean="0">
-                <a:solidFill>
-                  <a:prstClr val="black"/>
-                </a:solidFill>
-              </a:rPr>
-              <a:t>o varios personajes. Predomina </a:t>
-            </a:r>
-            <a:r>
-              <a:rPr lang="es-CO" sz="800" kern="0" dirty="0">
-                <a:solidFill>
-                  <a:prstClr val="black"/>
-                </a:solidFill>
-              </a:rPr>
-              <a:t>la </a:t>
-            </a:r>
-            <a:r>
-              <a:rPr lang="es-CO" sz="800" kern="0" dirty="0" smtClean="0">
-                <a:solidFill>
-                  <a:prstClr val="black"/>
-                </a:solidFill>
-              </a:rPr>
-              <a:t>prosa </a:t>
+                <a:effectLst/>
+                <a:uLnTx/>
+                <a:uFillTx/>
+                <a:latin typeface="Arial" panose="020B0604020202020204" pitchFamily="34" charset="0"/>
+                <a:cs typeface="Arial" panose="020B0604020202020204" pitchFamily="34" charset="0"/>
+              </a:rPr>
+              <a:t>e define como</a:t>
             </a:r>
             <a:endParaRPr kumimoji="0" lang="es-ES" sz="800" b="0" i="0" u="none" strike="noStrike" kern="0" cap="none" spc="0" normalizeH="0" baseline="0" noProof="0" dirty="0">
               <a:ln>
@@ -5568,27 +6348,55 @@
               <a:effectLst/>
               <a:uLnTx/>
               <a:uFillTx/>
-              <a:latin typeface="Calibri" panose="020F0502020204030204"/>
+              <a:latin typeface="Arial" panose="020B0604020202020204" pitchFamily="34" charset="0"/>
+              <a:cs typeface="Arial" panose="020B0604020202020204" pitchFamily="34" charset="0"/>
             </a:endParaRPr>
           </a:p>
         </p:txBody>
       </p:sp>
-      <p:sp>
-        <p:nvSpPr>
-          <p:cNvPr id="408" name="Rectángulo 72" descr="Nodo de cuarto nivel&#10;" title="Nodo04"/>
+      <p:cxnSp>
+        <p:nvCxnSpPr>
+          <p:cNvPr id="81" name="Conector recto 380"/>
+          <p:cNvCxnSpPr/>
+          <p:nvPr/>
+        </p:nvCxnSpPr>
+        <p:spPr>
+          <a:xfrm flipH="1">
+            <a:off x="5915931" y="2466820"/>
+            <a:ext cx="1" cy="158515"/>
+          </a:xfrm>
+          <a:prstGeom prst="line">
+            <a:avLst/>
+          </a:prstGeom>
+          <a:noFill/>
+          <a:ln w="12700" cap="flat" cmpd="sng" algn="ctr">
+            <a:solidFill>
+              <a:sysClr val="windowText" lastClr="000000"/>
+            </a:solidFill>
+            <a:prstDash val="solid"/>
+            <a:miter lim="800000"/>
+          </a:ln>
+          <a:effectLst/>
+        </p:spPr>
+      </p:cxnSp>
+      <p:sp>
+        <p:nvSpPr>
+          <p:cNvPr id="82" name="Rectángulo 283" descr="Nodo de tercer nivel" title="Nodo03"/>
           <p:cNvSpPr/>
           <p:nvPr/>
         </p:nvSpPr>
         <p:spPr>
           <a:xfrm>
-            <a:off x="986279" y="4293096"/>
-            <a:ext cx="849417" cy="1152128"/>
+            <a:off x="5197567" y="2607760"/>
+            <a:ext cx="1656184" cy="862113"/>
           </a:xfrm>
           <a:prstGeom prst="rect">
             <a:avLst/>
           </a:prstGeom>
           <a:solidFill>
-            <a:sysClr val="window" lastClr="FFFFFF"/>
+            <a:srgbClr val="E7E6E6">
+              <a:lumMod val="90000"/>
+            </a:srgbClr>
           </a:solidFill>
           <a:ln w="12700" cap="flat" cmpd="sng" algn="ctr">
             <a:solidFill>
@@ -5603,178 +6411,86 @@
           <a:bodyPr rtlCol="0" anchor="ctr"/>
           <a:lstStyle/>
           <a:p>
-            <a:pPr lvl="0" algn="ctr"/>
-            <a:r>
-              <a:rPr lang="es-CO" sz="800" kern="0" dirty="0" smtClean="0">
-                <a:solidFill>
-                  <a:prstClr val="black"/>
-                </a:solidFill>
-              </a:rPr>
-              <a:t>textos que expresan los sentimientos del autor. Suelen escribirse en verso y pueden tener rima</a:t>
-            </a:r>
-            <a:endParaRPr kumimoji="0" lang="es-ES" sz="800" b="0" i="0" u="none" strike="noStrike" kern="0" cap="none" spc="0" normalizeH="0" baseline="0" noProof="0" dirty="0">
-              <a:ln>
-                <a:noFill/>
-              </a:ln>
-              <a:solidFill>
-                <a:prstClr val="black"/>
-              </a:solidFill>
-              <a:effectLst/>
-              <a:uLnTx/>
-              <a:uFillTx/>
-              <a:latin typeface="Calibri" panose="020F0502020204030204"/>
+            <a:pPr algn="ctr">
+              <a:defRPr/>
+            </a:pPr>
+            <a:endParaRPr lang="es-ES_tradnl" sz="900" dirty="0" smtClean="0">
+              <a:latin typeface="Arial" panose="020B0604020202020204" pitchFamily="34" charset="0"/>
+              <a:cs typeface="Arial" panose="020B0604020202020204" pitchFamily="34" charset="0"/>
             </a:endParaRPr>
           </a:p>
-        </p:txBody>
-      </p:sp>
-      <p:sp>
-        <p:nvSpPr>
-          <p:cNvPr id="409" name="Rectángulo 72" descr="Nodo de cuarto nivel&#10;" title="Nodo04"/>
-          <p:cNvSpPr/>
-          <p:nvPr/>
-        </p:nvSpPr>
-        <p:spPr>
-          <a:xfrm>
-            <a:off x="1922383" y="4293096"/>
-            <a:ext cx="849417" cy="1152128"/>
-          </a:xfrm>
-          <a:prstGeom prst="rect">
-            <a:avLst/>
-          </a:prstGeom>
-          <a:solidFill>
-            <a:sysClr val="window" lastClr="FFFFFF"/>
-          </a:solidFill>
-          <a:ln w="12700" cap="flat" cmpd="sng" algn="ctr">
-            <a:solidFill>
-              <a:sysClr val="windowText" lastClr="000000"/>
-            </a:solidFill>
-            <a:prstDash val="solid"/>
-            <a:miter lim="800000"/>
-          </a:ln>
-          <a:effectLst/>
-        </p:spPr>
-        <p:txBody>
-          <a:bodyPr rtlCol="0" anchor="ctr"/>
-          <a:lstStyle/>
-          <a:p>
-            <a:pPr lvl="0" algn="ctr"/>
-            <a:r>
-              <a:rPr lang="es-CO" sz="800" kern="0" dirty="0" smtClean="0">
-                <a:solidFill>
-                  <a:prstClr val="black"/>
-                </a:solidFill>
-              </a:rPr>
-              <a:t>obras en forma de diálogo </a:t>
-            </a:r>
-            <a:r>
-              <a:rPr lang="es-CO" sz="800" kern="0" dirty="0">
-                <a:solidFill>
-                  <a:prstClr val="black"/>
-                </a:solidFill>
-              </a:rPr>
-              <a:t>que </a:t>
-            </a:r>
-            <a:r>
-              <a:rPr lang="es-CO" sz="800" kern="0" dirty="0" smtClean="0">
-                <a:solidFill>
-                  <a:prstClr val="black"/>
-                </a:solidFill>
-              </a:rPr>
-              <a:t>se crean </a:t>
-            </a:r>
-            <a:r>
-              <a:rPr lang="es-CO" sz="800" kern="0" dirty="0">
-                <a:solidFill>
-                  <a:prstClr val="black"/>
-                </a:solidFill>
-              </a:rPr>
-              <a:t>para </a:t>
-            </a:r>
-            <a:r>
-              <a:rPr lang="es-CO" sz="800" kern="0" dirty="0" smtClean="0">
-                <a:solidFill>
-                  <a:prstClr val="black"/>
-                </a:solidFill>
-              </a:rPr>
-              <a:t>ser representadas en </a:t>
-            </a:r>
-            <a:r>
-              <a:rPr lang="es-CO" sz="800" kern="0" dirty="0">
-                <a:solidFill>
-                  <a:prstClr val="black"/>
-                </a:solidFill>
-              </a:rPr>
-              <a:t>el </a:t>
-            </a:r>
-            <a:r>
-              <a:rPr lang="es-CO" sz="800" kern="0" dirty="0" smtClean="0">
-                <a:solidFill>
-                  <a:prstClr val="black"/>
-                </a:solidFill>
-              </a:rPr>
-              <a:t>teatro</a:t>
-            </a:r>
-            <a:endParaRPr kumimoji="0" lang="es-ES" sz="800" b="0" i="0" u="none" strike="noStrike" kern="0" cap="none" spc="0" normalizeH="0" baseline="0" noProof="0" dirty="0">
-              <a:ln>
-                <a:noFill/>
-              </a:ln>
-              <a:solidFill>
-                <a:prstClr val="black"/>
-              </a:solidFill>
-              <a:effectLst/>
-              <a:uLnTx/>
-              <a:uFillTx/>
-              <a:latin typeface="Calibri" panose="020F0502020204030204"/>
+          <a:p>
+            <a:pPr algn="ctr">
+              <a:defRPr/>
+            </a:pPr>
+            <a:r>
+              <a:rPr lang="es-ES_tradnl" sz="900" dirty="0" smtClean="0">
+                <a:latin typeface="Arial" panose="020B0604020202020204" pitchFamily="34" charset="0"/>
+                <a:cs typeface="Arial" panose="020B0604020202020204" pitchFamily="34" charset="0"/>
+              </a:rPr>
+              <a:t>un </a:t>
+            </a:r>
+            <a:r>
+              <a:rPr lang="es-ES_tradnl" sz="900" dirty="0" smtClean="0">
+                <a:latin typeface="Arial" panose="020B0604020202020204" pitchFamily="34" charset="0"/>
+                <a:cs typeface="Arial" panose="020B0604020202020204" pitchFamily="34" charset="0"/>
+              </a:rPr>
+              <a:t>programa informativo que presenta hechos </a:t>
+            </a:r>
+            <a:r>
+              <a:rPr lang="es-ES_tradnl" sz="900" dirty="0" smtClean="0">
+                <a:latin typeface="Arial" panose="020B0604020202020204" pitchFamily="34" charset="0"/>
+                <a:cs typeface="Arial" panose="020B0604020202020204" pitchFamily="34" charset="0"/>
+              </a:rPr>
+              <a:t>que se </a:t>
+            </a:r>
+            <a:r>
+              <a:rPr lang="es-ES_tradnl" sz="900" dirty="0">
+                <a:latin typeface="Arial" panose="020B0604020202020204" pitchFamily="34" charset="0"/>
+                <a:cs typeface="Arial" panose="020B0604020202020204" pitchFamily="34" charset="0"/>
+              </a:rPr>
+              <a:t>cuentan </a:t>
+            </a:r>
+            <a:r>
+              <a:rPr lang="es-ES_tradnl" sz="900" dirty="0" smtClean="0">
+                <a:latin typeface="Arial" panose="020B0604020202020204" pitchFamily="34" charset="0"/>
+                <a:cs typeface="Arial" panose="020B0604020202020204" pitchFamily="34" charset="0"/>
+              </a:rPr>
+              <a:t>de manera clara, </a:t>
+            </a:r>
+            <a:r>
+              <a:rPr lang="es-ES_tradnl" sz="900" dirty="0">
+                <a:latin typeface="Arial" panose="020B0604020202020204" pitchFamily="34" charset="0"/>
+                <a:cs typeface="Arial" panose="020B0604020202020204" pitchFamily="34" charset="0"/>
+              </a:rPr>
+              <a:t>en forma breve y</a:t>
+            </a:r>
+            <a:r>
+              <a:rPr lang="es-ES_tradnl" sz="900" dirty="0" smtClean="0">
+                <a:latin typeface="Arial" panose="020B0604020202020204" pitchFamily="34" charset="0"/>
+                <a:cs typeface="Arial" panose="020B0604020202020204" pitchFamily="34" charset="0"/>
+              </a:rPr>
+              <a:t> </a:t>
+            </a:r>
+            <a:r>
+              <a:rPr lang="es-ES_tradnl" sz="900" dirty="0">
+                <a:latin typeface="Arial" panose="020B0604020202020204" pitchFamily="34" charset="0"/>
+                <a:cs typeface="Arial" panose="020B0604020202020204" pitchFamily="34" charset="0"/>
+              </a:rPr>
+              <a:t>con un estilo ágil y dinámico que cautiva la </a:t>
+            </a:r>
+            <a:r>
+              <a:rPr lang="es-ES_tradnl" sz="900" dirty="0" smtClean="0">
+                <a:latin typeface="Arial" panose="020B0604020202020204" pitchFamily="34" charset="0"/>
+                <a:cs typeface="Arial" panose="020B0604020202020204" pitchFamily="34" charset="0"/>
+              </a:rPr>
+              <a:t>atención</a:t>
+            </a:r>
+            <a:endParaRPr lang="es-CO" sz="900" dirty="0">
+              <a:latin typeface="Arial" panose="020B0604020202020204" pitchFamily="34" charset="0"/>
+              <a:cs typeface="Arial" panose="020B0604020202020204" pitchFamily="34" charset="0"/>
             </a:endParaRPr>
           </a:p>
-        </p:txBody>
-      </p:sp>
-      <p:cxnSp>
-        <p:nvCxnSpPr>
-          <p:cNvPr id="410" name="Conector recto 378"/>
-          <p:cNvCxnSpPr/>
-          <p:nvPr/>
-        </p:nvCxnSpPr>
-        <p:spPr>
-          <a:xfrm flipH="1">
-            <a:off x="539551" y="5445224"/>
-            <a:ext cx="2" cy="79257"/>
-          </a:xfrm>
-          <a:prstGeom prst="line">
-            <a:avLst/>
-          </a:prstGeom>
-          <a:noFill/>
-          <a:ln w="12700" cap="flat" cmpd="sng" algn="ctr">
-            <a:solidFill>
-              <a:sysClr val="windowText" lastClr="000000"/>
-            </a:solidFill>
-            <a:prstDash val="solid"/>
-            <a:miter lim="800000"/>
-          </a:ln>
-          <a:effectLst/>
-        </p:spPr>
-      </p:cxnSp>
-      <p:sp>
-        <p:nvSpPr>
-          <p:cNvPr id="412" name="CuadroTexto 262" descr="Conector entre nodos" title="conector"/>
-          <p:cNvSpPr txBox="1"/>
-          <p:nvPr/>
-        </p:nvSpPr>
-        <p:spPr>
-          <a:xfrm>
-            <a:off x="257619" y="5484852"/>
-            <a:ext cx="574021" cy="230832"/>
-          </a:xfrm>
-          <a:prstGeom prst="rect">
-            <a:avLst/>
-          </a:prstGeom>
-          <a:noFill/>
-        </p:spPr>
-        <p:txBody>
-          <a:bodyPr wrap="square" rtlCol="0">
-            <a:spAutoFit/>
-          </a:bodyPr>
-          <a:lstStyle/>
           <a:p>
             <a:pPr marL="0" marR="0" lvl="0" indent="0" algn="ctr" defTabSz="914400" eaLnBrk="1" fontAlgn="auto" latinLnBrk="0" hangingPunct="1">
               <a:lnSpc>
@@ -5793,14 +6509,6 @@
               <a:tabLst/>
               <a:defRPr/>
             </a:pPr>
-            <a:r>
-              <a:rPr lang="es-ES" sz="900" kern="0" noProof="0" dirty="0" smtClean="0">
-                <a:solidFill>
-                  <a:prstClr val="black"/>
-                </a:solidFill>
-              </a:rPr>
-              <a:t>posee</a:t>
-            </a:r>
             <a:endParaRPr kumimoji="0" lang="es-ES" sz="900" b="0" i="0" u="none" strike="noStrike" kern="0" cap="none" spc="0" normalizeH="0" baseline="0" noProof="0" dirty="0">
               <a:ln>
                 <a:noFill/>
@@ -5811,20 +6519,22 @@
               <a:effectLst/>
               <a:uLnTx/>
               <a:uFillTx/>
+              <a:latin typeface="Arial" panose="020B0604020202020204" pitchFamily="34" charset="0"/>
+              <a:cs typeface="Arial" panose="020B0604020202020204" pitchFamily="34" charset="0"/>
             </a:endParaRPr>
           </a:p>
         </p:txBody>
       </p:sp>
       <p:cxnSp>
         <p:nvCxnSpPr>
-          <p:cNvPr id="413" name="Conector recto 378"/>
+          <p:cNvPr id="83" name="Conector recto 378"/>
           <p:cNvCxnSpPr/>
           <p:nvPr/>
         </p:nvCxnSpPr>
         <p:spPr>
           <a:xfrm flipH="1">
-            <a:off x="539553" y="5676881"/>
-            <a:ext cx="2" cy="79257"/>
+            <a:off x="5956100" y="3464557"/>
+            <a:ext cx="1" cy="158515"/>
           </a:xfrm>
           <a:prstGeom prst="line">
             <a:avLst/>
@@ -5840,41 +6550,16 @@
           <a:effectLst/>
         </p:spPr>
       </p:cxnSp>
-      <p:cxnSp>
-        <p:nvCxnSpPr>
-          <p:cNvPr id="414" name="Conector recto 378"/>
-          <p:cNvCxnSpPr/>
-          <p:nvPr/>
-        </p:nvCxnSpPr>
-        <p:spPr>
-          <a:xfrm flipH="1">
-            <a:off x="1399591" y="5445224"/>
-            <a:ext cx="2" cy="79257"/>
-          </a:xfrm>
-          <a:prstGeom prst="line">
-            <a:avLst/>
-          </a:prstGeom>
-          <a:noFill/>
-          <a:ln w="12700" cap="flat" cmpd="sng" algn="ctr">
-            <a:solidFill>
-              <a:sysClr val="windowText" lastClr="000000"/>
-            </a:solidFill>
-            <a:prstDash val="solid"/>
-            <a:miter lim="800000"/>
-          </a:ln>
-          <a:effectLst/>
-        </p:spPr>
-      </p:cxnSp>
-      <p:sp>
-        <p:nvSpPr>
-          <p:cNvPr id="415" name="CuadroTexto 262" descr="Conector entre nodos" title="conector"/>
+      <p:sp>
+        <p:nvSpPr>
+          <p:cNvPr id="84" name="CuadroTexto 262" descr="Conector entre nodos" title="conector"/>
           <p:cNvSpPr txBox="1"/>
           <p:nvPr/>
         </p:nvSpPr>
         <p:spPr>
           <a:xfrm>
-            <a:off x="1111753" y="5484852"/>
-            <a:ext cx="574021" cy="230832"/>
+            <a:off x="5336157" y="3575155"/>
+            <a:ext cx="1444582" cy="215444"/>
           </a:xfrm>
           <a:prstGeom prst="rect">
             <a:avLst/>
@@ -5905,244 +6590,24 @@
               <a:defRPr/>
             </a:pPr>
             <a:r>
-              <a:rPr lang="es-ES" sz="900" kern="0" noProof="0" dirty="0" smtClean="0">
+              <a:rPr lang="es-ES" sz="800" kern="0" dirty="0">
                 <a:solidFill>
                   <a:prstClr val="black"/>
                 </a:solidFill>
-              </a:rPr>
-              <a:t>posee</a:t>
-            </a:r>
-            <a:endParaRPr kumimoji="0" lang="es-ES" sz="900" b="0" i="0" u="none" strike="noStrike" kern="0" cap="none" spc="0" normalizeH="0" baseline="0" noProof="0" dirty="0">
-              <a:ln>
-                <a:noFill/>
-              </a:ln>
-              <a:solidFill>
-                <a:prstClr val="black"/>
-              </a:solidFill>
-              <a:effectLst/>
-              <a:uLnTx/>
-              <a:uFillTx/>
-            </a:endParaRPr>
-          </a:p>
-        </p:txBody>
-      </p:sp>
-      <p:cxnSp>
-        <p:nvCxnSpPr>
-          <p:cNvPr id="416" name="Conector recto 378"/>
-          <p:cNvCxnSpPr/>
-          <p:nvPr/>
-        </p:nvCxnSpPr>
-        <p:spPr>
-          <a:xfrm flipH="1">
-            <a:off x="1399593" y="5676881"/>
-            <a:ext cx="2" cy="79257"/>
-          </a:xfrm>
-          <a:prstGeom prst="line">
-            <a:avLst/>
-          </a:prstGeom>
-          <a:noFill/>
-          <a:ln w="12700" cap="flat" cmpd="sng" algn="ctr">
-            <a:solidFill>
-              <a:sysClr val="windowText" lastClr="000000"/>
-            </a:solidFill>
-            <a:prstDash val="solid"/>
-            <a:miter lim="800000"/>
-          </a:ln>
-          <a:effectLst/>
-        </p:spPr>
-      </p:cxnSp>
-      <p:cxnSp>
-        <p:nvCxnSpPr>
-          <p:cNvPr id="417" name="Conector recto 378"/>
-          <p:cNvCxnSpPr/>
-          <p:nvPr/>
-        </p:nvCxnSpPr>
-        <p:spPr>
-          <a:xfrm flipH="1">
-            <a:off x="2333652" y="5445224"/>
-            <a:ext cx="2" cy="79257"/>
-          </a:xfrm>
-          <a:prstGeom prst="line">
-            <a:avLst/>
-          </a:prstGeom>
-          <a:noFill/>
-          <a:ln w="12700" cap="flat" cmpd="sng" algn="ctr">
-            <a:solidFill>
-              <a:sysClr val="windowText" lastClr="000000"/>
-            </a:solidFill>
-            <a:prstDash val="solid"/>
-            <a:miter lim="800000"/>
-          </a:ln>
-          <a:effectLst/>
-        </p:spPr>
-      </p:cxnSp>
-      <p:sp>
-        <p:nvSpPr>
-          <p:cNvPr id="418" name="CuadroTexto 262" descr="Conector entre nodos" title="conector"/>
-          <p:cNvSpPr txBox="1"/>
-          <p:nvPr/>
-        </p:nvSpPr>
-        <p:spPr>
-          <a:xfrm>
-            <a:off x="2046971" y="5484852"/>
-            <a:ext cx="574021" cy="230832"/>
-          </a:xfrm>
-          <a:prstGeom prst="rect">
-            <a:avLst/>
-          </a:prstGeom>
-          <a:noFill/>
-        </p:spPr>
-        <p:txBody>
-          <a:bodyPr wrap="square" rtlCol="0">
-            <a:spAutoFit/>
-          </a:bodyPr>
-          <a:lstStyle/>
-          <a:p>
-            <a:pPr marL="0" marR="0" lvl="0" indent="0" algn="ctr" defTabSz="914400" eaLnBrk="1" fontAlgn="auto" latinLnBrk="0" hangingPunct="1">
-              <a:lnSpc>
-                <a:spcPct val="100000"/>
-              </a:lnSpc>
-              <a:spcBef>
-                <a:spcPts val="0"/>
-              </a:spcBef>
-              <a:spcAft>
-                <a:spcPts val="0"/>
-              </a:spcAft>
-              <a:buClrTx/>
-              <a:buSzTx/>
-              <a:buFontTx/>
-              <a:buNone/>
-              <a:tabLst/>
-              <a:defRPr/>
-            </a:pPr>
-            <a:r>
-              <a:rPr lang="es-ES" sz="900" kern="0" noProof="0" dirty="0" smtClean="0">
+                <a:latin typeface="Arial" panose="020B0604020202020204" pitchFamily="34" charset="0"/>
+                <a:cs typeface="Arial" panose="020B0604020202020204" pitchFamily="34" charset="0"/>
+              </a:rPr>
+              <a:t>c</a:t>
+            </a:r>
+            <a:r>
+              <a:rPr lang="es-ES" sz="800" kern="0" dirty="0" smtClean="0">
                 <a:solidFill>
                   <a:prstClr val="black"/>
                 </a:solidFill>
-              </a:rPr>
-              <a:t>posee</a:t>
-            </a:r>
-            <a:endParaRPr kumimoji="0" lang="es-ES" sz="900" b="0" i="0" u="none" strike="noStrike" kern="0" cap="none" spc="0" normalizeH="0" baseline="0" noProof="0" dirty="0">
-              <a:ln>
-                <a:noFill/>
-              </a:ln>
-              <a:solidFill>
-                <a:prstClr val="black"/>
-              </a:solidFill>
-              <a:effectLst/>
-              <a:uLnTx/>
-              <a:uFillTx/>
-            </a:endParaRPr>
-          </a:p>
-        </p:txBody>
-      </p:sp>
-      <p:cxnSp>
-        <p:nvCxnSpPr>
-          <p:cNvPr id="419" name="Conector recto 378"/>
-          <p:cNvCxnSpPr/>
-          <p:nvPr/>
-        </p:nvCxnSpPr>
-        <p:spPr>
-          <a:xfrm flipH="1">
-            <a:off x="2333654" y="5676881"/>
-            <a:ext cx="2" cy="79257"/>
-          </a:xfrm>
-          <a:prstGeom prst="line">
-            <a:avLst/>
-          </a:prstGeom>
-          <a:noFill/>
-          <a:ln w="12700" cap="flat" cmpd="sng" algn="ctr">
-            <a:solidFill>
-              <a:sysClr val="windowText" lastClr="000000"/>
-            </a:solidFill>
-            <a:prstDash val="solid"/>
-            <a:miter lim="800000"/>
-          </a:ln>
-          <a:effectLst/>
-        </p:spPr>
-      </p:cxnSp>
-      <p:sp>
-        <p:nvSpPr>
-          <p:cNvPr id="423" name="Rectángulo 72" descr="Nodo de cuarto nivel&#10;" title="Nodo04"/>
-          <p:cNvSpPr/>
-          <p:nvPr/>
-        </p:nvSpPr>
-        <p:spPr>
-          <a:xfrm>
-            <a:off x="123178" y="5756138"/>
-            <a:ext cx="819913" cy="913222"/>
-          </a:xfrm>
-          <a:prstGeom prst="rect">
-            <a:avLst/>
-          </a:prstGeom>
-          <a:solidFill>
-            <a:sysClr val="window" lastClr="FFFFFF"/>
-          </a:solidFill>
-          <a:ln w="12700" cap="flat" cmpd="sng" algn="ctr">
-            <a:solidFill>
-              <a:sysClr val="windowText" lastClr="000000"/>
-            </a:solidFill>
-            <a:prstDash val="solid"/>
-            <a:miter lim="800000"/>
-          </a:ln>
-          <a:effectLst/>
-        </p:spPr>
-        <p:txBody>
-          <a:bodyPr rtlCol="0" anchor="ctr"/>
-          <a:lstStyle/>
-          <a:p>
-            <a:pPr lvl="0"/>
-            <a:r>
-              <a:rPr kumimoji="0" lang="es-ES" sz="800" b="0" i="0" u="none" strike="noStrike" kern="0" cap="none" spc="0" normalizeH="0" baseline="0" noProof="0" dirty="0" smtClean="0">
-                <a:ln>
-                  <a:noFill/>
-                </a:ln>
-                <a:solidFill>
-                  <a:prstClr val="black"/>
-                </a:solidFill>
-                <a:effectLst/>
-                <a:uLnTx/>
-                <a:uFillTx/>
-                <a:latin typeface="Calibri" panose="020F0502020204030204"/>
-              </a:rPr>
-              <a:t>-Narrador, personajes,</a:t>
-            </a:r>
-            <a:r>
-              <a:rPr kumimoji="0" lang="es-ES" sz="800" b="0" i="0" u="none" strike="noStrike" kern="0" cap="none" spc="0" normalizeH="0" noProof="0" dirty="0" smtClean="0">
-                <a:ln>
-                  <a:noFill/>
-                </a:ln>
-                <a:solidFill>
-                  <a:prstClr val="black"/>
-                </a:solidFill>
-                <a:effectLst/>
-                <a:uLnTx/>
-                <a:uFillTx/>
-                <a:latin typeface="Calibri" panose="020F0502020204030204"/>
-              </a:rPr>
-              <a:t> tiempo y espacio</a:t>
-            </a:r>
-          </a:p>
-          <a:p>
-            <a:pPr lvl="0"/>
-            <a:r>
-              <a:rPr lang="es-ES" sz="800" kern="0" dirty="0" smtClean="0">
-                <a:solidFill>
-                  <a:prstClr val="black"/>
-                </a:solidFill>
-                <a:latin typeface="Calibri" panose="020F0502020204030204"/>
-              </a:rPr>
-              <a:t>-</a:t>
-            </a:r>
-            <a:r>
-              <a:rPr lang="es-ES" sz="800" kern="0" baseline="0" dirty="0" smtClean="0">
-                <a:solidFill>
-                  <a:prstClr val="black"/>
-                </a:solidFill>
-                <a:latin typeface="Calibri" panose="020F0502020204030204"/>
-              </a:rPr>
-              <a:t>Estructura de inicio, nudo y desenlace</a:t>
+                <a:latin typeface="Arial" panose="020B0604020202020204" pitchFamily="34" charset="0"/>
+                <a:cs typeface="Arial" panose="020B0604020202020204" pitchFamily="34" charset="0"/>
+              </a:rPr>
+              <a:t>ontiene secciones como</a:t>
             </a:r>
             <a:endParaRPr kumimoji="0" lang="es-ES" sz="800" b="0" i="0" u="none" strike="noStrike" kern="0" cap="none" spc="0" normalizeH="0" baseline="0" noProof="0" dirty="0">
               <a:ln>
@@ -6154,1059 +6619,8 @@
               <a:effectLst/>
               <a:uLnTx/>
               <a:uFillTx/>
-              <a:latin typeface="Calibri" panose="020F0502020204030204"/>
-            </a:endParaRPr>
-          </a:p>
-        </p:txBody>
-      </p:sp>
-      <p:sp>
-        <p:nvSpPr>
-          <p:cNvPr id="424" name="Rectángulo 72" descr="Nodo de cuarto nivel&#10;" title="Nodo04"/>
-          <p:cNvSpPr/>
-          <p:nvPr/>
-        </p:nvSpPr>
-        <p:spPr>
-          <a:xfrm>
-            <a:off x="986279" y="5756138"/>
-            <a:ext cx="819913" cy="913222"/>
-          </a:xfrm>
-          <a:prstGeom prst="rect">
-            <a:avLst/>
-          </a:prstGeom>
-          <a:solidFill>
-            <a:sysClr val="window" lastClr="FFFFFF"/>
-          </a:solidFill>
-          <a:ln w="12700" cap="flat" cmpd="sng" algn="ctr">
-            <a:solidFill>
-              <a:sysClr val="windowText" lastClr="000000"/>
-            </a:solidFill>
-            <a:prstDash val="solid"/>
-            <a:miter lim="800000"/>
-          </a:ln>
-          <a:effectLst/>
-        </p:spPr>
-        <p:txBody>
-          <a:bodyPr rtlCol="0" anchor="ctr"/>
-          <a:lstStyle/>
-          <a:p>
-            <a:pPr lvl="0"/>
-            <a:r>
-              <a:rPr kumimoji="0" lang="es-ES" sz="800" b="0" i="0" u="none" strike="noStrike" kern="0" cap="none" spc="0" normalizeH="0" baseline="0" noProof="0" dirty="0" smtClean="0">
-                <a:ln>
-                  <a:noFill/>
-                </a:ln>
-                <a:solidFill>
-                  <a:prstClr val="black"/>
-                </a:solidFill>
-                <a:effectLst/>
-                <a:uLnTx/>
-                <a:uFillTx/>
-                <a:latin typeface="Calibri" panose="020F0502020204030204"/>
-              </a:rPr>
-              <a:t>-</a:t>
-            </a:r>
-            <a:r>
-              <a:rPr lang="es-CO" sz="800" kern="0" dirty="0">
-                <a:solidFill>
-                  <a:prstClr val="black"/>
-                </a:solidFill>
-              </a:rPr>
-              <a:t>Evoca sentimientos </a:t>
-            </a:r>
-            <a:r>
-              <a:rPr lang="es-CO" sz="800" kern="0" dirty="0" smtClean="0">
-                <a:solidFill>
-                  <a:prstClr val="black"/>
-                </a:solidFill>
-              </a:rPr>
-              <a:t>del </a:t>
-            </a:r>
-            <a:r>
-              <a:rPr lang="es-CO" sz="800" kern="0" dirty="0">
-                <a:solidFill>
-                  <a:prstClr val="black"/>
-                </a:solidFill>
-              </a:rPr>
-              <a:t>yo lírico o </a:t>
-            </a:r>
-            <a:r>
-              <a:rPr lang="es-CO" sz="800" kern="0" dirty="0" smtClean="0">
-                <a:solidFill>
-                  <a:prstClr val="black"/>
-                </a:solidFill>
-              </a:rPr>
-              <a:t>poético</a:t>
-            </a:r>
-          </a:p>
-          <a:p>
-            <a:pPr lvl="0"/>
-            <a:r>
-              <a:rPr lang="es-ES" sz="800" kern="0" dirty="0" smtClean="0">
-                <a:solidFill>
-                  <a:prstClr val="black"/>
-                </a:solidFill>
-                <a:latin typeface="Calibri" panose="020F0502020204030204"/>
-              </a:rPr>
-              <a:t>-</a:t>
-            </a:r>
-            <a:r>
-              <a:rPr lang="es-ES" sz="800" kern="0" baseline="0" dirty="0" smtClean="0">
-                <a:solidFill>
-                  <a:prstClr val="black"/>
-                </a:solidFill>
-                <a:latin typeface="Calibri" panose="020F0502020204030204"/>
-              </a:rPr>
-              <a:t>Estructura de verso y estrofas</a:t>
-            </a:r>
-            <a:endParaRPr kumimoji="0" lang="es-ES" sz="800" b="0" i="0" u="none" strike="noStrike" kern="0" cap="none" spc="0" normalizeH="0" baseline="0" noProof="0" dirty="0">
-              <a:ln>
-                <a:noFill/>
-              </a:ln>
-              <a:solidFill>
-                <a:prstClr val="black"/>
-              </a:solidFill>
-              <a:effectLst/>
-              <a:uLnTx/>
-              <a:uFillTx/>
-              <a:latin typeface="Calibri" panose="020F0502020204030204"/>
-            </a:endParaRPr>
-          </a:p>
-        </p:txBody>
-      </p:sp>
-      <p:sp>
-        <p:nvSpPr>
-          <p:cNvPr id="425" name="Rectángulo 72" descr="Nodo de cuarto nivel&#10;" title="Nodo04"/>
-          <p:cNvSpPr/>
-          <p:nvPr/>
-        </p:nvSpPr>
-        <p:spPr>
-          <a:xfrm>
-            <a:off x="1937134" y="5761269"/>
-            <a:ext cx="819913" cy="913222"/>
-          </a:xfrm>
-          <a:prstGeom prst="rect">
-            <a:avLst/>
-          </a:prstGeom>
-          <a:solidFill>
-            <a:sysClr val="window" lastClr="FFFFFF"/>
-          </a:solidFill>
-          <a:ln w="12700" cap="flat" cmpd="sng" algn="ctr">
-            <a:solidFill>
-              <a:sysClr val="windowText" lastClr="000000"/>
-            </a:solidFill>
-            <a:prstDash val="solid"/>
-            <a:miter lim="800000"/>
-          </a:ln>
-          <a:effectLst/>
-        </p:spPr>
-        <p:txBody>
-          <a:bodyPr rtlCol="0" anchor="ctr"/>
-          <a:lstStyle/>
-          <a:p>
-            <a:pPr lvl="0"/>
-            <a:r>
-              <a:rPr kumimoji="0" lang="es-ES" sz="800" b="0" i="0" u="none" strike="noStrike" kern="0" cap="none" spc="0" normalizeH="0" baseline="0" noProof="0" dirty="0" smtClean="0">
-                <a:ln>
-                  <a:noFill/>
-                </a:ln>
-                <a:solidFill>
-                  <a:prstClr val="black"/>
-                </a:solidFill>
-                <a:effectLst/>
-                <a:uLnTx/>
-                <a:uFillTx/>
-                <a:latin typeface="Calibri" panose="020F0502020204030204"/>
-              </a:rPr>
-              <a:t>-Diálogos con el objetivo</a:t>
-            </a:r>
-            <a:r>
-              <a:rPr kumimoji="0" lang="es-ES" sz="800" b="0" i="0" u="none" strike="noStrike" kern="0" cap="none" spc="0" normalizeH="0" noProof="0" dirty="0" smtClean="0">
-                <a:ln>
-                  <a:noFill/>
-                </a:ln>
-                <a:solidFill>
-                  <a:prstClr val="black"/>
-                </a:solidFill>
-                <a:effectLst/>
-                <a:uLnTx/>
-                <a:uFillTx/>
-                <a:latin typeface="Calibri" panose="020F0502020204030204"/>
-              </a:rPr>
-              <a:t> de ser representada por actores.</a:t>
-            </a:r>
-          </a:p>
-          <a:p>
-            <a:pPr lvl="0"/>
-            <a:r>
-              <a:rPr lang="es-ES" sz="800" kern="0" dirty="0" smtClean="0">
-                <a:solidFill>
-                  <a:prstClr val="black"/>
-                </a:solidFill>
-                <a:latin typeface="Calibri" panose="020F0502020204030204"/>
-              </a:rPr>
-              <a:t>-</a:t>
-            </a:r>
-            <a:r>
-              <a:rPr lang="es-ES" sz="800" kern="0" baseline="0" dirty="0" smtClean="0">
-                <a:solidFill>
-                  <a:prstClr val="black"/>
-                </a:solidFill>
-                <a:latin typeface="Calibri" panose="020F0502020204030204"/>
-              </a:rPr>
-              <a:t>Estructura de escenas y actos</a:t>
-            </a:r>
-            <a:endParaRPr kumimoji="0" lang="es-ES" sz="800" b="0" i="0" u="none" strike="noStrike" kern="0" cap="none" spc="0" normalizeH="0" baseline="0" noProof="0" dirty="0">
-              <a:ln>
-                <a:noFill/>
-              </a:ln>
-              <a:solidFill>
-                <a:prstClr val="black"/>
-              </a:solidFill>
-              <a:effectLst/>
-              <a:uLnTx/>
-              <a:uFillTx/>
-              <a:latin typeface="Calibri" panose="020F0502020204030204"/>
-            </a:endParaRPr>
-          </a:p>
-        </p:txBody>
-      </p:sp>
-      <p:sp>
-        <p:nvSpPr>
-          <p:cNvPr id="65" name="Rectángulo 72" descr="Nodo de cuarto nivel&#10;" title="Nodo04"/>
-          <p:cNvSpPr/>
-          <p:nvPr/>
-        </p:nvSpPr>
-        <p:spPr>
-          <a:xfrm>
-            <a:off x="2843808" y="3637774"/>
-            <a:ext cx="926429" cy="1152128"/>
-          </a:xfrm>
-          <a:prstGeom prst="rect">
-            <a:avLst/>
-          </a:prstGeom>
-          <a:solidFill>
-            <a:sysClr val="window" lastClr="FFFFFF"/>
-          </a:solidFill>
-          <a:ln w="12700" cap="flat" cmpd="sng" algn="ctr">
-            <a:solidFill>
-              <a:sysClr val="windowText" lastClr="000000"/>
-            </a:solidFill>
-            <a:prstDash val="solid"/>
-            <a:miter lim="800000"/>
-          </a:ln>
-          <a:effectLst/>
-        </p:spPr>
-        <p:txBody>
-          <a:bodyPr rtlCol="0" anchor="ctr"/>
-          <a:lstStyle/>
-          <a:p>
-            <a:pPr algn="ctr"/>
-            <a:r>
-              <a:rPr lang="es-ES" sz="900" dirty="0" smtClean="0"/>
-              <a:t>Como el </a:t>
-            </a:r>
-            <a:r>
-              <a:rPr lang="es-ES" sz="900" dirty="0"/>
-              <a:t>sentido original de la palabra sin ninguna variación en su significado</a:t>
-            </a:r>
-            <a:r>
-              <a:rPr lang="es-ES" sz="900" dirty="0" smtClean="0"/>
-              <a:t>.</a:t>
-            </a:r>
-            <a:endParaRPr kumimoji="0" lang="es-ES" sz="900" b="0" i="0" u="none" strike="noStrike" kern="0" cap="none" spc="0" normalizeH="0" baseline="0" noProof="0" dirty="0">
-              <a:ln>
-                <a:noFill/>
-              </a:ln>
-              <a:solidFill>
-                <a:prstClr val="black"/>
-              </a:solidFill>
-              <a:effectLst/>
-              <a:uLnTx/>
-              <a:uFillTx/>
-              <a:latin typeface="Calibri" panose="020F0502020204030204"/>
-            </a:endParaRPr>
-          </a:p>
-        </p:txBody>
-      </p:sp>
-      <p:sp>
-        <p:nvSpPr>
-          <p:cNvPr id="66" name="Rectángulo 72" descr="Nodo de cuarto nivel&#10;" title="Nodo04"/>
-          <p:cNvSpPr/>
-          <p:nvPr/>
-        </p:nvSpPr>
-        <p:spPr>
-          <a:xfrm>
-            <a:off x="4127855" y="3637774"/>
-            <a:ext cx="936104" cy="1144878"/>
-          </a:xfrm>
-          <a:prstGeom prst="rect">
-            <a:avLst/>
-          </a:prstGeom>
-          <a:solidFill>
-            <a:sysClr val="window" lastClr="FFFFFF"/>
-          </a:solidFill>
-          <a:ln w="12700" cap="flat" cmpd="sng" algn="ctr">
-            <a:solidFill>
-              <a:sysClr val="windowText" lastClr="000000"/>
-            </a:solidFill>
-            <a:prstDash val="solid"/>
-            <a:miter lim="800000"/>
-          </a:ln>
-          <a:effectLst/>
-        </p:spPr>
-        <p:txBody>
-          <a:bodyPr rtlCol="0" anchor="ctr"/>
-          <a:lstStyle/>
-          <a:p>
-            <a:pPr algn="ctr"/>
-            <a:r>
-              <a:rPr lang="es-ES" sz="900" dirty="0"/>
-              <a:t>Expresa un sentido opuesto al original de la palabra cuando es usado al interior de una expresión. </a:t>
-            </a:r>
-            <a:endParaRPr lang="es-CO" sz="900" dirty="0"/>
-          </a:p>
-        </p:txBody>
-      </p:sp>
-      <p:cxnSp>
-        <p:nvCxnSpPr>
-          <p:cNvPr id="70" name="Conector recto 378"/>
-          <p:cNvCxnSpPr/>
-          <p:nvPr/>
-        </p:nvCxnSpPr>
-        <p:spPr>
-          <a:xfrm flipH="1">
-            <a:off x="3275854" y="4797152"/>
-            <a:ext cx="1" cy="158515"/>
-          </a:xfrm>
-          <a:prstGeom prst="line">
-            <a:avLst/>
-          </a:prstGeom>
-          <a:noFill/>
-          <a:ln w="12700" cap="flat" cmpd="sng" algn="ctr">
-            <a:solidFill>
-              <a:sysClr val="windowText" lastClr="000000"/>
-            </a:solidFill>
-            <a:prstDash val="solid"/>
-            <a:miter lim="800000"/>
-          </a:ln>
-          <a:effectLst/>
-        </p:spPr>
-      </p:cxnSp>
-      <p:sp>
-        <p:nvSpPr>
-          <p:cNvPr id="71" name="CuadroTexto 262" descr="Conector entre nodos" title="conector"/>
-          <p:cNvSpPr txBox="1"/>
-          <p:nvPr/>
-        </p:nvSpPr>
-        <p:spPr>
-          <a:xfrm>
-            <a:off x="2914489" y="4935530"/>
-            <a:ext cx="785065" cy="230832"/>
-          </a:xfrm>
-          <a:prstGeom prst="rect">
-            <a:avLst/>
-          </a:prstGeom>
-          <a:noFill/>
-        </p:spPr>
-        <p:txBody>
-          <a:bodyPr wrap="square" rtlCol="0">
-            <a:spAutoFit/>
-          </a:bodyPr>
-          <a:lstStyle/>
-          <a:p>
-            <a:pPr marL="0" marR="0" lvl="0" indent="0" algn="ctr" defTabSz="914400" eaLnBrk="1" fontAlgn="auto" latinLnBrk="0" hangingPunct="1">
-              <a:lnSpc>
-                <a:spcPct val="100000"/>
-              </a:lnSpc>
-              <a:spcBef>
-                <a:spcPts val="0"/>
-              </a:spcBef>
-              <a:spcAft>
-                <a:spcPts val="0"/>
-              </a:spcAft>
-              <a:buClrTx/>
-              <a:buSzTx/>
-              <a:buFontTx/>
-              <a:buNone/>
-              <a:tabLst/>
-              <a:defRPr/>
-            </a:pPr>
-            <a:r>
-              <a:rPr lang="es-ES" sz="900" kern="0" noProof="0" dirty="0" smtClean="0">
-                <a:solidFill>
-                  <a:prstClr val="black"/>
-                </a:solidFill>
-              </a:rPr>
-              <a:t>Por ejemplo</a:t>
-            </a:r>
-            <a:endParaRPr kumimoji="0" lang="es-ES" sz="900" b="0" i="0" u="none" strike="noStrike" kern="0" cap="none" spc="0" normalizeH="0" baseline="0" noProof="0" dirty="0">
-              <a:ln>
-                <a:noFill/>
-              </a:ln>
-              <a:solidFill>
-                <a:prstClr val="black"/>
-              </a:solidFill>
-              <a:effectLst/>
-              <a:uLnTx/>
-              <a:uFillTx/>
-            </a:endParaRPr>
-          </a:p>
-        </p:txBody>
-      </p:sp>
-      <p:cxnSp>
-        <p:nvCxnSpPr>
-          <p:cNvPr id="72" name="Conector recto 380"/>
-          <p:cNvCxnSpPr/>
-          <p:nvPr/>
-        </p:nvCxnSpPr>
-        <p:spPr>
-          <a:xfrm flipH="1">
-            <a:off x="3275856" y="5197416"/>
-            <a:ext cx="1" cy="158515"/>
-          </a:xfrm>
-          <a:prstGeom prst="line">
-            <a:avLst/>
-          </a:prstGeom>
-          <a:noFill/>
-          <a:ln w="12700" cap="flat" cmpd="sng" algn="ctr">
-            <a:solidFill>
-              <a:sysClr val="windowText" lastClr="000000"/>
-            </a:solidFill>
-            <a:prstDash val="solid"/>
-            <a:miter lim="800000"/>
-          </a:ln>
-          <a:effectLst/>
-        </p:spPr>
-      </p:cxnSp>
-      <p:cxnSp>
-        <p:nvCxnSpPr>
-          <p:cNvPr id="73" name="Conector recto 378"/>
-          <p:cNvCxnSpPr/>
-          <p:nvPr/>
-        </p:nvCxnSpPr>
-        <p:spPr>
-          <a:xfrm flipH="1">
-            <a:off x="4645333" y="4782653"/>
-            <a:ext cx="1" cy="158515"/>
-          </a:xfrm>
-          <a:prstGeom prst="line">
-            <a:avLst/>
-          </a:prstGeom>
-          <a:noFill/>
-          <a:ln w="12700" cap="flat" cmpd="sng" algn="ctr">
-            <a:solidFill>
-              <a:sysClr val="windowText" lastClr="000000"/>
-            </a:solidFill>
-            <a:prstDash val="solid"/>
-            <a:miter lim="800000"/>
-          </a:ln>
-          <a:effectLst/>
-        </p:spPr>
-      </p:cxnSp>
-      <p:sp>
-        <p:nvSpPr>
-          <p:cNvPr id="74" name="CuadroTexto 262" descr="Conector entre nodos" title="conector"/>
-          <p:cNvSpPr txBox="1"/>
-          <p:nvPr/>
-        </p:nvSpPr>
-        <p:spPr>
-          <a:xfrm>
-            <a:off x="4278894" y="4935530"/>
-            <a:ext cx="785065" cy="230832"/>
-          </a:xfrm>
-          <a:prstGeom prst="rect">
-            <a:avLst/>
-          </a:prstGeom>
-          <a:noFill/>
-        </p:spPr>
-        <p:txBody>
-          <a:bodyPr wrap="square" rtlCol="0">
-            <a:spAutoFit/>
-          </a:bodyPr>
-          <a:lstStyle/>
-          <a:p>
-            <a:pPr marL="0" marR="0" lvl="0" indent="0" algn="ctr" defTabSz="914400" eaLnBrk="1" fontAlgn="auto" latinLnBrk="0" hangingPunct="1">
-              <a:lnSpc>
-                <a:spcPct val="100000"/>
-              </a:lnSpc>
-              <a:spcBef>
-                <a:spcPts val="0"/>
-              </a:spcBef>
-              <a:spcAft>
-                <a:spcPts val="0"/>
-              </a:spcAft>
-              <a:buClrTx/>
-              <a:buSzTx/>
-              <a:buFontTx/>
-              <a:buNone/>
-              <a:tabLst/>
-              <a:defRPr/>
-            </a:pPr>
-            <a:r>
-              <a:rPr lang="es-ES" sz="900" kern="0" noProof="0" dirty="0" smtClean="0">
-                <a:solidFill>
-                  <a:prstClr val="black"/>
-                </a:solidFill>
-              </a:rPr>
-              <a:t>Por ejemplo</a:t>
-            </a:r>
-            <a:endParaRPr kumimoji="0" lang="es-ES" sz="900" b="0" i="0" u="none" strike="noStrike" kern="0" cap="none" spc="0" normalizeH="0" baseline="0" noProof="0" dirty="0">
-              <a:ln>
-                <a:noFill/>
-              </a:ln>
-              <a:solidFill>
-                <a:prstClr val="black"/>
-              </a:solidFill>
-              <a:effectLst/>
-              <a:uLnTx/>
-              <a:uFillTx/>
-            </a:endParaRPr>
-          </a:p>
-        </p:txBody>
-      </p:sp>
-      <p:cxnSp>
-        <p:nvCxnSpPr>
-          <p:cNvPr id="75" name="Conector recto 380"/>
-          <p:cNvCxnSpPr/>
-          <p:nvPr/>
-        </p:nvCxnSpPr>
-        <p:spPr>
-          <a:xfrm flipH="1">
-            <a:off x="4654598" y="5171813"/>
-            <a:ext cx="1" cy="158515"/>
-          </a:xfrm>
-          <a:prstGeom prst="line">
-            <a:avLst/>
-          </a:prstGeom>
-          <a:noFill/>
-          <a:ln w="12700" cap="flat" cmpd="sng" algn="ctr">
-            <a:solidFill>
-              <a:sysClr val="windowText" lastClr="000000"/>
-            </a:solidFill>
-            <a:prstDash val="solid"/>
-            <a:miter lim="800000"/>
-          </a:ln>
-          <a:effectLst/>
-        </p:spPr>
-      </p:cxnSp>
-      <p:sp>
-        <p:nvSpPr>
-          <p:cNvPr id="76" name="Rectángulo 72" descr="Nodo de cuarto nivel&#10;" title="Nodo04"/>
-          <p:cNvSpPr/>
-          <p:nvPr/>
-        </p:nvSpPr>
-        <p:spPr>
-          <a:xfrm>
-            <a:off x="2900717" y="5365906"/>
-            <a:ext cx="849417" cy="846844"/>
-          </a:xfrm>
-          <a:prstGeom prst="rect">
-            <a:avLst/>
-          </a:prstGeom>
-          <a:solidFill>
-            <a:sysClr val="window" lastClr="FFFFFF"/>
-          </a:solidFill>
-          <a:ln w="12700" cap="flat" cmpd="sng" algn="ctr">
-            <a:solidFill>
-              <a:sysClr val="windowText" lastClr="000000"/>
-            </a:solidFill>
-            <a:prstDash val="solid"/>
-            <a:miter lim="800000"/>
-          </a:ln>
-          <a:effectLst/>
-        </p:spPr>
-        <p:txBody>
-          <a:bodyPr rtlCol="0" anchor="ctr"/>
-          <a:lstStyle/>
-          <a:p>
-            <a:pPr lvl="0" algn="ctr"/>
-            <a:r>
-              <a:rPr lang="es-ES" sz="900" dirty="0"/>
-              <a:t>Llama a la policía, están robando la casa del </a:t>
-            </a:r>
-            <a:r>
-              <a:rPr lang="es-ES" sz="900" dirty="0" smtClean="0"/>
-              <a:t>frente.</a:t>
-            </a:r>
-            <a:endParaRPr kumimoji="0" lang="es-ES" sz="900" b="0" i="0" u="none" strike="noStrike" kern="0" cap="none" spc="0" normalizeH="0" baseline="0" noProof="0" dirty="0">
-              <a:ln>
-                <a:noFill/>
-              </a:ln>
-              <a:solidFill>
-                <a:prstClr val="black"/>
-              </a:solidFill>
-              <a:effectLst/>
-              <a:uLnTx/>
-              <a:uFillTx/>
-              <a:latin typeface="Calibri" panose="020F0502020204030204"/>
-            </a:endParaRPr>
-          </a:p>
-        </p:txBody>
-      </p:sp>
-      <p:sp>
-        <p:nvSpPr>
-          <p:cNvPr id="77" name="Rectángulo 72" descr="Nodo de cuarto nivel&#10;" title="Nodo04"/>
-          <p:cNvSpPr/>
-          <p:nvPr/>
-        </p:nvSpPr>
-        <p:spPr>
-          <a:xfrm>
-            <a:off x="4226639" y="5318460"/>
-            <a:ext cx="849417" cy="774836"/>
-          </a:xfrm>
-          <a:prstGeom prst="rect">
-            <a:avLst/>
-          </a:prstGeom>
-          <a:solidFill>
-            <a:sysClr val="window" lastClr="FFFFFF"/>
-          </a:solidFill>
-          <a:ln w="12700" cap="flat" cmpd="sng" algn="ctr">
-            <a:solidFill>
-              <a:sysClr val="windowText" lastClr="000000"/>
-            </a:solidFill>
-            <a:prstDash val="solid"/>
-            <a:miter lim="800000"/>
-          </a:ln>
-          <a:effectLst/>
-        </p:spPr>
-        <p:txBody>
-          <a:bodyPr rtlCol="0" anchor="ctr"/>
-          <a:lstStyle/>
-          <a:p>
-            <a:pPr lvl="0" algn="ctr"/>
-            <a:r>
-              <a:rPr lang="es-ES" sz="900" dirty="0"/>
-              <a:t>Hablas como cotorra </a:t>
-            </a:r>
-            <a:r>
-              <a:rPr lang="es-ES" sz="900" dirty="0" smtClean="0"/>
-              <a:t>mojada.</a:t>
-            </a:r>
-            <a:endParaRPr lang="es-CO" sz="900" dirty="0"/>
-          </a:p>
-        </p:txBody>
-      </p:sp>
-      <p:cxnSp>
-        <p:nvCxnSpPr>
-          <p:cNvPr id="79" name="Conector recto 378"/>
-          <p:cNvCxnSpPr/>
-          <p:nvPr/>
-        </p:nvCxnSpPr>
-        <p:spPr>
-          <a:xfrm flipH="1">
-            <a:off x="5927325" y="2060848"/>
-            <a:ext cx="1" cy="158515"/>
-          </a:xfrm>
-          <a:prstGeom prst="line">
-            <a:avLst/>
-          </a:prstGeom>
-          <a:noFill/>
-          <a:ln w="12700" cap="flat" cmpd="sng" algn="ctr">
-            <a:solidFill>
-              <a:sysClr val="windowText" lastClr="000000"/>
-            </a:solidFill>
-            <a:prstDash val="solid"/>
-            <a:miter lim="800000"/>
-          </a:ln>
-          <a:effectLst/>
-        </p:spPr>
-      </p:cxnSp>
-      <p:sp>
-        <p:nvSpPr>
-          <p:cNvPr id="80" name="CuadroTexto 262" descr="Conector entre nodos" title="conector"/>
-          <p:cNvSpPr txBox="1"/>
-          <p:nvPr/>
-        </p:nvSpPr>
-        <p:spPr>
-          <a:xfrm>
-            <a:off x="5619945" y="2199226"/>
-            <a:ext cx="680247" cy="230832"/>
-          </a:xfrm>
-          <a:prstGeom prst="rect">
-            <a:avLst/>
-          </a:prstGeom>
-          <a:noFill/>
-        </p:spPr>
-        <p:txBody>
-          <a:bodyPr wrap="square" rtlCol="0">
-            <a:spAutoFit/>
-          </a:bodyPr>
-          <a:lstStyle/>
-          <a:p>
-            <a:pPr marL="0" marR="0" lvl="0" indent="0" algn="ctr" defTabSz="914400" eaLnBrk="1" fontAlgn="auto" latinLnBrk="0" hangingPunct="1">
-              <a:lnSpc>
-                <a:spcPct val="100000"/>
-              </a:lnSpc>
-              <a:spcBef>
-                <a:spcPts val="0"/>
-              </a:spcBef>
-              <a:spcAft>
-                <a:spcPts val="0"/>
-              </a:spcAft>
-              <a:buClrTx/>
-              <a:buSzTx/>
-              <a:buFontTx/>
-              <a:buNone/>
-              <a:tabLst/>
-              <a:defRPr/>
-            </a:pPr>
-            <a:r>
-              <a:rPr lang="es-ES" sz="900" kern="0" noProof="0" dirty="0" smtClean="0">
-                <a:solidFill>
-                  <a:prstClr val="black"/>
-                </a:solidFill>
-              </a:rPr>
-              <a:t>¿Qué es?</a:t>
-            </a:r>
-            <a:endParaRPr kumimoji="0" lang="es-ES" sz="900" b="0" i="0" u="none" strike="noStrike" kern="0" cap="none" spc="0" normalizeH="0" baseline="0" noProof="0" dirty="0">
-              <a:ln>
-                <a:noFill/>
-              </a:ln>
-              <a:solidFill>
-                <a:prstClr val="black"/>
-              </a:solidFill>
-              <a:effectLst/>
-              <a:uLnTx/>
-              <a:uFillTx/>
-            </a:endParaRPr>
-          </a:p>
-        </p:txBody>
-      </p:sp>
-      <p:cxnSp>
-        <p:nvCxnSpPr>
-          <p:cNvPr id="81" name="Conector recto 380"/>
-          <p:cNvCxnSpPr/>
-          <p:nvPr/>
-        </p:nvCxnSpPr>
-        <p:spPr>
-          <a:xfrm flipH="1">
-            <a:off x="5927326" y="2471147"/>
-            <a:ext cx="1" cy="158515"/>
-          </a:xfrm>
-          <a:prstGeom prst="line">
-            <a:avLst/>
-          </a:prstGeom>
-          <a:noFill/>
-          <a:ln w="12700" cap="flat" cmpd="sng" algn="ctr">
-            <a:solidFill>
-              <a:sysClr val="windowText" lastClr="000000"/>
-            </a:solidFill>
-            <a:prstDash val="solid"/>
-            <a:miter lim="800000"/>
-          </a:ln>
-          <a:effectLst/>
-        </p:spPr>
-      </p:cxnSp>
-      <p:sp>
-        <p:nvSpPr>
-          <p:cNvPr id="82" name="Rectángulo 283" descr="Nodo de tercer nivel" title="Nodo03"/>
-          <p:cNvSpPr/>
-          <p:nvPr/>
-        </p:nvSpPr>
-        <p:spPr>
-          <a:xfrm>
-            <a:off x="5148064" y="2636912"/>
-            <a:ext cx="1656184" cy="862113"/>
-          </a:xfrm>
-          <a:prstGeom prst="rect">
-            <a:avLst/>
-          </a:prstGeom>
-          <a:solidFill>
-            <a:srgbClr val="E7E6E6">
-              <a:lumMod val="90000"/>
-            </a:srgbClr>
-          </a:solidFill>
-          <a:ln w="12700" cap="flat" cmpd="sng" algn="ctr">
-            <a:solidFill>
-              <a:sysClr val="windowText" lastClr="000000"/>
-            </a:solidFill>
-            <a:prstDash val="solid"/>
-            <a:miter lim="800000"/>
-          </a:ln>
-          <a:effectLst/>
-        </p:spPr>
-        <p:txBody>
-          <a:bodyPr rtlCol="0" anchor="ctr"/>
-          <a:lstStyle/>
-          <a:p>
-            <a:pPr algn="ctr">
-              <a:defRPr/>
-            </a:pPr>
-            <a:endParaRPr lang="es-ES_tradnl" sz="900" dirty="0" smtClean="0"/>
-          </a:p>
-          <a:p>
-            <a:pPr algn="ctr">
-              <a:defRPr/>
-            </a:pPr>
-            <a:r>
-              <a:rPr lang="es-ES_tradnl" sz="900" dirty="0" smtClean="0"/>
-              <a:t>Es un</a:t>
-            </a:r>
-            <a:r>
-              <a:rPr lang="es-ES_tradnl" sz="900" dirty="0" smtClean="0"/>
-              <a:t> programa informativo </a:t>
-            </a:r>
-            <a:r>
-              <a:rPr lang="es-ES_tradnl" sz="900" dirty="0" smtClean="0"/>
-              <a:t>que </a:t>
-            </a:r>
-            <a:r>
-              <a:rPr lang="es-ES_tradnl" sz="900" dirty="0" smtClean="0"/>
-              <a:t>presenta </a:t>
-            </a:r>
-            <a:r>
-              <a:rPr lang="es-ES_tradnl" sz="900" dirty="0" smtClean="0"/>
-              <a:t>hechos los cuales se </a:t>
-            </a:r>
-            <a:r>
-              <a:rPr lang="es-ES_tradnl" sz="900" dirty="0"/>
-              <a:t>cuentan </a:t>
-            </a:r>
-            <a:r>
-              <a:rPr lang="es-ES_tradnl" sz="900" dirty="0" smtClean="0"/>
-              <a:t>de manera clara, </a:t>
-            </a:r>
-            <a:r>
-              <a:rPr lang="es-ES_tradnl" sz="900" dirty="0"/>
-              <a:t>en forma breve y</a:t>
-            </a:r>
-            <a:r>
-              <a:rPr lang="es-ES_tradnl" sz="900" dirty="0" smtClean="0"/>
-              <a:t> </a:t>
-            </a:r>
-            <a:r>
-              <a:rPr lang="es-ES_tradnl" sz="900" dirty="0"/>
-              <a:t>con un estilo ágil y dinámico que cautiva la </a:t>
-            </a:r>
-            <a:r>
-              <a:rPr lang="es-ES_tradnl" sz="900" dirty="0" smtClean="0"/>
-              <a:t>atención. </a:t>
-            </a:r>
-            <a:endParaRPr lang="es-CO" sz="900" dirty="0"/>
-          </a:p>
-          <a:p>
-            <a:pPr marL="0" marR="0" lvl="0" indent="0" algn="ctr" defTabSz="914400" eaLnBrk="1" fontAlgn="auto" latinLnBrk="0" hangingPunct="1">
-              <a:lnSpc>
-                <a:spcPct val="100000"/>
-              </a:lnSpc>
-              <a:spcBef>
-                <a:spcPts val="0"/>
-              </a:spcBef>
-              <a:spcAft>
-                <a:spcPts val="0"/>
-              </a:spcAft>
-              <a:buClrTx/>
-              <a:buSzTx/>
-              <a:buFontTx/>
-              <a:buNone/>
-              <a:tabLst/>
-              <a:defRPr/>
-            </a:pPr>
-            <a:endParaRPr kumimoji="0" lang="es-ES" sz="900" b="0" i="0" u="none" strike="noStrike" kern="0" cap="none" spc="0" normalizeH="0" baseline="0" noProof="0" dirty="0">
-              <a:ln>
-                <a:noFill/>
-              </a:ln>
-              <a:solidFill>
-                <a:prstClr val="black"/>
-              </a:solidFill>
-              <a:effectLst/>
-              <a:uLnTx/>
-              <a:uFillTx/>
-              <a:latin typeface="Calibri" panose="020F0502020204030204"/>
-              <a:ea typeface="+mn-ea"/>
-              <a:cs typeface="+mn-cs"/>
-            </a:endParaRPr>
-          </a:p>
-        </p:txBody>
-      </p:sp>
-      <p:cxnSp>
-        <p:nvCxnSpPr>
-          <p:cNvPr id="83" name="Conector recto 378"/>
-          <p:cNvCxnSpPr/>
-          <p:nvPr/>
-        </p:nvCxnSpPr>
-        <p:spPr>
-          <a:xfrm flipH="1">
-            <a:off x="5959500" y="3508258"/>
-            <a:ext cx="1" cy="158515"/>
-          </a:xfrm>
-          <a:prstGeom prst="line">
-            <a:avLst/>
-          </a:prstGeom>
-          <a:noFill/>
-          <a:ln w="12700" cap="flat" cmpd="sng" algn="ctr">
-            <a:solidFill>
-              <a:sysClr val="windowText" lastClr="000000"/>
-            </a:solidFill>
-            <a:prstDash val="solid"/>
-            <a:miter lim="800000"/>
-          </a:ln>
-          <a:effectLst/>
-        </p:spPr>
-      </p:cxnSp>
-      <p:sp>
-        <p:nvSpPr>
-          <p:cNvPr id="84" name="CuadroTexto 262" descr="Conector entre nodos" title="conector"/>
-          <p:cNvSpPr txBox="1"/>
-          <p:nvPr/>
-        </p:nvSpPr>
-        <p:spPr>
-          <a:xfrm>
-            <a:off x="5652120" y="3646636"/>
-            <a:ext cx="680247" cy="230832"/>
-          </a:xfrm>
-          <a:prstGeom prst="rect">
-            <a:avLst/>
-          </a:prstGeom>
-          <a:noFill/>
-        </p:spPr>
-        <p:txBody>
-          <a:bodyPr wrap="square" rtlCol="0">
-            <a:spAutoFit/>
-          </a:bodyPr>
-          <a:lstStyle/>
-          <a:p>
-            <a:pPr marL="0" marR="0" lvl="0" indent="0" algn="ctr" defTabSz="914400" eaLnBrk="1" fontAlgn="auto" latinLnBrk="0" hangingPunct="1">
-              <a:lnSpc>
-                <a:spcPct val="100000"/>
-              </a:lnSpc>
-              <a:spcBef>
-                <a:spcPts val="0"/>
-              </a:spcBef>
-              <a:spcAft>
-                <a:spcPts val="0"/>
-              </a:spcAft>
-              <a:buClrTx/>
-              <a:buSzTx/>
-              <a:buFontTx/>
-              <a:buNone/>
-              <a:tabLst/>
-              <a:defRPr/>
-            </a:pPr>
-            <a:r>
-              <a:rPr lang="es-ES" sz="900" kern="0" dirty="0" smtClean="0">
-                <a:solidFill>
-                  <a:prstClr val="black"/>
-                </a:solidFill>
-              </a:rPr>
-              <a:t>Contiene</a:t>
-            </a:r>
-            <a:endParaRPr kumimoji="0" lang="es-ES" sz="900" b="0" i="0" u="none" strike="noStrike" kern="0" cap="none" spc="0" normalizeH="0" baseline="0" noProof="0" dirty="0">
-              <a:ln>
-                <a:noFill/>
-              </a:ln>
-              <a:solidFill>
-                <a:prstClr val="black"/>
-              </a:solidFill>
-              <a:effectLst/>
-              <a:uLnTx/>
-              <a:uFillTx/>
-            </a:endParaRPr>
-          </a:p>
-        </p:txBody>
-      </p:sp>
-      <p:cxnSp>
-        <p:nvCxnSpPr>
-          <p:cNvPr id="85" name="Conector recto 380"/>
-          <p:cNvCxnSpPr/>
-          <p:nvPr/>
-        </p:nvCxnSpPr>
-        <p:spPr>
-          <a:xfrm flipH="1">
-            <a:off x="5959501" y="3918557"/>
-            <a:ext cx="1" cy="158515"/>
-          </a:xfrm>
-          <a:prstGeom prst="line">
-            <a:avLst/>
-          </a:prstGeom>
-          <a:noFill/>
-          <a:ln w="12700" cap="flat" cmpd="sng" algn="ctr">
-            <a:solidFill>
-              <a:sysClr val="windowText" lastClr="000000"/>
-            </a:solidFill>
-            <a:prstDash val="solid"/>
-            <a:miter lim="800000"/>
-          </a:ln>
-          <a:effectLst/>
-        </p:spPr>
-      </p:cxnSp>
-      <p:sp>
-        <p:nvSpPr>
-          <p:cNvPr id="86" name="Rectángulo 72" descr="Nodo de cuarto nivel&#10;" title="Nodo04"/>
-          <p:cNvSpPr/>
-          <p:nvPr/>
-        </p:nvSpPr>
-        <p:spPr>
-          <a:xfrm>
-            <a:off x="5436096" y="4065034"/>
-            <a:ext cx="1152128" cy="257475"/>
-          </a:xfrm>
-          <a:prstGeom prst="rect">
-            <a:avLst/>
-          </a:prstGeom>
-          <a:solidFill>
-            <a:sysClr val="window" lastClr="FFFFFF"/>
-          </a:solidFill>
-          <a:ln w="12700" cap="flat" cmpd="sng" algn="ctr">
-            <a:solidFill>
-              <a:sysClr val="windowText" lastClr="000000"/>
-            </a:solidFill>
-            <a:prstDash val="solid"/>
-            <a:miter lim="800000"/>
-          </a:ln>
-          <a:effectLst/>
-        </p:spPr>
-        <p:txBody>
-          <a:bodyPr rtlCol="0" anchor="ctr"/>
-          <a:lstStyle/>
-          <a:p>
-            <a:pPr marL="0" marR="0" lvl="0" indent="0" algn="ctr" defTabSz="914400" eaLnBrk="1" fontAlgn="auto" latinLnBrk="0" hangingPunct="1">
-              <a:lnSpc>
-                <a:spcPct val="100000"/>
-              </a:lnSpc>
-              <a:spcBef>
-                <a:spcPts val="0"/>
-              </a:spcBef>
-              <a:spcAft>
-                <a:spcPts val="0"/>
-              </a:spcAft>
-              <a:buClrTx/>
-              <a:buSzTx/>
-              <a:buFontTx/>
-              <a:buNone/>
-              <a:tabLst/>
-              <a:defRPr/>
-            </a:pPr>
-            <a:r>
-              <a:rPr kumimoji="0" lang="es-ES" sz="900" b="0" i="0" u="none" strike="noStrike" kern="0" cap="none" spc="0" normalizeH="0" baseline="0" noProof="0" dirty="0" smtClean="0">
-                <a:ln>
-                  <a:noFill/>
-                </a:ln>
-                <a:solidFill>
-                  <a:prstClr val="black"/>
-                </a:solidFill>
-                <a:effectLst/>
-                <a:uLnTx/>
-                <a:uFillTx/>
-                <a:latin typeface="Calibri" panose="020F0502020204030204"/>
-                <a:ea typeface="+mn-ea"/>
-                <a:cs typeface="+mn-cs"/>
-              </a:rPr>
-              <a:t>Varias secciones</a:t>
-            </a:r>
-            <a:endParaRPr kumimoji="0" lang="es-ES" sz="900" b="0" i="0" u="none" strike="noStrike" kern="0" cap="none" spc="0" normalizeH="0" baseline="0" noProof="0" dirty="0">
-              <a:ln>
-                <a:noFill/>
-              </a:ln>
-              <a:solidFill>
-                <a:prstClr val="black"/>
-              </a:solidFill>
-              <a:effectLst/>
-              <a:uLnTx/>
-              <a:uFillTx/>
-              <a:latin typeface="Calibri" panose="020F0502020204030204"/>
-              <a:ea typeface="+mn-ea"/>
-              <a:cs typeface="+mn-cs"/>
+              <a:latin typeface="Arial" panose="020B0604020202020204" pitchFamily="34" charset="0"/>
+              <a:cs typeface="Arial" panose="020B0604020202020204" pitchFamily="34" charset="0"/>
             </a:endParaRPr>
           </a:p>
         </p:txBody>
@@ -7219,8 +6633,8 @@
         </p:nvSpPr>
         <p:spPr>
           <a:xfrm>
-            <a:off x="5833109" y="4443796"/>
-            <a:ext cx="611099" cy="235249"/>
+            <a:off x="5657156" y="4342890"/>
+            <a:ext cx="773918" cy="235249"/>
           </a:xfrm>
           <a:prstGeom prst="rect">
             <a:avLst/>
@@ -7258,89 +6672,21 @@
                 <a:solidFill>
                   <a:schemeClr val="tx1"/>
                 </a:solidFill>
-              </a:rPr>
-              <a:t>Locales</a:t>
+                <a:latin typeface="Arial" panose="020B0604020202020204" pitchFamily="34" charset="0"/>
+                <a:cs typeface="Arial" panose="020B0604020202020204" pitchFamily="34" charset="0"/>
+              </a:rPr>
+              <a:t>nacional</a:t>
             </a:r>
             <a:endParaRPr lang="es-ES" sz="900" dirty="0">
               <a:solidFill>
                 <a:schemeClr val="tx1"/>
               </a:solidFill>
+              <a:latin typeface="Arial" panose="020B0604020202020204" pitchFamily="34" charset="0"/>
+              <a:cs typeface="Arial" panose="020B0604020202020204" pitchFamily="34" charset="0"/>
             </a:endParaRPr>
           </a:p>
         </p:txBody>
       </p:sp>
-      <p:cxnSp>
-        <p:nvCxnSpPr>
-          <p:cNvPr id="89" name="Conector angular 261"/>
-          <p:cNvCxnSpPr>
-            <a:stCxn id="88" idx="1"/>
-          </p:cNvCxnSpPr>
-          <p:nvPr/>
-        </p:nvCxnSpPr>
-        <p:spPr>
-          <a:xfrm rot="10800000">
-            <a:off x="5732609" y="4322511"/>
-            <a:ext cx="100501" cy="238910"/>
-          </a:xfrm>
-          <a:prstGeom prst="bentConnector2">
-            <a:avLst/>
-          </a:prstGeom>
-          <a:ln w="12700">
-            <a:solidFill>
-              <a:schemeClr val="tx1"/>
-            </a:solidFill>
-          </a:ln>
-        </p:spPr>
-        <p:style>
-          <a:lnRef idx="1">
-            <a:schemeClr val="accent1"/>
-          </a:lnRef>
-          <a:fillRef idx="0">
-            <a:schemeClr val="accent1"/>
-          </a:fillRef>
-          <a:effectRef idx="0">
-            <a:schemeClr val="accent1"/>
-          </a:effectRef>
-          <a:fontRef idx="minor">
-            <a:schemeClr val="tx1"/>
-          </a:fontRef>
-        </p:style>
-      </p:cxnSp>
-      <p:cxnSp>
-        <p:nvCxnSpPr>
-          <p:cNvPr id="90" name="Conector angular 261"/>
-          <p:cNvCxnSpPr/>
-          <p:nvPr/>
-        </p:nvCxnSpPr>
-        <p:spPr>
-          <a:xfrm rot="10800000">
-            <a:off x="5733936" y="4437112"/>
-            <a:ext cx="109787" cy="483866"/>
-          </a:xfrm>
-          <a:prstGeom prst="bentConnector2">
-            <a:avLst/>
-          </a:prstGeom>
-          <a:ln w="12700">
-            <a:solidFill>
-              <a:schemeClr val="tx1"/>
-            </a:solidFill>
-          </a:ln>
-        </p:spPr>
-        <p:style>
-          <a:lnRef idx="1">
-            <a:schemeClr val="accent1"/>
-          </a:lnRef>
-          <a:fillRef idx="0">
-            <a:schemeClr val="accent1"/>
-          </a:fillRef>
-          <a:effectRef idx="0">
-            <a:schemeClr val="accent1"/>
-          </a:effectRef>
-          <a:fontRef idx="minor">
-            <a:schemeClr val="tx1"/>
-          </a:fontRef>
-        </p:style>
-      </p:cxnSp>
       <p:sp>
         <p:nvSpPr>
           <p:cNvPr id="91" name="Rectángulo 72" descr="Nodo de cuarto nivel&#10;" title="Nodo04"/>
@@ -7349,8 +6695,8 @@
         </p:nvSpPr>
         <p:spPr>
           <a:xfrm>
-            <a:off x="5861706" y="4797152"/>
-            <a:ext cx="726518" cy="253794"/>
+            <a:off x="5654708" y="4715029"/>
+            <a:ext cx="836439" cy="253794"/>
           </a:xfrm>
           <a:prstGeom prst="rect">
             <a:avLst/>
@@ -7388,13 +6734,17 @@
                 <a:solidFill>
                   <a:schemeClr val="tx1"/>
                 </a:solidFill>
-              </a:rPr>
-              <a:t>Nacionales</a:t>
+                <a:latin typeface="Arial" panose="020B0604020202020204" pitchFamily="34" charset="0"/>
+                <a:cs typeface="Arial" panose="020B0604020202020204" pitchFamily="34" charset="0"/>
+              </a:rPr>
+              <a:t>internacional</a:t>
             </a:r>
             <a:endParaRPr lang="es-ES" sz="900" dirty="0">
               <a:solidFill>
                 <a:schemeClr val="tx1"/>
               </a:solidFill>
+              <a:latin typeface="Arial" panose="020B0604020202020204" pitchFamily="34" charset="0"/>
+              <a:cs typeface="Arial" panose="020B0604020202020204" pitchFamily="34" charset="0"/>
             </a:endParaRPr>
           </a:p>
         </p:txBody>
@@ -7407,8 +6757,8 @@
         </p:nvSpPr>
         <p:spPr>
           <a:xfrm>
-            <a:off x="5843722" y="5157192"/>
-            <a:ext cx="960526" cy="208714"/>
+            <a:off x="5655575" y="5084458"/>
+            <a:ext cx="867555" cy="208714"/>
           </a:xfrm>
           <a:prstGeom prst="rect">
             <a:avLst/>
@@ -7446,54 +6796,21 @@
                 <a:solidFill>
                   <a:schemeClr val="tx1"/>
                 </a:solidFill>
-              </a:rPr>
-              <a:t>Internacionales</a:t>
+                <a:latin typeface="Arial" panose="020B0604020202020204" pitchFamily="34" charset="0"/>
+                <a:cs typeface="Arial" panose="020B0604020202020204" pitchFamily="34" charset="0"/>
+              </a:rPr>
+              <a:t>economía</a:t>
             </a:r>
             <a:endParaRPr lang="es-ES" sz="900" dirty="0">
               <a:solidFill>
                 <a:schemeClr val="tx1"/>
               </a:solidFill>
+              <a:latin typeface="Arial" panose="020B0604020202020204" pitchFamily="34" charset="0"/>
+              <a:cs typeface="Arial" panose="020B0604020202020204" pitchFamily="34" charset="0"/>
             </a:endParaRPr>
           </a:p>
         </p:txBody>
       </p:sp>
-      <p:cxnSp>
-        <p:nvCxnSpPr>
-          <p:cNvPr id="97" name="Conector angular 261"/>
-          <p:cNvCxnSpPr/>
-          <p:nvPr/>
-        </p:nvCxnSpPr>
-        <p:spPr>
-          <a:xfrm rot="16200000" flipV="1">
-            <a:off x="5597677" y="5071794"/>
-            <a:ext cx="371696" cy="99169"/>
-          </a:xfrm>
-          <a:prstGeom prst="bentConnector3">
-            <a:avLst>
-              <a:gd name="adj1" fmla="val -1206"/>
-            </a:avLst>
-          </a:prstGeom>
-          <a:ln w="12700">
-            <a:solidFill>
-              <a:schemeClr val="tx1"/>
-            </a:solidFill>
-          </a:ln>
-        </p:spPr>
-        <p:style>
-          <a:lnRef idx="1">
-            <a:schemeClr val="accent1"/>
-          </a:lnRef>
-          <a:fillRef idx="0">
-            <a:schemeClr val="accent1"/>
-          </a:fillRef>
-          <a:effectRef idx="0">
-            <a:schemeClr val="accent1"/>
-          </a:effectRef>
-          <a:fontRef idx="minor">
-            <a:schemeClr val="tx1"/>
-          </a:fontRef>
-        </p:style>
-      </p:cxnSp>
       <p:sp>
         <p:nvSpPr>
           <p:cNvPr id="102" name="Rectángulo 72" descr="Nodo de cuarto nivel&#10;" title="Nodo04"/>
@@ -7502,8 +6819,8 @@
         </p:nvSpPr>
         <p:spPr>
           <a:xfrm>
-            <a:off x="5833109" y="5445224"/>
-            <a:ext cx="755115" cy="205442"/>
+            <a:off x="5667698" y="5405164"/>
+            <a:ext cx="823450" cy="205442"/>
           </a:xfrm>
           <a:prstGeom prst="rect">
             <a:avLst/>
@@ -7541,91 +6858,21 @@
                 <a:solidFill>
                   <a:schemeClr val="tx1"/>
                 </a:solidFill>
-              </a:rPr>
-              <a:t>Económicas</a:t>
+                <a:latin typeface="Arial" panose="020B0604020202020204" pitchFamily="34" charset="0"/>
+                <a:cs typeface="Arial" panose="020B0604020202020204" pitchFamily="34" charset="0"/>
+              </a:rPr>
+              <a:t>cultura</a:t>
             </a:r>
             <a:endParaRPr lang="es-ES" sz="900" dirty="0">
               <a:solidFill>
                 <a:schemeClr val="tx1"/>
               </a:solidFill>
+              <a:latin typeface="Arial" panose="020B0604020202020204" pitchFamily="34" charset="0"/>
+              <a:cs typeface="Arial" panose="020B0604020202020204" pitchFamily="34" charset="0"/>
             </a:endParaRPr>
           </a:p>
         </p:txBody>
       </p:sp>
-      <p:cxnSp>
-        <p:nvCxnSpPr>
-          <p:cNvPr id="103" name="Conector angular 261"/>
-          <p:cNvCxnSpPr>
-            <a:stCxn id="102" idx="1"/>
-          </p:cNvCxnSpPr>
-          <p:nvPr/>
-        </p:nvCxnSpPr>
-        <p:spPr>
-          <a:xfrm rot="10800000">
-            <a:off x="5733949" y="5168571"/>
-            <a:ext cx="99161" cy="379374"/>
-          </a:xfrm>
-          <a:prstGeom prst="bentConnector2">
-            <a:avLst/>
-          </a:prstGeom>
-          <a:ln w="12700">
-            <a:solidFill>
-              <a:schemeClr val="tx1"/>
-            </a:solidFill>
-          </a:ln>
-        </p:spPr>
-        <p:style>
-          <a:lnRef idx="1">
-            <a:schemeClr val="accent1"/>
-          </a:lnRef>
-          <a:fillRef idx="0">
-            <a:schemeClr val="accent1"/>
-          </a:fillRef>
-          <a:effectRef idx="0">
-            <a:schemeClr val="accent1"/>
-          </a:effectRef>
-          <a:fontRef idx="minor">
-            <a:schemeClr val="tx1"/>
-          </a:fontRef>
-        </p:style>
-      </p:cxnSp>
-      <p:cxnSp>
-        <p:nvCxnSpPr>
-          <p:cNvPr id="104" name="Conector angular 261"/>
-          <p:cNvCxnSpPr>
-            <a:stCxn id="105" idx="1"/>
-          </p:cNvCxnSpPr>
-          <p:nvPr/>
-        </p:nvCxnSpPr>
-        <p:spPr>
-          <a:xfrm rot="10800000">
-            <a:off x="5733944" y="5399425"/>
-            <a:ext cx="109779" cy="447862"/>
-          </a:xfrm>
-          <a:prstGeom prst="bentConnector2">
-            <a:avLst/>
-          </a:prstGeom>
-          <a:ln w="12700">
-            <a:solidFill>
-              <a:schemeClr val="tx1"/>
-            </a:solidFill>
-          </a:ln>
-        </p:spPr>
-        <p:style>
-          <a:lnRef idx="1">
-            <a:schemeClr val="accent1"/>
-          </a:lnRef>
-          <a:fillRef idx="0">
-            <a:schemeClr val="accent1"/>
-          </a:fillRef>
-          <a:effectRef idx="0">
-            <a:schemeClr val="accent1"/>
-          </a:effectRef>
-          <a:fontRef idx="minor">
-            <a:schemeClr val="tx1"/>
-          </a:fontRef>
-        </p:style>
-      </p:cxnSp>
       <p:sp>
         <p:nvSpPr>
           <p:cNvPr id="105" name="Rectángulo 72" descr="Nodo de cuarto nivel&#10;" title="Nodo04"/>
@@ -7634,8 +6881,8 @@
         </p:nvSpPr>
         <p:spPr>
           <a:xfrm>
-            <a:off x="5843722" y="5733256"/>
-            <a:ext cx="744502" cy="228062"/>
+            <a:off x="5650639" y="5703953"/>
+            <a:ext cx="818143" cy="228062"/>
           </a:xfrm>
           <a:prstGeom prst="rect">
             <a:avLst/>
@@ -7673,13 +6920,17 @@
                 <a:solidFill>
                   <a:schemeClr val="tx1"/>
                 </a:solidFill>
-              </a:rPr>
-              <a:t>Deportivas</a:t>
+                <a:latin typeface="Arial" panose="020B0604020202020204" pitchFamily="34" charset="0"/>
+                <a:cs typeface="Arial" panose="020B0604020202020204" pitchFamily="34" charset="0"/>
+              </a:rPr>
+              <a:t>deportes</a:t>
             </a:r>
             <a:endParaRPr lang="es-ES" sz="900" dirty="0">
               <a:solidFill>
                 <a:schemeClr val="tx1"/>
               </a:solidFill>
+              <a:latin typeface="Arial" panose="020B0604020202020204" pitchFamily="34" charset="0"/>
+              <a:cs typeface="Arial" panose="020B0604020202020204" pitchFamily="34" charset="0"/>
             </a:endParaRPr>
           </a:p>
         </p:txBody>
@@ -7692,8 +6943,8 @@
         </p:nvSpPr>
         <p:spPr>
           <a:xfrm>
-            <a:off x="5843722" y="6021288"/>
-            <a:ext cx="672494" cy="228062"/>
+            <a:off x="5657156" y="6017059"/>
+            <a:ext cx="818767" cy="228062"/>
           </a:xfrm>
           <a:prstGeom prst="rect">
             <a:avLst/>
@@ -7731,64 +6982,123 @@
                 <a:solidFill>
                   <a:schemeClr val="tx1"/>
                 </a:solidFill>
-              </a:rPr>
-              <a:t>Culturales</a:t>
+                <a:latin typeface="Arial" panose="020B0604020202020204" pitchFamily="34" charset="0"/>
+                <a:cs typeface="Arial" panose="020B0604020202020204" pitchFamily="34" charset="0"/>
+              </a:rPr>
+              <a:t>tecnología</a:t>
             </a:r>
             <a:endParaRPr lang="es-ES" sz="900" dirty="0">
               <a:solidFill>
                 <a:schemeClr val="tx1"/>
               </a:solidFill>
+              <a:latin typeface="Arial" panose="020B0604020202020204" pitchFamily="34" charset="0"/>
+              <a:cs typeface="Arial" panose="020B0604020202020204" pitchFamily="34" charset="0"/>
             </a:endParaRPr>
           </a:p>
         </p:txBody>
       </p:sp>
       <p:cxnSp>
         <p:nvCxnSpPr>
-          <p:cNvPr id="107" name="Conector angular 261"/>
+          <p:cNvPr id="98" name="Conector recto 378"/>
           <p:cNvCxnSpPr/>
           <p:nvPr/>
         </p:nvCxnSpPr>
         <p:spPr>
-          <a:xfrm rot="16200000" flipV="1">
-            <a:off x="5597677" y="5869520"/>
-            <a:ext cx="371696" cy="99169"/>
-          </a:xfrm>
-          <a:prstGeom prst="bentConnector3">
-            <a:avLst>
-              <a:gd name="adj1" fmla="val -1206"/>
-            </a:avLst>
-          </a:prstGeom>
-          <a:ln w="12700">
+          <a:xfrm flipH="1">
+            <a:off x="8028383" y="2408463"/>
+            <a:ext cx="1" cy="158515"/>
+          </a:xfrm>
+          <a:prstGeom prst="line">
+            <a:avLst/>
+          </a:prstGeom>
+          <a:noFill/>
+          <a:ln w="12700" cap="flat" cmpd="sng" algn="ctr">
             <a:solidFill>
-              <a:schemeClr val="tx1"/>
+              <a:sysClr val="windowText" lastClr="000000"/>
             </a:solidFill>
+            <a:prstDash val="solid"/>
+            <a:miter lim="800000"/>
           </a:ln>
-        </p:spPr>
-        <p:style>
-          <a:lnRef idx="1">
-            <a:schemeClr val="accent1"/>
-          </a:lnRef>
-          <a:fillRef idx="0">
-            <a:schemeClr val="accent1"/>
-          </a:fillRef>
-          <a:effectRef idx="0">
-            <a:schemeClr val="accent1"/>
-          </a:effectRef>
-          <a:fontRef idx="minor">
-            <a:schemeClr val="tx1"/>
-          </a:fontRef>
-        </p:style>
+          <a:effectLst/>
+        </p:spPr>
       </p:cxnSp>
       <p:sp>
         <p:nvSpPr>
-          <p:cNvPr id="96" name="CuadroTexto 262" descr="Conector entre nodos" title="conector"/>
+          <p:cNvPr id="101" name="Rectángulo 283" descr="Nodo de tercer nivel" title="Nodo03"/>
+          <p:cNvSpPr/>
+          <p:nvPr/>
+        </p:nvSpPr>
+        <p:spPr>
+          <a:xfrm>
+            <a:off x="7164288" y="2742746"/>
+            <a:ext cx="656954" cy="160931"/>
+          </a:xfrm>
+          <a:prstGeom prst="rect">
+            <a:avLst/>
+          </a:prstGeom>
+          <a:solidFill>
+            <a:srgbClr val="E7E6E6">
+              <a:lumMod val="90000"/>
+            </a:srgbClr>
+          </a:solidFill>
+          <a:ln w="12700" cap="flat" cmpd="sng" algn="ctr">
+            <a:solidFill>
+              <a:sysClr val="windowText" lastClr="000000"/>
+            </a:solidFill>
+            <a:prstDash val="solid"/>
+            <a:miter lim="800000"/>
+          </a:ln>
+          <a:effectLst/>
+        </p:spPr>
+        <p:txBody>
+          <a:bodyPr rtlCol="0" anchor="ctr"/>
+          <a:lstStyle/>
+          <a:p>
+            <a:pPr algn="ctr">
+              <a:defRPr/>
+            </a:pPr>
+            <a:r>
+              <a:rPr kumimoji="0" lang="es-ES" sz="900" i="0" u="none" strike="noStrike" kern="0" cap="none" spc="0" normalizeH="0" baseline="0" noProof="0" dirty="0" smtClean="0">
+                <a:ln>
+                  <a:noFill/>
+                </a:ln>
+                <a:solidFill>
+                  <a:prstClr val="black"/>
+                </a:solidFill>
+                <a:effectLst/>
+                <a:uLnTx/>
+                <a:uFillTx/>
+                <a:latin typeface="Arial" panose="020B0604020202020204" pitchFamily="34" charset="0"/>
+                <a:cs typeface="Arial" panose="020B0604020202020204" pitchFamily="34" charset="0"/>
+              </a:rPr>
+              <a:t>oral</a:t>
+            </a:r>
+            <a:endParaRPr kumimoji="0" lang="es-ES" sz="900" i="0" u="none" strike="noStrike" kern="0" cap="none" spc="0" normalizeH="0" baseline="0" noProof="0" dirty="0">
+              <a:ln>
+                <a:noFill/>
+              </a:ln>
+              <a:solidFill>
+                <a:prstClr val="black"/>
+              </a:solidFill>
+              <a:effectLst/>
+              <a:uLnTx/>
+              <a:uFillTx/>
+              <a:latin typeface="Arial" panose="020B0604020202020204" pitchFamily="34" charset="0"/>
+              <a:cs typeface="Arial" panose="020B0604020202020204" pitchFamily="34" charset="0"/>
+            </a:endParaRPr>
+          </a:p>
+        </p:txBody>
+      </p:sp>
+      <p:sp>
+        <p:nvSpPr>
+          <p:cNvPr id="118" name="CuadroTexto 262" descr="Conector entre nodos" title="conector"/>
           <p:cNvSpPr txBox="1"/>
           <p:nvPr/>
         </p:nvSpPr>
         <p:spPr>
           <a:xfrm>
-            <a:off x="7740352" y="2204864"/>
-            <a:ext cx="680247" cy="230832"/>
+            <a:off x="6845714" y="3036997"/>
+            <a:ext cx="1195063" cy="215444"/>
           </a:xfrm>
           <a:prstGeom prst="rect">
             <a:avLst/>
@@ -7819,14 +7129,48 @@
               <a:defRPr/>
             </a:pPr>
             <a:r>
-              <a:rPr lang="es-ES" sz="900" kern="0" noProof="0" dirty="0" smtClean="0">
+              <a:rPr lang="es-ES" sz="800" kern="0" dirty="0">
                 <a:solidFill>
                   <a:prstClr val="black"/>
                 </a:solidFill>
-              </a:rPr>
-              <a:t>¿Qué es?</a:t>
-            </a:r>
-            <a:endParaRPr kumimoji="0" lang="es-ES" sz="900" b="0" i="0" u="none" strike="noStrike" kern="0" cap="none" spc="0" normalizeH="0" baseline="0" noProof="0" dirty="0">
+                <a:latin typeface="Arial" panose="020B0604020202020204" pitchFamily="34" charset="0"/>
+                <a:cs typeface="Arial" panose="020B0604020202020204" pitchFamily="34" charset="0"/>
+              </a:rPr>
+              <a:t>l</a:t>
+            </a:r>
+            <a:r>
+              <a:rPr kumimoji="0" lang="es-ES" sz="800" b="0" i="0" u="none" strike="noStrike" kern="0" cap="none" spc="0" normalizeH="0" baseline="0" noProof="0" dirty="0" smtClean="0">
+                <a:ln>
+                  <a:noFill/>
+                </a:ln>
+                <a:solidFill>
+                  <a:prstClr val="black"/>
+                </a:solidFill>
+                <a:effectLst/>
+                <a:uLnTx/>
+                <a:uFillTx/>
+                <a:latin typeface="Arial" panose="020B0604020202020204" pitchFamily="34" charset="0"/>
+                <a:cs typeface="Arial" panose="020B0604020202020204" pitchFamily="34" charset="0"/>
+              </a:rPr>
+              <a:t>a</a:t>
+            </a:r>
+            <a:r>
+              <a:rPr kumimoji="0" lang="es-ES" sz="800" b="0" i="0" u="none" strike="noStrike" kern="0" cap="none" spc="0" normalizeH="0" noProof="0" dirty="0" smtClean="0">
+                <a:ln>
+                  <a:noFill/>
+                </a:ln>
+                <a:solidFill>
+                  <a:prstClr val="black"/>
+                </a:solidFill>
+                <a:effectLst/>
+                <a:uLnTx/>
+                <a:uFillTx/>
+                <a:latin typeface="Arial" panose="020B0604020202020204" pitchFamily="34" charset="0"/>
+                <a:cs typeface="Arial" panose="020B0604020202020204" pitchFamily="34" charset="0"/>
+              </a:rPr>
+              <a:t> cual </a:t>
+            </a:r>
+            <a:endParaRPr kumimoji="0" lang="es-ES" sz="800" b="0" i="0" u="none" strike="noStrike" kern="0" cap="none" spc="0" normalizeH="0" baseline="0" noProof="0" dirty="0">
               <a:ln>
                 <a:noFill/>
               </a:ln>
@@ -7836,19 +7180,73 @@
               <a:effectLst/>
               <a:uLnTx/>
               <a:uFillTx/>
+              <a:latin typeface="Arial" panose="020B0604020202020204" pitchFamily="34" charset="0"/>
+              <a:cs typeface="Arial" panose="020B0604020202020204" pitchFamily="34" charset="0"/>
+            </a:endParaRPr>
+          </a:p>
+        </p:txBody>
+      </p:sp>
+      <p:sp>
+        <p:nvSpPr>
+          <p:cNvPr id="120" name="Rectángulo 72" descr="Nodo de cuarto nivel&#10;" title="Nodo04"/>
+          <p:cNvSpPr/>
+          <p:nvPr/>
+        </p:nvSpPr>
+        <p:spPr>
+          <a:xfrm>
+            <a:off x="8151143" y="3371291"/>
+            <a:ext cx="936104" cy="847187"/>
+          </a:xfrm>
+          <a:prstGeom prst="rect">
+            <a:avLst/>
+          </a:prstGeom>
+          <a:solidFill>
+            <a:sysClr val="window" lastClr="FFFFFF"/>
+          </a:solidFill>
+          <a:ln w="12700" cap="flat" cmpd="sng" algn="ctr">
+            <a:solidFill>
+              <a:sysClr val="windowText" lastClr="000000"/>
+            </a:solidFill>
+            <a:prstDash val="solid"/>
+            <a:miter lim="800000"/>
+          </a:ln>
+          <a:effectLst/>
+        </p:spPr>
+        <p:txBody>
+          <a:bodyPr rtlCol="0" anchor="ctr"/>
+          <a:lstStyle/>
+          <a:p>
+            <a:pPr algn="ctr"/>
+            <a:r>
+              <a:rPr lang="es-CO" sz="800" dirty="0">
+                <a:latin typeface="Arial" panose="020B0604020202020204" pitchFamily="34" charset="0"/>
+                <a:cs typeface="Arial" panose="020B0604020202020204" pitchFamily="34" charset="0"/>
+              </a:rPr>
+              <a:t>p</a:t>
+            </a:r>
+            <a:r>
+              <a:rPr lang="es-CO" sz="800" dirty="0" smtClean="0">
+                <a:latin typeface="Arial" panose="020B0604020202020204" pitchFamily="34" charset="0"/>
+                <a:cs typeface="Arial" panose="020B0604020202020204" pitchFamily="34" charset="0"/>
+              </a:rPr>
+              <a:t>resenta un mensaje planificado: riguroso, claro y lógico</a:t>
+            </a:r>
+            <a:endParaRPr lang="es-CO" sz="800" dirty="0">
+              <a:latin typeface="Arial" panose="020B0604020202020204" pitchFamily="34" charset="0"/>
+              <a:cs typeface="Arial" panose="020B0604020202020204" pitchFamily="34" charset="0"/>
             </a:endParaRPr>
           </a:p>
         </p:txBody>
       </p:sp>
       <p:cxnSp>
         <p:nvCxnSpPr>
-          <p:cNvPr id="98" name="Conector recto 378"/>
+          <p:cNvPr id="121" name="Conector recto 378"/>
           <p:cNvCxnSpPr/>
           <p:nvPr/>
         </p:nvCxnSpPr>
         <p:spPr>
           <a:xfrm flipH="1">
-            <a:off x="8028716" y="2428137"/>
+            <a:off x="7416316" y="2912422"/>
             <a:ext cx="1" cy="158515"/>
           </a:xfrm>
           <a:prstGeom prst="line">
@@ -7867,14 +7265,1666 @@
       </p:cxnSp>
       <p:sp>
         <p:nvSpPr>
-          <p:cNvPr id="101" name="Rectángulo 283" descr="Nodo de tercer nivel" title="Nodo03"/>
+          <p:cNvPr id="124" name="Rectángulo 72" descr="Nodo de cuarto nivel&#10;" title="Nodo04"/>
           <p:cNvSpPr/>
           <p:nvPr/>
         </p:nvSpPr>
         <p:spPr>
           <a:xfrm>
-            <a:off x="7236296" y="2564905"/>
-            <a:ext cx="1656184" cy="662570"/>
+            <a:off x="6938197" y="3385551"/>
+            <a:ext cx="1154329" cy="832927"/>
+          </a:xfrm>
+          <a:prstGeom prst="rect">
+            <a:avLst/>
+          </a:prstGeom>
+          <a:solidFill>
+            <a:sysClr val="window" lastClr="FFFFFF"/>
+          </a:solidFill>
+          <a:ln w="12700" cap="flat" cmpd="sng" algn="ctr">
+            <a:solidFill>
+              <a:sysClr val="windowText" lastClr="000000"/>
+            </a:solidFill>
+            <a:prstDash val="solid"/>
+            <a:miter lim="800000"/>
+          </a:ln>
+          <a:effectLst/>
+        </p:spPr>
+        <p:txBody>
+          <a:bodyPr rtlCol="0" anchor="ctr"/>
+          <a:lstStyle/>
+          <a:p>
+            <a:pPr marL="171450" indent="-171450">
+              <a:buFont typeface="Arial" panose="020B0604020202020204" pitchFamily="34" charset="0"/>
+              <a:buChar char="•"/>
+            </a:pPr>
+            <a:r>
+              <a:rPr lang="es-CO" sz="800" dirty="0">
+                <a:latin typeface="Arial" panose="020B0604020202020204" pitchFamily="34" charset="0"/>
+                <a:cs typeface="Arial" panose="020B0604020202020204" pitchFamily="34" charset="0"/>
+              </a:rPr>
+              <a:t>s</a:t>
+            </a:r>
+            <a:r>
+              <a:rPr lang="es-CO" sz="800" dirty="0" smtClean="0">
+                <a:latin typeface="Arial" panose="020B0604020202020204" pitchFamily="34" charset="0"/>
+                <a:cs typeface="Arial" panose="020B0604020202020204" pitchFamily="34" charset="0"/>
+              </a:rPr>
+              <a:t>e acompaña del lenguaje corporal</a:t>
+            </a:r>
+          </a:p>
+          <a:p>
+            <a:pPr marL="171450" indent="-171450">
+              <a:buFont typeface="Arial" panose="020B0604020202020204" pitchFamily="34" charset="0"/>
+              <a:buChar char="•"/>
+            </a:pPr>
+            <a:r>
+              <a:rPr lang="es-CO" sz="800" dirty="0" smtClean="0">
+                <a:latin typeface="Arial" panose="020B0604020202020204" pitchFamily="34" charset="0"/>
+                <a:cs typeface="Arial" panose="020B0604020202020204" pitchFamily="34" charset="0"/>
+              </a:rPr>
+              <a:t>permite la retroalimentación o respuesta inmediata</a:t>
+            </a:r>
+          </a:p>
+        </p:txBody>
+      </p:sp>
+      <p:sp>
+        <p:nvSpPr>
+          <p:cNvPr id="122" name="CuadroTexto 262" descr="Conector entre nodos" title="conector"/>
+          <p:cNvSpPr txBox="1"/>
+          <p:nvPr/>
+        </p:nvSpPr>
+        <p:spPr>
+          <a:xfrm>
+            <a:off x="648953" y="3245661"/>
+            <a:ext cx="1038659" cy="215444"/>
+          </a:xfrm>
+          <a:prstGeom prst="rect">
+            <a:avLst/>
+          </a:prstGeom>
+          <a:noFill/>
+        </p:spPr>
+        <p:txBody>
+          <a:bodyPr wrap="square" rtlCol="0">
+            <a:spAutoFit/>
+          </a:bodyPr>
+          <a:lstStyle/>
+          <a:p>
+            <a:pPr marL="0" marR="0" lvl="0" indent="0" algn="ctr" defTabSz="914400" eaLnBrk="1" fontAlgn="auto" latinLnBrk="0" hangingPunct="1">
+              <a:lnSpc>
+                <a:spcPct val="100000"/>
+              </a:lnSpc>
+              <a:spcBef>
+                <a:spcPts val="0"/>
+              </a:spcBef>
+              <a:spcAft>
+                <a:spcPts val="0"/>
+              </a:spcAft>
+              <a:buClrTx/>
+              <a:buSzTx/>
+              <a:buFontTx/>
+              <a:buNone/>
+              <a:tabLst/>
+              <a:defRPr/>
+            </a:pPr>
+            <a:r>
+              <a:rPr lang="es-ES" sz="800" kern="0" dirty="0">
+                <a:solidFill>
+                  <a:prstClr val="black"/>
+                </a:solidFill>
+                <a:latin typeface="Arial" panose="020B0604020202020204" pitchFamily="34" charset="0"/>
+                <a:cs typeface="Arial" panose="020B0604020202020204" pitchFamily="34" charset="0"/>
+              </a:rPr>
+              <a:t>l</a:t>
+            </a:r>
+            <a:r>
+              <a:rPr lang="es-ES" sz="800" kern="0" noProof="0" dirty="0" smtClean="0">
+                <a:solidFill>
+                  <a:prstClr val="black"/>
+                </a:solidFill>
+                <a:latin typeface="Arial" panose="020B0604020202020204" pitchFamily="34" charset="0"/>
+                <a:cs typeface="Arial" panose="020B0604020202020204" pitchFamily="34" charset="0"/>
+              </a:rPr>
+              <a:t>os cuales </a:t>
+            </a:r>
+            <a:r>
+              <a:rPr kumimoji="0" lang="es-ES" sz="800" b="0" i="0" u="none" strike="noStrike" kern="0" cap="none" spc="0" normalizeH="0" noProof="0" dirty="0" smtClean="0">
+                <a:ln>
+                  <a:noFill/>
+                </a:ln>
+                <a:solidFill>
+                  <a:prstClr val="black"/>
+                </a:solidFill>
+                <a:effectLst/>
+                <a:uLnTx/>
+                <a:uFillTx/>
+                <a:latin typeface="Arial" panose="020B0604020202020204" pitchFamily="34" charset="0"/>
+                <a:cs typeface="Arial" panose="020B0604020202020204" pitchFamily="34" charset="0"/>
+              </a:rPr>
+              <a:t> son</a:t>
+            </a:r>
+            <a:endParaRPr kumimoji="0" lang="es-ES" sz="800" b="0" i="0" u="none" strike="noStrike" kern="0" cap="none" spc="0" normalizeH="0" baseline="0" noProof="0" dirty="0">
+              <a:ln>
+                <a:noFill/>
+              </a:ln>
+              <a:solidFill>
+                <a:prstClr val="black"/>
+              </a:solidFill>
+              <a:effectLst/>
+              <a:uLnTx/>
+              <a:uFillTx/>
+              <a:latin typeface="Arial" panose="020B0604020202020204" pitchFamily="34" charset="0"/>
+              <a:cs typeface="Arial" panose="020B0604020202020204" pitchFamily="34" charset="0"/>
+            </a:endParaRPr>
+          </a:p>
+        </p:txBody>
+      </p:sp>
+      <p:cxnSp>
+        <p:nvCxnSpPr>
+          <p:cNvPr id="7" name="Conector recto 6"/>
+          <p:cNvCxnSpPr/>
+          <p:nvPr/>
+        </p:nvCxnSpPr>
+        <p:spPr>
+          <a:xfrm>
+            <a:off x="409701" y="3597580"/>
+            <a:ext cx="1746208" cy="0"/>
+          </a:xfrm>
+          <a:prstGeom prst="line">
+            <a:avLst/>
+          </a:prstGeom>
+        </p:spPr>
+        <p:style>
+          <a:lnRef idx="1">
+            <a:schemeClr val="dk1"/>
+          </a:lnRef>
+          <a:fillRef idx="0">
+            <a:schemeClr val="dk1"/>
+          </a:fillRef>
+          <a:effectRef idx="0">
+            <a:schemeClr val="dk1"/>
+          </a:effectRef>
+          <a:fontRef idx="minor">
+            <a:schemeClr val="tx1"/>
+          </a:fontRef>
+        </p:style>
+      </p:cxnSp>
+      <p:cxnSp>
+        <p:nvCxnSpPr>
+          <p:cNvPr id="126" name="Conector recto 378"/>
+          <p:cNvCxnSpPr/>
+          <p:nvPr/>
+        </p:nvCxnSpPr>
+        <p:spPr>
+          <a:xfrm flipH="1">
+            <a:off x="1133038" y="3599503"/>
+            <a:ext cx="1" cy="158515"/>
+          </a:xfrm>
+          <a:prstGeom prst="line">
+            <a:avLst/>
+          </a:prstGeom>
+          <a:noFill/>
+          <a:ln w="12700" cap="flat" cmpd="sng" algn="ctr">
+            <a:solidFill>
+              <a:sysClr val="windowText" lastClr="000000"/>
+            </a:solidFill>
+            <a:prstDash val="solid"/>
+            <a:miter lim="800000"/>
+          </a:ln>
+          <a:effectLst/>
+        </p:spPr>
+      </p:cxnSp>
+      <p:cxnSp>
+        <p:nvCxnSpPr>
+          <p:cNvPr id="129" name="Conector recto 372"/>
+          <p:cNvCxnSpPr/>
+          <p:nvPr/>
+        </p:nvCxnSpPr>
+        <p:spPr>
+          <a:xfrm flipH="1">
+            <a:off x="1136184" y="3443724"/>
+            <a:ext cx="1" cy="158515"/>
+          </a:xfrm>
+          <a:prstGeom prst="line">
+            <a:avLst/>
+          </a:prstGeom>
+          <a:noFill/>
+          <a:ln w="12700" cap="flat" cmpd="sng" algn="ctr">
+            <a:solidFill>
+              <a:sysClr val="windowText" lastClr="000000"/>
+            </a:solidFill>
+            <a:prstDash val="solid"/>
+            <a:miter lim="800000"/>
+          </a:ln>
+          <a:effectLst/>
+        </p:spPr>
+      </p:cxnSp>
+      <p:cxnSp>
+        <p:nvCxnSpPr>
+          <p:cNvPr id="130" name="Conector recto 378"/>
+          <p:cNvCxnSpPr/>
+          <p:nvPr/>
+        </p:nvCxnSpPr>
+        <p:spPr>
+          <a:xfrm flipH="1">
+            <a:off x="2153646" y="3595178"/>
+            <a:ext cx="1" cy="158515"/>
+          </a:xfrm>
+          <a:prstGeom prst="line">
+            <a:avLst/>
+          </a:prstGeom>
+          <a:noFill/>
+          <a:ln w="12700" cap="flat" cmpd="sng" algn="ctr">
+            <a:solidFill>
+              <a:sysClr val="windowText" lastClr="000000"/>
+            </a:solidFill>
+            <a:prstDash val="solid"/>
+            <a:miter lim="800000"/>
+          </a:ln>
+          <a:effectLst/>
+        </p:spPr>
+      </p:cxnSp>
+      <p:cxnSp>
+        <p:nvCxnSpPr>
+          <p:cNvPr id="131" name="Conector recto 378"/>
+          <p:cNvCxnSpPr/>
+          <p:nvPr/>
+        </p:nvCxnSpPr>
+        <p:spPr>
+          <a:xfrm flipH="1">
+            <a:off x="416830" y="3599503"/>
+            <a:ext cx="1" cy="158515"/>
+          </a:xfrm>
+          <a:prstGeom prst="line">
+            <a:avLst/>
+          </a:prstGeom>
+          <a:noFill/>
+          <a:ln w="12700" cap="flat" cmpd="sng" algn="ctr">
+            <a:solidFill>
+              <a:sysClr val="windowText" lastClr="000000"/>
+            </a:solidFill>
+            <a:prstDash val="solid"/>
+            <a:miter lim="800000"/>
+          </a:ln>
+          <a:effectLst/>
+        </p:spPr>
+      </p:cxnSp>
+      <p:cxnSp>
+        <p:nvCxnSpPr>
+          <p:cNvPr id="132" name="Conector recto 380"/>
+          <p:cNvCxnSpPr/>
+          <p:nvPr/>
+        </p:nvCxnSpPr>
+        <p:spPr>
+          <a:xfrm flipH="1">
+            <a:off x="438985" y="5233261"/>
+            <a:ext cx="1" cy="158515"/>
+          </a:xfrm>
+          <a:prstGeom prst="line">
+            <a:avLst/>
+          </a:prstGeom>
+          <a:noFill/>
+          <a:ln w="12700" cap="flat" cmpd="sng" algn="ctr">
+            <a:solidFill>
+              <a:sysClr val="windowText" lastClr="000000"/>
+            </a:solidFill>
+            <a:prstDash val="solid"/>
+            <a:miter lim="800000"/>
+          </a:ln>
+          <a:effectLst/>
+        </p:spPr>
+      </p:cxnSp>
+      <p:cxnSp>
+        <p:nvCxnSpPr>
+          <p:cNvPr id="133" name="Conector recto 380"/>
+          <p:cNvCxnSpPr/>
+          <p:nvPr/>
+        </p:nvCxnSpPr>
+        <p:spPr>
+          <a:xfrm flipH="1">
+            <a:off x="442632" y="5648771"/>
+            <a:ext cx="1" cy="158515"/>
+          </a:xfrm>
+          <a:prstGeom prst="line">
+            <a:avLst/>
+          </a:prstGeom>
+          <a:noFill/>
+          <a:ln w="12700" cap="flat" cmpd="sng" algn="ctr">
+            <a:solidFill>
+              <a:sysClr val="windowText" lastClr="000000"/>
+            </a:solidFill>
+            <a:prstDash val="solid"/>
+            <a:miter lim="800000"/>
+          </a:ln>
+          <a:effectLst/>
+        </p:spPr>
+      </p:cxnSp>
+      <p:cxnSp>
+        <p:nvCxnSpPr>
+          <p:cNvPr id="134" name="Conector recto 380"/>
+          <p:cNvCxnSpPr/>
+          <p:nvPr/>
+        </p:nvCxnSpPr>
+        <p:spPr>
+          <a:xfrm flipH="1">
+            <a:off x="1208572" y="5229991"/>
+            <a:ext cx="1" cy="158515"/>
+          </a:xfrm>
+          <a:prstGeom prst="line">
+            <a:avLst/>
+          </a:prstGeom>
+          <a:noFill/>
+          <a:ln w="12700" cap="flat" cmpd="sng" algn="ctr">
+            <a:solidFill>
+              <a:sysClr val="windowText" lastClr="000000"/>
+            </a:solidFill>
+            <a:prstDash val="solid"/>
+            <a:miter lim="800000"/>
+          </a:ln>
+          <a:effectLst/>
+        </p:spPr>
+      </p:cxnSp>
+      <p:cxnSp>
+        <p:nvCxnSpPr>
+          <p:cNvPr id="135" name="Conector recto 380"/>
+          <p:cNvCxnSpPr/>
+          <p:nvPr/>
+        </p:nvCxnSpPr>
+        <p:spPr>
+          <a:xfrm flipH="1">
+            <a:off x="1215301" y="5531350"/>
+            <a:ext cx="1" cy="158515"/>
+          </a:xfrm>
+          <a:prstGeom prst="line">
+            <a:avLst/>
+          </a:prstGeom>
+          <a:noFill/>
+          <a:ln w="12700" cap="flat" cmpd="sng" algn="ctr">
+            <a:solidFill>
+              <a:sysClr val="windowText" lastClr="000000"/>
+            </a:solidFill>
+            <a:prstDash val="solid"/>
+            <a:miter lim="800000"/>
+          </a:ln>
+          <a:effectLst/>
+        </p:spPr>
+      </p:cxnSp>
+      <p:cxnSp>
+        <p:nvCxnSpPr>
+          <p:cNvPr id="136" name="Conector recto 380"/>
+          <p:cNvCxnSpPr/>
+          <p:nvPr/>
+        </p:nvCxnSpPr>
+        <p:spPr>
+          <a:xfrm flipH="1">
+            <a:off x="2119639" y="5251070"/>
+            <a:ext cx="1" cy="158515"/>
+          </a:xfrm>
+          <a:prstGeom prst="line">
+            <a:avLst/>
+          </a:prstGeom>
+          <a:noFill/>
+          <a:ln w="12700" cap="flat" cmpd="sng" algn="ctr">
+            <a:solidFill>
+              <a:sysClr val="windowText" lastClr="000000"/>
+            </a:solidFill>
+            <a:prstDash val="solid"/>
+            <a:miter lim="800000"/>
+          </a:ln>
+          <a:effectLst/>
+        </p:spPr>
+      </p:cxnSp>
+      <p:sp>
+        <p:nvSpPr>
+          <p:cNvPr id="137" name="CuadroTexto 262" descr="Conector entre nodos" title="conector"/>
+          <p:cNvSpPr txBox="1"/>
+          <p:nvPr/>
+        </p:nvSpPr>
+        <p:spPr>
+          <a:xfrm>
+            <a:off x="1942568" y="5358149"/>
+            <a:ext cx="1572152" cy="307777"/>
+          </a:xfrm>
+          <a:prstGeom prst="rect">
+            <a:avLst/>
+          </a:prstGeom>
+          <a:noFill/>
+        </p:spPr>
+        <p:txBody>
+          <a:bodyPr wrap="square" rtlCol="0">
+            <a:spAutoFit/>
+          </a:bodyPr>
+          <a:lstStyle/>
+          <a:p>
+            <a:pPr marL="0" marR="0" lvl="0" indent="0" defTabSz="914400" eaLnBrk="1" fontAlgn="auto" latinLnBrk="0" hangingPunct="1">
+              <a:lnSpc>
+                <a:spcPct val="100000"/>
+              </a:lnSpc>
+              <a:spcBef>
+                <a:spcPts val="0"/>
+              </a:spcBef>
+              <a:spcAft>
+                <a:spcPts val="0"/>
+              </a:spcAft>
+              <a:buClrTx/>
+              <a:buSzTx/>
+              <a:buFontTx/>
+              <a:buNone/>
+              <a:tabLst/>
+              <a:defRPr/>
+            </a:pPr>
+            <a:r>
+              <a:rPr lang="es-ES" sz="700" kern="0" dirty="0">
+                <a:solidFill>
+                  <a:prstClr val="black"/>
+                </a:solidFill>
+                <a:latin typeface="Arial" panose="020B0604020202020204" pitchFamily="34" charset="0"/>
+                <a:cs typeface="Arial" panose="020B0604020202020204" pitchFamily="34" charset="0"/>
+              </a:rPr>
+              <a:t>l</a:t>
+            </a:r>
+            <a:r>
+              <a:rPr lang="es-ES" sz="700" kern="0" dirty="0" smtClean="0">
+                <a:solidFill>
+                  <a:prstClr val="black"/>
+                </a:solidFill>
+                <a:latin typeface="Arial" panose="020B0604020202020204" pitchFamily="34" charset="0"/>
+                <a:cs typeface="Arial" panose="020B0604020202020204" pitchFamily="34" charset="0"/>
+              </a:rPr>
+              <a:t>as cuales s</a:t>
+            </a:r>
+            <a:r>
+              <a:rPr lang="es-ES" sz="700" kern="0" noProof="0" dirty="0" smtClean="0">
+                <a:solidFill>
+                  <a:prstClr val="black"/>
+                </a:solidFill>
+                <a:latin typeface="Arial" panose="020B0604020202020204" pitchFamily="34" charset="0"/>
+                <a:cs typeface="Arial" panose="020B0604020202020204" pitchFamily="34" charset="0"/>
+              </a:rPr>
+              <a:t>e </a:t>
+            </a:r>
+          </a:p>
+          <a:p>
+            <a:pPr marL="0" marR="0" lvl="0" indent="0" defTabSz="914400" eaLnBrk="1" fontAlgn="auto" latinLnBrk="0" hangingPunct="1">
+              <a:lnSpc>
+                <a:spcPct val="100000"/>
+              </a:lnSpc>
+              <a:spcBef>
+                <a:spcPts val="0"/>
+              </a:spcBef>
+              <a:spcAft>
+                <a:spcPts val="0"/>
+              </a:spcAft>
+              <a:buClrTx/>
+              <a:buSzTx/>
+              <a:buFontTx/>
+              <a:buNone/>
+              <a:tabLst/>
+              <a:defRPr/>
+            </a:pPr>
+            <a:r>
+              <a:rPr kumimoji="0" lang="es-ES" sz="700" b="0" i="0" u="none" strike="noStrike" kern="0" cap="none" spc="0" normalizeH="0" noProof="0" dirty="0" smtClean="0">
+                <a:ln>
+                  <a:noFill/>
+                </a:ln>
+                <a:solidFill>
+                  <a:prstClr val="black"/>
+                </a:solidFill>
+                <a:effectLst/>
+                <a:uLnTx/>
+                <a:uFillTx/>
+                <a:latin typeface="Arial" panose="020B0604020202020204" pitchFamily="34" charset="0"/>
+                <a:cs typeface="Arial" panose="020B0604020202020204" pitchFamily="34" charset="0"/>
+              </a:rPr>
+              <a:t>estructuran en</a:t>
+            </a:r>
+            <a:endParaRPr kumimoji="0" lang="es-ES" sz="700" b="0" i="0" u="none" strike="noStrike" kern="0" cap="none" spc="0" normalizeH="0" baseline="0" noProof="0" dirty="0">
+              <a:ln>
+                <a:noFill/>
+              </a:ln>
+              <a:solidFill>
+                <a:prstClr val="black"/>
+              </a:solidFill>
+              <a:effectLst/>
+              <a:uLnTx/>
+              <a:uFillTx/>
+              <a:latin typeface="Arial" panose="020B0604020202020204" pitchFamily="34" charset="0"/>
+              <a:cs typeface="Arial" panose="020B0604020202020204" pitchFamily="34" charset="0"/>
+            </a:endParaRPr>
+          </a:p>
+        </p:txBody>
+      </p:sp>
+      <p:sp>
+        <p:nvSpPr>
+          <p:cNvPr id="138" name="Rectángulo 72" descr="Nodo de cuarto nivel&#10;" title="Nodo04"/>
+          <p:cNvSpPr/>
+          <p:nvPr/>
+        </p:nvSpPr>
+        <p:spPr>
+          <a:xfrm>
+            <a:off x="2060642" y="5778683"/>
+            <a:ext cx="701125" cy="365769"/>
+          </a:xfrm>
+          <a:prstGeom prst="rect">
+            <a:avLst/>
+          </a:prstGeom>
+          <a:solidFill>
+            <a:sysClr val="window" lastClr="FFFFFF"/>
+          </a:solidFill>
+          <a:ln w="12700" cap="flat" cmpd="sng" algn="ctr">
+            <a:solidFill>
+              <a:sysClr val="windowText" lastClr="000000"/>
+            </a:solidFill>
+            <a:prstDash val="solid"/>
+            <a:miter lim="800000"/>
+          </a:ln>
+          <a:effectLst/>
+        </p:spPr>
+        <p:txBody>
+          <a:bodyPr rtlCol="0" anchor="ctr"/>
+          <a:lstStyle/>
+          <a:p>
+            <a:pPr lvl="0"/>
+            <a:r>
+              <a:rPr lang="es-ES" sz="800" kern="0" dirty="0">
+                <a:solidFill>
+                  <a:prstClr val="black"/>
+                </a:solidFill>
+                <a:latin typeface="Arial" panose="020B0604020202020204" pitchFamily="34" charset="0"/>
+                <a:cs typeface="Arial" panose="020B0604020202020204" pitchFamily="34" charset="0"/>
+              </a:rPr>
+              <a:t>a</a:t>
+            </a:r>
+            <a:r>
+              <a:rPr kumimoji="0" lang="es-ES" sz="800" b="0" i="0" u="none" strike="noStrike" kern="0" cap="none" spc="0" normalizeH="0" baseline="0" noProof="0" dirty="0" err="1" smtClean="0">
+                <a:ln>
+                  <a:noFill/>
+                </a:ln>
+                <a:solidFill>
+                  <a:prstClr val="black"/>
+                </a:solidFill>
+                <a:effectLst/>
+                <a:uLnTx/>
+                <a:uFillTx/>
+                <a:latin typeface="Arial" panose="020B0604020202020204" pitchFamily="34" charset="0"/>
+                <a:cs typeface="Arial" panose="020B0604020202020204" pitchFamily="34" charset="0"/>
+              </a:rPr>
+              <a:t>ctos</a:t>
+            </a:r>
+            <a:r>
+              <a:rPr kumimoji="0" lang="es-ES" sz="800" b="0" i="0" u="none" strike="noStrike" kern="0" cap="none" spc="0" normalizeH="0" noProof="0" dirty="0" smtClean="0">
+                <a:ln>
+                  <a:noFill/>
+                </a:ln>
+                <a:solidFill>
+                  <a:prstClr val="black"/>
+                </a:solidFill>
+                <a:effectLst/>
+                <a:uLnTx/>
+                <a:uFillTx/>
+                <a:latin typeface="Arial" panose="020B0604020202020204" pitchFamily="34" charset="0"/>
+                <a:cs typeface="Arial" panose="020B0604020202020204" pitchFamily="34" charset="0"/>
+              </a:rPr>
+              <a:t> </a:t>
+            </a:r>
+          </a:p>
+          <a:p>
+            <a:pPr lvl="0"/>
+            <a:r>
+              <a:rPr kumimoji="0" lang="es-ES" sz="800" b="0" i="0" u="none" strike="noStrike" kern="0" cap="none" spc="0" normalizeH="0" noProof="0" dirty="0" smtClean="0">
+                <a:ln>
+                  <a:noFill/>
+                </a:ln>
+                <a:solidFill>
+                  <a:prstClr val="black"/>
+                </a:solidFill>
+                <a:effectLst/>
+                <a:uLnTx/>
+                <a:uFillTx/>
+                <a:latin typeface="Arial" panose="020B0604020202020204" pitchFamily="34" charset="0"/>
+                <a:cs typeface="Arial" panose="020B0604020202020204" pitchFamily="34" charset="0"/>
+              </a:rPr>
+              <a:t>y escenas</a:t>
+            </a:r>
+            <a:endParaRPr kumimoji="0" lang="es-ES" sz="800" b="0" i="0" u="none" strike="noStrike" kern="0" cap="none" spc="0" normalizeH="0" baseline="0" noProof="0" dirty="0">
+              <a:ln>
+                <a:noFill/>
+              </a:ln>
+              <a:solidFill>
+                <a:prstClr val="black"/>
+              </a:solidFill>
+              <a:effectLst/>
+              <a:uLnTx/>
+              <a:uFillTx/>
+              <a:latin typeface="Arial" panose="020B0604020202020204" pitchFamily="34" charset="0"/>
+              <a:cs typeface="Arial" panose="020B0604020202020204" pitchFamily="34" charset="0"/>
+            </a:endParaRPr>
+          </a:p>
+        </p:txBody>
+      </p:sp>
+      <p:cxnSp>
+        <p:nvCxnSpPr>
+          <p:cNvPr id="139" name="Conector recto 380"/>
+          <p:cNvCxnSpPr/>
+          <p:nvPr/>
+        </p:nvCxnSpPr>
+        <p:spPr>
+          <a:xfrm flipH="1">
+            <a:off x="2136079" y="5620168"/>
+            <a:ext cx="1" cy="158515"/>
+          </a:xfrm>
+          <a:prstGeom prst="line">
+            <a:avLst/>
+          </a:prstGeom>
+          <a:noFill/>
+          <a:ln w="12700" cap="flat" cmpd="sng" algn="ctr">
+            <a:solidFill>
+              <a:sysClr val="windowText" lastClr="000000"/>
+            </a:solidFill>
+            <a:prstDash val="solid"/>
+            <a:miter lim="800000"/>
+          </a:ln>
+          <a:effectLst/>
+        </p:spPr>
+      </p:cxnSp>
+      <p:sp>
+        <p:nvSpPr>
+          <p:cNvPr id="140" name="Rectángulo 219" descr="Nodo de segundo nivel" title="Nodo02"/>
+          <p:cNvSpPr/>
+          <p:nvPr/>
+        </p:nvSpPr>
+        <p:spPr>
+          <a:xfrm>
+            <a:off x="3907542" y="1699946"/>
+            <a:ext cx="1270233" cy="296418"/>
+          </a:xfrm>
+          <a:prstGeom prst="rect">
+            <a:avLst/>
+          </a:prstGeom>
+          <a:solidFill>
+            <a:srgbClr val="E7E6E6">
+              <a:lumMod val="50000"/>
+            </a:srgbClr>
+          </a:solidFill>
+          <a:ln w="12700" cap="flat" cmpd="sng" algn="ctr">
+            <a:solidFill>
+              <a:sysClr val="windowText" lastClr="000000"/>
+            </a:solidFill>
+            <a:prstDash val="solid"/>
+            <a:miter lim="800000"/>
+          </a:ln>
+          <a:effectLst/>
+        </p:spPr>
+        <p:txBody>
+          <a:bodyPr rtlCol="0" anchor="ctr"/>
+          <a:lstStyle/>
+          <a:p>
+            <a:pPr marL="0" marR="0" lvl="0" indent="0" algn="ctr" defTabSz="914400" eaLnBrk="1" fontAlgn="auto" latinLnBrk="0" hangingPunct="1">
+              <a:lnSpc>
+                <a:spcPct val="100000"/>
+              </a:lnSpc>
+              <a:spcBef>
+                <a:spcPts val="0"/>
+              </a:spcBef>
+              <a:spcAft>
+                <a:spcPts val="0"/>
+              </a:spcAft>
+              <a:buClrTx/>
+              <a:buSzTx/>
+              <a:buFontTx/>
+              <a:buNone/>
+              <a:tabLst/>
+              <a:defRPr/>
+            </a:pPr>
+            <a:r>
+              <a:rPr kumimoji="0" lang="es-ES" sz="1000" b="0" i="0" u="none" strike="noStrike" kern="0" cap="none" spc="0" normalizeH="0" baseline="0" noProof="0" dirty="0" smtClean="0">
+                <a:ln>
+                  <a:noFill/>
+                </a:ln>
+                <a:solidFill>
+                  <a:prstClr val="white"/>
+                </a:solidFill>
+                <a:effectLst/>
+                <a:uLnTx/>
+                <a:uFillTx/>
+                <a:latin typeface="Arial" panose="020B0604020202020204" pitchFamily="34" charset="0"/>
+                <a:cs typeface="Arial" panose="020B0604020202020204" pitchFamily="34" charset="0"/>
+              </a:rPr>
+              <a:t>El sentido figurado</a:t>
+            </a:r>
+            <a:endParaRPr kumimoji="0" lang="es-ES" sz="1000" b="0" i="0" u="none" strike="noStrike" kern="0" cap="none" spc="0" normalizeH="0" baseline="0" noProof="0" dirty="0">
+              <a:ln>
+                <a:noFill/>
+              </a:ln>
+              <a:solidFill>
+                <a:prstClr val="white"/>
+              </a:solidFill>
+              <a:effectLst/>
+              <a:uLnTx/>
+              <a:uFillTx/>
+              <a:latin typeface="Arial" panose="020B0604020202020204" pitchFamily="34" charset="0"/>
+              <a:cs typeface="Arial" panose="020B0604020202020204" pitchFamily="34" charset="0"/>
+            </a:endParaRPr>
+          </a:p>
+        </p:txBody>
+      </p:sp>
+      <p:cxnSp>
+        <p:nvCxnSpPr>
+          <p:cNvPr id="9" name="Conector recto 8"/>
+          <p:cNvCxnSpPr/>
+          <p:nvPr/>
+        </p:nvCxnSpPr>
+        <p:spPr>
+          <a:xfrm>
+            <a:off x="2960102" y="1529046"/>
+            <a:ext cx="1829240" cy="0"/>
+          </a:xfrm>
+          <a:prstGeom prst="line">
+            <a:avLst/>
+          </a:prstGeom>
+        </p:spPr>
+        <p:style>
+          <a:lnRef idx="1">
+            <a:schemeClr val="dk1"/>
+          </a:lnRef>
+          <a:fillRef idx="0">
+            <a:schemeClr val="dk1"/>
+          </a:fillRef>
+          <a:effectRef idx="0">
+            <a:schemeClr val="dk1"/>
+          </a:effectRef>
+          <a:fontRef idx="minor">
+            <a:schemeClr val="tx1"/>
+          </a:fontRef>
+        </p:style>
+      </p:cxnSp>
+      <p:cxnSp>
+        <p:nvCxnSpPr>
+          <p:cNvPr id="13" name="Conector recto 12"/>
+          <p:cNvCxnSpPr/>
+          <p:nvPr/>
+        </p:nvCxnSpPr>
+        <p:spPr>
+          <a:xfrm>
+            <a:off x="2960102" y="1529046"/>
+            <a:ext cx="0" cy="170900"/>
+          </a:xfrm>
+          <a:prstGeom prst="line">
+            <a:avLst/>
+          </a:prstGeom>
+        </p:spPr>
+        <p:style>
+          <a:lnRef idx="1">
+            <a:schemeClr val="dk1"/>
+          </a:lnRef>
+          <a:fillRef idx="0">
+            <a:schemeClr val="dk1"/>
+          </a:fillRef>
+          <a:effectRef idx="0">
+            <a:schemeClr val="dk1"/>
+          </a:effectRef>
+          <a:fontRef idx="minor">
+            <a:schemeClr val="tx1"/>
+          </a:fontRef>
+        </p:style>
+      </p:cxnSp>
+      <p:cxnSp>
+        <p:nvCxnSpPr>
+          <p:cNvPr id="141" name="Conector recto 140"/>
+          <p:cNvCxnSpPr/>
+          <p:nvPr/>
+        </p:nvCxnSpPr>
+        <p:spPr>
+          <a:xfrm>
+            <a:off x="4781831" y="1533165"/>
+            <a:ext cx="0" cy="170900"/>
+          </a:xfrm>
+          <a:prstGeom prst="line">
+            <a:avLst/>
+          </a:prstGeom>
+        </p:spPr>
+        <p:style>
+          <a:lnRef idx="1">
+            <a:schemeClr val="dk1"/>
+          </a:lnRef>
+          <a:fillRef idx="0">
+            <a:schemeClr val="dk1"/>
+          </a:fillRef>
+          <a:effectRef idx="0">
+            <a:schemeClr val="dk1"/>
+          </a:effectRef>
+          <a:fontRef idx="minor">
+            <a:schemeClr val="tx1"/>
+          </a:fontRef>
+        </p:style>
+      </p:cxnSp>
+      <p:cxnSp>
+        <p:nvCxnSpPr>
+          <p:cNvPr id="17" name="Conector recto 16"/>
+          <p:cNvCxnSpPr/>
+          <p:nvPr/>
+        </p:nvCxnSpPr>
+        <p:spPr>
+          <a:xfrm flipH="1">
+            <a:off x="3767317" y="1324245"/>
+            <a:ext cx="1" cy="196956"/>
+          </a:xfrm>
+          <a:prstGeom prst="line">
+            <a:avLst/>
+          </a:prstGeom>
+        </p:spPr>
+        <p:style>
+          <a:lnRef idx="1">
+            <a:schemeClr val="dk1"/>
+          </a:lnRef>
+          <a:fillRef idx="0">
+            <a:schemeClr val="dk1"/>
+          </a:fillRef>
+          <a:effectRef idx="0">
+            <a:schemeClr val="dk1"/>
+          </a:effectRef>
+          <a:fontRef idx="minor">
+            <a:schemeClr val="tx1"/>
+          </a:fontRef>
+        </p:style>
+      </p:cxnSp>
+      <p:cxnSp>
+        <p:nvCxnSpPr>
+          <p:cNvPr id="19" name="Conector recto 18"/>
+          <p:cNvCxnSpPr/>
+          <p:nvPr/>
+        </p:nvCxnSpPr>
+        <p:spPr>
+          <a:xfrm>
+            <a:off x="2930424" y="1997104"/>
+            <a:ext cx="0" cy="364982"/>
+          </a:xfrm>
+          <a:prstGeom prst="line">
+            <a:avLst/>
+          </a:prstGeom>
+        </p:spPr>
+        <p:style>
+          <a:lnRef idx="1">
+            <a:schemeClr val="dk1"/>
+          </a:lnRef>
+          <a:fillRef idx="0">
+            <a:schemeClr val="dk1"/>
+          </a:fillRef>
+          <a:effectRef idx="0">
+            <a:schemeClr val="dk1"/>
+          </a:effectRef>
+          <a:fontRef idx="minor">
+            <a:schemeClr val="tx1"/>
+          </a:fontRef>
+        </p:style>
+      </p:cxnSp>
+      <p:sp>
+        <p:nvSpPr>
+          <p:cNvPr id="149" name="CuadroTexto 66" descr="Conector entre nodos" title="conector"/>
+          <p:cNvSpPr txBox="1"/>
+          <p:nvPr/>
+        </p:nvSpPr>
+        <p:spPr>
+          <a:xfrm>
+            <a:off x="2383071" y="2316704"/>
+            <a:ext cx="1257238" cy="215444"/>
+          </a:xfrm>
+          <a:prstGeom prst="rect">
+            <a:avLst/>
+          </a:prstGeom>
+          <a:noFill/>
+        </p:spPr>
+        <p:txBody>
+          <a:bodyPr wrap="square" rtlCol="0">
+            <a:spAutoFit/>
+          </a:bodyPr>
+          <a:lstStyle/>
+          <a:p>
+            <a:pPr marL="0" marR="0" lvl="0" indent="0" algn="ctr" defTabSz="914400" eaLnBrk="1" fontAlgn="auto" latinLnBrk="0" hangingPunct="1">
+              <a:lnSpc>
+                <a:spcPct val="100000"/>
+              </a:lnSpc>
+              <a:spcBef>
+                <a:spcPts val="0"/>
+              </a:spcBef>
+              <a:spcAft>
+                <a:spcPts val="0"/>
+              </a:spcAft>
+              <a:buClrTx/>
+              <a:buSzTx/>
+              <a:buFontTx/>
+              <a:buNone/>
+              <a:tabLst/>
+              <a:defRPr/>
+            </a:pPr>
+            <a:r>
+              <a:rPr lang="es-ES" sz="800" kern="0" dirty="0">
+                <a:solidFill>
+                  <a:prstClr val="black"/>
+                </a:solidFill>
+                <a:latin typeface="Arial" panose="020B0604020202020204" pitchFamily="34" charset="0"/>
+                <a:cs typeface="Arial" panose="020B0604020202020204" pitchFamily="34" charset="0"/>
+              </a:rPr>
+              <a:t>c</a:t>
+            </a:r>
+            <a:r>
+              <a:rPr kumimoji="0" lang="es-ES" sz="800" b="0" i="0" u="none" strike="noStrike" kern="0" cap="none" spc="0" normalizeH="0" baseline="0" noProof="0" dirty="0" err="1" smtClean="0">
+                <a:ln>
+                  <a:noFill/>
+                </a:ln>
+                <a:solidFill>
+                  <a:prstClr val="black"/>
+                </a:solidFill>
+                <a:effectLst/>
+                <a:uLnTx/>
+                <a:uFillTx/>
+                <a:latin typeface="Arial" panose="020B0604020202020204" pitchFamily="34" charset="0"/>
+                <a:cs typeface="Arial" panose="020B0604020202020204" pitchFamily="34" charset="0"/>
+              </a:rPr>
+              <a:t>orresponde</a:t>
+            </a:r>
+            <a:r>
+              <a:rPr kumimoji="0" lang="es-ES" sz="800" b="0" i="0" u="none" strike="noStrike" kern="0" cap="none" spc="0" normalizeH="0" noProof="0" dirty="0" smtClean="0">
+                <a:ln>
+                  <a:noFill/>
+                </a:ln>
+                <a:solidFill>
+                  <a:prstClr val="black"/>
+                </a:solidFill>
+                <a:effectLst/>
+                <a:uLnTx/>
+                <a:uFillTx/>
+                <a:latin typeface="Arial" panose="020B0604020202020204" pitchFamily="34" charset="0"/>
+                <a:cs typeface="Arial" panose="020B0604020202020204" pitchFamily="34" charset="0"/>
+              </a:rPr>
+              <a:t> al</a:t>
+            </a:r>
+            <a:endParaRPr kumimoji="0" lang="es-ES" sz="800" b="0" i="0" u="none" strike="noStrike" kern="0" cap="none" spc="0" normalizeH="0" baseline="0" noProof="0" dirty="0">
+              <a:ln>
+                <a:noFill/>
+              </a:ln>
+              <a:solidFill>
+                <a:prstClr val="black"/>
+              </a:solidFill>
+              <a:effectLst/>
+              <a:uLnTx/>
+              <a:uFillTx/>
+              <a:latin typeface="Arial" panose="020B0604020202020204" pitchFamily="34" charset="0"/>
+              <a:cs typeface="Arial" panose="020B0604020202020204" pitchFamily="34" charset="0"/>
+            </a:endParaRPr>
+          </a:p>
+        </p:txBody>
+      </p:sp>
+      <p:cxnSp>
+        <p:nvCxnSpPr>
+          <p:cNvPr id="256" name="Conector recto 255"/>
+          <p:cNvCxnSpPr/>
+          <p:nvPr/>
+        </p:nvCxnSpPr>
+        <p:spPr>
+          <a:xfrm flipV="1">
+            <a:off x="2949594" y="2532148"/>
+            <a:ext cx="0" cy="279245"/>
+          </a:xfrm>
+          <a:prstGeom prst="line">
+            <a:avLst/>
+          </a:prstGeom>
+        </p:spPr>
+        <p:style>
+          <a:lnRef idx="1">
+            <a:schemeClr val="dk1"/>
+          </a:lnRef>
+          <a:fillRef idx="0">
+            <a:schemeClr val="dk1"/>
+          </a:fillRef>
+          <a:effectRef idx="0">
+            <a:schemeClr val="dk1"/>
+          </a:effectRef>
+          <a:fontRef idx="minor">
+            <a:schemeClr val="tx1"/>
+          </a:fontRef>
+        </p:style>
+      </p:cxnSp>
+      <p:cxnSp>
+        <p:nvCxnSpPr>
+          <p:cNvPr id="163" name="Conector recto 378"/>
+          <p:cNvCxnSpPr/>
+          <p:nvPr/>
+        </p:nvCxnSpPr>
+        <p:spPr>
+          <a:xfrm flipH="1">
+            <a:off x="3142684" y="3562079"/>
+            <a:ext cx="1" cy="158515"/>
+          </a:xfrm>
+          <a:prstGeom prst="line">
+            <a:avLst/>
+          </a:prstGeom>
+          <a:noFill/>
+          <a:ln w="12700" cap="flat" cmpd="sng" algn="ctr">
+            <a:solidFill>
+              <a:sysClr val="windowText" lastClr="000000"/>
+            </a:solidFill>
+            <a:prstDash val="solid"/>
+            <a:miter lim="800000"/>
+          </a:ln>
+          <a:effectLst/>
+        </p:spPr>
+      </p:cxnSp>
+      <p:cxnSp>
+        <p:nvCxnSpPr>
+          <p:cNvPr id="164" name="Conector recto 163"/>
+          <p:cNvCxnSpPr/>
+          <p:nvPr/>
+        </p:nvCxnSpPr>
+        <p:spPr>
+          <a:xfrm>
+            <a:off x="4781831" y="1990457"/>
+            <a:ext cx="0" cy="364982"/>
+          </a:xfrm>
+          <a:prstGeom prst="line">
+            <a:avLst/>
+          </a:prstGeom>
+        </p:spPr>
+        <p:style>
+          <a:lnRef idx="1">
+            <a:schemeClr val="dk1"/>
+          </a:lnRef>
+          <a:fillRef idx="0">
+            <a:schemeClr val="dk1"/>
+          </a:fillRef>
+          <a:effectRef idx="0">
+            <a:schemeClr val="dk1"/>
+          </a:effectRef>
+          <a:fontRef idx="minor">
+            <a:schemeClr val="tx1"/>
+          </a:fontRef>
+        </p:style>
+      </p:cxnSp>
+      <p:sp>
+        <p:nvSpPr>
+          <p:cNvPr id="165" name="CuadroTexto 66" descr="Conector entre nodos" title="conector"/>
+          <p:cNvSpPr txBox="1"/>
+          <p:nvPr/>
+        </p:nvSpPr>
+        <p:spPr>
+          <a:xfrm>
+            <a:off x="3991772" y="2316704"/>
+            <a:ext cx="1257238" cy="215444"/>
+          </a:xfrm>
+          <a:prstGeom prst="rect">
+            <a:avLst/>
+          </a:prstGeom>
+          <a:noFill/>
+        </p:spPr>
+        <p:txBody>
+          <a:bodyPr wrap="square" rtlCol="0">
+            <a:spAutoFit/>
+          </a:bodyPr>
+          <a:lstStyle/>
+          <a:p>
+            <a:pPr marL="0" marR="0" lvl="0" indent="0" algn="ctr" defTabSz="914400" eaLnBrk="1" fontAlgn="auto" latinLnBrk="0" hangingPunct="1">
+              <a:lnSpc>
+                <a:spcPct val="100000"/>
+              </a:lnSpc>
+              <a:spcBef>
+                <a:spcPts val="0"/>
+              </a:spcBef>
+              <a:spcAft>
+                <a:spcPts val="0"/>
+              </a:spcAft>
+              <a:buClrTx/>
+              <a:buSzTx/>
+              <a:buFontTx/>
+              <a:buNone/>
+              <a:tabLst/>
+              <a:defRPr/>
+            </a:pPr>
+            <a:r>
+              <a:rPr lang="es-ES" sz="800" kern="0" dirty="0">
+                <a:solidFill>
+                  <a:prstClr val="black"/>
+                </a:solidFill>
+                <a:latin typeface="Arial" panose="020B0604020202020204" pitchFamily="34" charset="0"/>
+                <a:cs typeface="Arial" panose="020B0604020202020204" pitchFamily="34" charset="0"/>
+              </a:rPr>
+              <a:t>c</a:t>
+            </a:r>
+            <a:r>
+              <a:rPr kumimoji="0" lang="es-ES" sz="800" b="0" i="0" u="none" strike="noStrike" kern="0" cap="none" spc="0" normalizeH="0" baseline="0" noProof="0" dirty="0" err="1" smtClean="0">
+                <a:ln>
+                  <a:noFill/>
+                </a:ln>
+                <a:solidFill>
+                  <a:prstClr val="black"/>
+                </a:solidFill>
+                <a:effectLst/>
+                <a:uLnTx/>
+                <a:uFillTx/>
+                <a:latin typeface="Arial" panose="020B0604020202020204" pitchFamily="34" charset="0"/>
+                <a:cs typeface="Arial" panose="020B0604020202020204" pitchFamily="34" charset="0"/>
+              </a:rPr>
+              <a:t>orresponde</a:t>
+            </a:r>
+            <a:r>
+              <a:rPr kumimoji="0" lang="es-ES" sz="800" b="0" i="0" u="none" strike="noStrike" kern="0" cap="none" spc="0" normalizeH="0" noProof="0" dirty="0" smtClean="0">
+                <a:ln>
+                  <a:noFill/>
+                </a:ln>
+                <a:solidFill>
+                  <a:prstClr val="black"/>
+                </a:solidFill>
+                <a:effectLst/>
+                <a:uLnTx/>
+                <a:uFillTx/>
+                <a:latin typeface="Arial" panose="020B0604020202020204" pitchFamily="34" charset="0"/>
+                <a:cs typeface="Arial" panose="020B0604020202020204" pitchFamily="34" charset="0"/>
+              </a:rPr>
+              <a:t> al</a:t>
+            </a:r>
+            <a:endParaRPr kumimoji="0" lang="es-ES" sz="800" b="0" i="0" u="none" strike="noStrike" kern="0" cap="none" spc="0" normalizeH="0" baseline="0" noProof="0" dirty="0">
+              <a:ln>
+                <a:noFill/>
+              </a:ln>
+              <a:solidFill>
+                <a:prstClr val="black"/>
+              </a:solidFill>
+              <a:effectLst/>
+              <a:uLnTx/>
+              <a:uFillTx/>
+              <a:latin typeface="Arial" panose="020B0604020202020204" pitchFamily="34" charset="0"/>
+              <a:cs typeface="Arial" panose="020B0604020202020204" pitchFamily="34" charset="0"/>
+            </a:endParaRPr>
+          </a:p>
+        </p:txBody>
+      </p:sp>
+      <p:cxnSp>
+        <p:nvCxnSpPr>
+          <p:cNvPr id="166" name="Conector recto 165"/>
+          <p:cNvCxnSpPr/>
+          <p:nvPr/>
+        </p:nvCxnSpPr>
+        <p:spPr>
+          <a:xfrm flipV="1">
+            <a:off x="4791420" y="2507394"/>
+            <a:ext cx="0" cy="279245"/>
+          </a:xfrm>
+          <a:prstGeom prst="line">
+            <a:avLst/>
+          </a:prstGeom>
+        </p:spPr>
+        <p:style>
+          <a:lnRef idx="1">
+            <a:schemeClr val="dk1"/>
+          </a:lnRef>
+          <a:fillRef idx="0">
+            <a:schemeClr val="dk1"/>
+          </a:fillRef>
+          <a:effectRef idx="0">
+            <a:schemeClr val="dk1"/>
+          </a:effectRef>
+          <a:fontRef idx="minor">
+            <a:schemeClr val="tx1"/>
+          </a:fontRef>
+        </p:style>
+      </p:cxnSp>
+      <p:cxnSp>
+        <p:nvCxnSpPr>
+          <p:cNvPr id="167" name="Conector recto 378"/>
+          <p:cNvCxnSpPr/>
+          <p:nvPr/>
+        </p:nvCxnSpPr>
+        <p:spPr>
+          <a:xfrm flipH="1">
+            <a:off x="4551092" y="3578939"/>
+            <a:ext cx="1" cy="158515"/>
+          </a:xfrm>
+          <a:prstGeom prst="line">
+            <a:avLst/>
+          </a:prstGeom>
+          <a:noFill/>
+          <a:ln w="12700" cap="flat" cmpd="sng" algn="ctr">
+            <a:solidFill>
+              <a:sysClr val="windowText" lastClr="000000"/>
+            </a:solidFill>
+            <a:prstDash val="solid"/>
+            <a:miter lim="800000"/>
+          </a:ln>
+          <a:effectLst/>
+        </p:spPr>
+      </p:cxnSp>
+      <p:cxnSp>
+        <p:nvCxnSpPr>
+          <p:cNvPr id="168" name="Conector recto 380"/>
+          <p:cNvCxnSpPr/>
+          <p:nvPr/>
+        </p:nvCxnSpPr>
+        <p:spPr>
+          <a:xfrm flipH="1">
+            <a:off x="4551092" y="3884067"/>
+            <a:ext cx="1" cy="158515"/>
+          </a:xfrm>
+          <a:prstGeom prst="line">
+            <a:avLst/>
+          </a:prstGeom>
+          <a:noFill/>
+          <a:ln w="12700" cap="flat" cmpd="sng" algn="ctr">
+            <a:solidFill>
+              <a:sysClr val="windowText" lastClr="000000"/>
+            </a:solidFill>
+            <a:prstDash val="solid"/>
+            <a:miter lim="800000"/>
+          </a:ln>
+          <a:effectLst/>
+        </p:spPr>
+      </p:cxnSp>
+      <p:cxnSp>
+        <p:nvCxnSpPr>
+          <p:cNvPr id="262" name="Conector recto 261"/>
+          <p:cNvCxnSpPr/>
+          <p:nvPr/>
+        </p:nvCxnSpPr>
+        <p:spPr>
+          <a:xfrm>
+            <a:off x="5959499" y="3741964"/>
+            <a:ext cx="0" cy="468249"/>
+          </a:xfrm>
+          <a:prstGeom prst="line">
+            <a:avLst/>
+          </a:prstGeom>
+        </p:spPr>
+        <p:style>
+          <a:lnRef idx="1">
+            <a:schemeClr val="dk1"/>
+          </a:lnRef>
+          <a:fillRef idx="0">
+            <a:schemeClr val="dk1"/>
+          </a:fillRef>
+          <a:effectRef idx="0">
+            <a:schemeClr val="dk1"/>
+          </a:effectRef>
+          <a:fontRef idx="minor">
+            <a:schemeClr val="tx1"/>
+          </a:fontRef>
+        </p:style>
+      </p:cxnSp>
+      <p:cxnSp>
+        <p:nvCxnSpPr>
+          <p:cNvPr id="266" name="Conector recto 265"/>
+          <p:cNvCxnSpPr/>
+          <p:nvPr/>
+        </p:nvCxnSpPr>
+        <p:spPr>
+          <a:xfrm>
+            <a:off x="5432874" y="4210213"/>
+            <a:ext cx="523403" cy="0"/>
+          </a:xfrm>
+          <a:prstGeom prst="line">
+            <a:avLst/>
+          </a:prstGeom>
+        </p:spPr>
+        <p:style>
+          <a:lnRef idx="1">
+            <a:schemeClr val="dk1"/>
+          </a:lnRef>
+          <a:fillRef idx="0">
+            <a:schemeClr val="dk1"/>
+          </a:fillRef>
+          <a:effectRef idx="0">
+            <a:schemeClr val="dk1"/>
+          </a:effectRef>
+          <a:fontRef idx="minor">
+            <a:schemeClr val="tx1"/>
+          </a:fontRef>
+        </p:style>
+      </p:cxnSp>
+      <p:cxnSp>
+        <p:nvCxnSpPr>
+          <p:cNvPr id="268" name="Conector recto 267"/>
+          <p:cNvCxnSpPr/>
+          <p:nvPr/>
+        </p:nvCxnSpPr>
+        <p:spPr>
+          <a:xfrm>
+            <a:off x="5434614" y="4210213"/>
+            <a:ext cx="0" cy="1904495"/>
+          </a:xfrm>
+          <a:prstGeom prst="line">
+            <a:avLst/>
+          </a:prstGeom>
+        </p:spPr>
+        <p:style>
+          <a:lnRef idx="1">
+            <a:schemeClr val="dk1"/>
+          </a:lnRef>
+          <a:fillRef idx="0">
+            <a:schemeClr val="dk1"/>
+          </a:fillRef>
+          <a:effectRef idx="0">
+            <a:schemeClr val="dk1"/>
+          </a:effectRef>
+          <a:fontRef idx="minor">
+            <a:schemeClr val="tx1"/>
+          </a:fontRef>
+        </p:style>
+      </p:cxnSp>
+      <p:cxnSp>
+        <p:nvCxnSpPr>
+          <p:cNvPr id="272" name="Conector recto 271"/>
+          <p:cNvCxnSpPr/>
+          <p:nvPr/>
+        </p:nvCxnSpPr>
+        <p:spPr>
+          <a:xfrm>
+            <a:off x="5435688" y="4437112"/>
+            <a:ext cx="219246" cy="0"/>
+          </a:xfrm>
+          <a:prstGeom prst="line">
+            <a:avLst/>
+          </a:prstGeom>
+        </p:spPr>
+        <p:style>
+          <a:lnRef idx="1">
+            <a:schemeClr val="dk1"/>
+          </a:lnRef>
+          <a:fillRef idx="0">
+            <a:schemeClr val="dk1"/>
+          </a:fillRef>
+          <a:effectRef idx="0">
+            <a:schemeClr val="dk1"/>
+          </a:effectRef>
+          <a:fontRef idx="minor">
+            <a:schemeClr val="tx1"/>
+          </a:fontRef>
+        </p:style>
+      </p:cxnSp>
+      <p:cxnSp>
+        <p:nvCxnSpPr>
+          <p:cNvPr id="183" name="Conector recto 182"/>
+          <p:cNvCxnSpPr/>
+          <p:nvPr/>
+        </p:nvCxnSpPr>
+        <p:spPr>
+          <a:xfrm>
+            <a:off x="5435688" y="4790791"/>
+            <a:ext cx="219246" cy="0"/>
+          </a:xfrm>
+          <a:prstGeom prst="line">
+            <a:avLst/>
+          </a:prstGeom>
+        </p:spPr>
+        <p:style>
+          <a:lnRef idx="1">
+            <a:schemeClr val="dk1"/>
+          </a:lnRef>
+          <a:fillRef idx="0">
+            <a:schemeClr val="dk1"/>
+          </a:fillRef>
+          <a:effectRef idx="0">
+            <a:schemeClr val="dk1"/>
+          </a:effectRef>
+          <a:fontRef idx="minor">
+            <a:schemeClr val="tx1"/>
+          </a:fontRef>
+        </p:style>
+      </p:cxnSp>
+      <p:cxnSp>
+        <p:nvCxnSpPr>
+          <p:cNvPr id="184" name="Conector recto 183"/>
+          <p:cNvCxnSpPr/>
+          <p:nvPr/>
+        </p:nvCxnSpPr>
+        <p:spPr>
+          <a:xfrm>
+            <a:off x="5442262" y="5186137"/>
+            <a:ext cx="219246" cy="0"/>
+          </a:xfrm>
+          <a:prstGeom prst="line">
+            <a:avLst/>
+          </a:prstGeom>
+        </p:spPr>
+        <p:style>
+          <a:lnRef idx="1">
+            <a:schemeClr val="dk1"/>
+          </a:lnRef>
+          <a:fillRef idx="0">
+            <a:schemeClr val="dk1"/>
+          </a:fillRef>
+          <a:effectRef idx="0">
+            <a:schemeClr val="dk1"/>
+          </a:effectRef>
+          <a:fontRef idx="minor">
+            <a:schemeClr val="tx1"/>
+          </a:fontRef>
+        </p:style>
+      </p:cxnSp>
+      <p:cxnSp>
+        <p:nvCxnSpPr>
+          <p:cNvPr id="185" name="Conector recto 184"/>
+          <p:cNvCxnSpPr/>
+          <p:nvPr/>
+        </p:nvCxnSpPr>
+        <p:spPr>
+          <a:xfrm>
+            <a:off x="5442262" y="5512938"/>
+            <a:ext cx="219246" cy="0"/>
+          </a:xfrm>
+          <a:prstGeom prst="line">
+            <a:avLst/>
+          </a:prstGeom>
+        </p:spPr>
+        <p:style>
+          <a:lnRef idx="1">
+            <a:schemeClr val="dk1"/>
+          </a:lnRef>
+          <a:fillRef idx="0">
+            <a:schemeClr val="dk1"/>
+          </a:fillRef>
+          <a:effectRef idx="0">
+            <a:schemeClr val="dk1"/>
+          </a:effectRef>
+          <a:fontRef idx="minor">
+            <a:schemeClr val="tx1"/>
+          </a:fontRef>
+        </p:style>
+      </p:cxnSp>
+      <p:cxnSp>
+        <p:nvCxnSpPr>
+          <p:cNvPr id="186" name="Conector recto 185"/>
+          <p:cNvCxnSpPr/>
+          <p:nvPr/>
+        </p:nvCxnSpPr>
+        <p:spPr>
+          <a:xfrm>
+            <a:off x="5442262" y="5805420"/>
+            <a:ext cx="219246" cy="0"/>
+          </a:xfrm>
+          <a:prstGeom prst="line">
+            <a:avLst/>
+          </a:prstGeom>
+        </p:spPr>
+        <p:style>
+          <a:lnRef idx="1">
+            <a:schemeClr val="dk1"/>
+          </a:lnRef>
+          <a:fillRef idx="0">
+            <a:schemeClr val="dk1"/>
+          </a:fillRef>
+          <a:effectRef idx="0">
+            <a:schemeClr val="dk1"/>
+          </a:effectRef>
+          <a:fontRef idx="minor">
+            <a:schemeClr val="tx1"/>
+          </a:fontRef>
+        </p:style>
+      </p:cxnSp>
+      <p:cxnSp>
+        <p:nvCxnSpPr>
+          <p:cNvPr id="187" name="Conector recto 186"/>
+          <p:cNvCxnSpPr/>
+          <p:nvPr/>
+        </p:nvCxnSpPr>
+        <p:spPr>
+          <a:xfrm>
+            <a:off x="5435688" y="6112354"/>
+            <a:ext cx="219246" cy="0"/>
+          </a:xfrm>
+          <a:prstGeom prst="line">
+            <a:avLst/>
+          </a:prstGeom>
+        </p:spPr>
+        <p:style>
+          <a:lnRef idx="1">
+            <a:schemeClr val="dk1"/>
+          </a:lnRef>
+          <a:fillRef idx="0">
+            <a:schemeClr val="dk1"/>
+          </a:fillRef>
+          <a:effectRef idx="0">
+            <a:schemeClr val="dk1"/>
+          </a:effectRef>
+          <a:fontRef idx="minor">
+            <a:schemeClr val="tx1"/>
+          </a:fontRef>
+        </p:style>
+      </p:cxnSp>
+      <p:cxnSp>
+        <p:nvCxnSpPr>
+          <p:cNvPr id="277" name="Conector recto 276"/>
+          <p:cNvCxnSpPr>
+            <a:stCxn id="295" idx="2"/>
+          </p:cNvCxnSpPr>
+          <p:nvPr/>
+        </p:nvCxnSpPr>
+        <p:spPr>
+          <a:xfrm>
+            <a:off x="5915932" y="1984972"/>
+            <a:ext cx="0" cy="331732"/>
+          </a:xfrm>
+          <a:prstGeom prst="line">
+            <a:avLst/>
+          </a:prstGeom>
+        </p:spPr>
+        <p:style>
+          <a:lnRef idx="1">
+            <a:schemeClr val="dk1"/>
+          </a:lnRef>
+          <a:fillRef idx="0">
+            <a:schemeClr val="dk1"/>
+          </a:fillRef>
+          <a:effectRef idx="0">
+            <a:schemeClr val="dk1"/>
+          </a:effectRef>
+          <a:fontRef idx="minor">
+            <a:schemeClr val="tx1"/>
+          </a:fontRef>
+        </p:style>
+      </p:cxnSp>
+      <p:sp>
+        <p:nvSpPr>
+          <p:cNvPr id="193" name="CuadroTexto 262" descr="Conector entre nodos" title="conector"/>
+          <p:cNvSpPr txBox="1"/>
+          <p:nvPr/>
+        </p:nvSpPr>
+        <p:spPr>
+          <a:xfrm>
+            <a:off x="7461203" y="2195274"/>
+            <a:ext cx="1422393" cy="215444"/>
+          </a:xfrm>
+          <a:prstGeom prst="rect">
+            <a:avLst/>
+          </a:prstGeom>
+          <a:noFill/>
+        </p:spPr>
+        <p:txBody>
+          <a:bodyPr wrap="square" rtlCol="0">
+            <a:spAutoFit/>
+          </a:bodyPr>
+          <a:lstStyle/>
+          <a:p>
+            <a:pPr marL="0" marR="0" lvl="0" indent="0" algn="ctr" defTabSz="914400" eaLnBrk="1" fontAlgn="auto" latinLnBrk="0" hangingPunct="1">
+              <a:lnSpc>
+                <a:spcPct val="100000"/>
+              </a:lnSpc>
+              <a:spcBef>
+                <a:spcPts val="0"/>
+              </a:spcBef>
+              <a:spcAft>
+                <a:spcPts val="0"/>
+              </a:spcAft>
+              <a:buClrTx/>
+              <a:buSzTx/>
+              <a:buFontTx/>
+              <a:buNone/>
+              <a:tabLst/>
+              <a:defRPr/>
+            </a:pPr>
+            <a:r>
+              <a:rPr lang="es-ES" sz="800" kern="0" dirty="0">
+                <a:solidFill>
+                  <a:prstClr val="black"/>
+                </a:solidFill>
+                <a:latin typeface="Arial" panose="020B0604020202020204" pitchFamily="34" charset="0"/>
+                <a:cs typeface="Arial" panose="020B0604020202020204" pitchFamily="34" charset="0"/>
+              </a:rPr>
+              <a:t>p</a:t>
+            </a:r>
+            <a:r>
+              <a:rPr kumimoji="0" lang="es-ES" sz="800" b="0" i="0" u="none" strike="noStrike" kern="0" cap="none" spc="0" normalizeH="0" baseline="0" noProof="0" dirty="0" err="1" smtClean="0">
+                <a:ln>
+                  <a:noFill/>
+                </a:ln>
+                <a:solidFill>
+                  <a:prstClr val="black"/>
+                </a:solidFill>
+                <a:effectLst/>
+                <a:uLnTx/>
+                <a:uFillTx/>
+                <a:latin typeface="Arial" panose="020B0604020202020204" pitchFamily="34" charset="0"/>
+                <a:cs typeface="Arial" panose="020B0604020202020204" pitchFamily="34" charset="0"/>
+              </a:rPr>
+              <a:t>uede</a:t>
+            </a:r>
+            <a:r>
+              <a:rPr kumimoji="0" lang="es-ES" sz="800" b="0" i="0" u="none" strike="noStrike" kern="0" cap="none" spc="0" normalizeH="0" noProof="0" dirty="0" smtClean="0">
+                <a:ln>
+                  <a:noFill/>
+                </a:ln>
+                <a:solidFill>
+                  <a:prstClr val="black"/>
+                </a:solidFill>
+                <a:effectLst/>
+                <a:uLnTx/>
+                <a:uFillTx/>
+                <a:latin typeface="Arial" panose="020B0604020202020204" pitchFamily="34" charset="0"/>
+                <a:cs typeface="Arial" panose="020B0604020202020204" pitchFamily="34" charset="0"/>
+              </a:rPr>
+              <a:t> realizarse de forma</a:t>
+            </a:r>
+            <a:endParaRPr kumimoji="0" lang="es-ES" sz="800" b="0" i="0" u="none" strike="noStrike" kern="0" cap="none" spc="0" normalizeH="0" baseline="0" noProof="0" dirty="0">
+              <a:ln>
+                <a:noFill/>
+              </a:ln>
+              <a:solidFill>
+                <a:prstClr val="black"/>
+              </a:solidFill>
+              <a:effectLst/>
+              <a:uLnTx/>
+              <a:uFillTx/>
+              <a:latin typeface="Arial" panose="020B0604020202020204" pitchFamily="34" charset="0"/>
+              <a:cs typeface="Arial" panose="020B0604020202020204" pitchFamily="34" charset="0"/>
+            </a:endParaRPr>
+          </a:p>
+        </p:txBody>
+      </p:sp>
+      <p:sp>
+        <p:nvSpPr>
+          <p:cNvPr id="194" name="Rectángulo 283" descr="Nodo de tercer nivel" title="Nodo03"/>
+          <p:cNvSpPr/>
+          <p:nvPr/>
+        </p:nvSpPr>
+        <p:spPr>
+          <a:xfrm>
+            <a:off x="8332621" y="2721050"/>
+            <a:ext cx="696582" cy="179202"/>
           </a:xfrm>
           <a:prstGeom prst="rect">
             <a:avLst/>
@@ -7901,24 +8951,20 @@
               <a:defRPr/>
             </a:pPr>
             <a:r>
-              <a:rPr lang="es-ES_tradnl" sz="900" dirty="0" smtClean="0"/>
-              <a:t>Es el proceso  de transmitir </a:t>
-            </a:r>
-            <a:r>
-              <a:rPr lang="es-ES_tradnl" sz="900" dirty="0"/>
-              <a:t>un mensaje </a:t>
-            </a:r>
-            <a:r>
-              <a:rPr lang="es-ES_tradnl" sz="900" dirty="0" smtClean="0"/>
-              <a:t>oral </a:t>
-            </a:r>
-            <a:r>
-              <a:rPr lang="es-ES_tradnl" sz="900" dirty="0"/>
-              <a:t>o escrito, entre dos o más personas </a:t>
-            </a:r>
-            <a:r>
-              <a:rPr lang="es-ES_tradnl" sz="900" dirty="0" smtClean="0"/>
-              <a:t>utilizando un código común.</a:t>
+              <a:rPr kumimoji="0" lang="es-ES" sz="900" i="0" u="none" strike="noStrike" kern="0" cap="none" spc="0" normalizeH="0" baseline="0" noProof="0" dirty="0" smtClean="0">
+                <a:ln>
+                  <a:noFill/>
+                </a:ln>
+                <a:solidFill>
+                  <a:prstClr val="black"/>
+                </a:solidFill>
+                <a:effectLst/>
+                <a:uLnTx/>
+                <a:uFillTx/>
+                <a:latin typeface="Arial" panose="020B0604020202020204" pitchFamily="34" charset="0"/>
+                <a:cs typeface="Arial" panose="020B0604020202020204" pitchFamily="34" charset="0"/>
+              </a:rPr>
+              <a:t>escrita</a:t>
             </a:r>
             <a:endParaRPr kumimoji="0" lang="es-ES" sz="900" i="0" u="none" strike="noStrike" kern="0" cap="none" spc="0" normalizeH="0" baseline="0" noProof="0" dirty="0">
               <a:ln>
@@ -7930,21 +8976,52 @@
               <a:effectLst/>
               <a:uLnTx/>
               <a:uFillTx/>
-              <a:latin typeface="Calibri" panose="020F0502020204030204"/>
+              <a:latin typeface="Arial" panose="020B0604020202020204" pitchFamily="34" charset="0"/>
+              <a:cs typeface="Arial" panose="020B0604020202020204" pitchFamily="34" charset="0"/>
             </a:endParaRPr>
           </a:p>
         </p:txBody>
       </p:sp>
       <p:cxnSp>
         <p:nvCxnSpPr>
-          <p:cNvPr id="108" name="Conector recto 374"/>
+          <p:cNvPr id="279" name="Conector recto 278"/>
           <p:cNvCxnSpPr/>
           <p:nvPr/>
         </p:nvCxnSpPr>
         <p:spPr>
-          <a:xfrm>
-            <a:off x="8032787" y="3597580"/>
-            <a:ext cx="5598" cy="225193"/>
+          <a:xfrm flipV="1">
+            <a:off x="7409386" y="2566861"/>
+            <a:ext cx="1368421" cy="14037"/>
+          </a:xfrm>
+          <a:prstGeom prst="line">
+            <a:avLst/>
+          </a:prstGeom>
+        </p:spPr>
+        <p:style>
+          <a:lnRef idx="1">
+            <a:schemeClr val="dk1"/>
+          </a:lnRef>
+          <a:fillRef idx="0">
+            <a:schemeClr val="dk1"/>
+          </a:fillRef>
+          <a:effectRef idx="0">
+            <a:schemeClr val="dk1"/>
+          </a:effectRef>
+          <a:fontRef idx="minor">
+            <a:schemeClr val="tx1"/>
+          </a:fontRef>
+        </p:style>
+      </p:cxnSp>
+      <p:cxnSp>
+        <p:nvCxnSpPr>
+          <p:cNvPr id="197" name="Conector recto 378"/>
+          <p:cNvCxnSpPr/>
+          <p:nvPr/>
+        </p:nvCxnSpPr>
+        <p:spPr>
+          <a:xfrm flipH="1">
+            <a:off x="7416316" y="2575486"/>
+            <a:ext cx="1" cy="158515"/>
           </a:xfrm>
           <a:prstGeom prst="line">
             <a:avLst/>
@@ -7962,19 +9039,17 @@
       </p:cxnSp>
       <p:cxnSp>
         <p:nvCxnSpPr>
-          <p:cNvPr id="109" name="Conector angular 261"/>
+          <p:cNvPr id="198" name="Conector recto 378"/>
           <p:cNvCxnSpPr/>
           <p:nvPr/>
         </p:nvCxnSpPr>
         <p:spPr>
-          <a:xfrm rot="10800000" flipV="1">
-            <a:off x="7375871" y="3822770"/>
-            <a:ext cx="662516" cy="126337"/>
-          </a:xfrm>
-          <a:prstGeom prst="bentConnector3">
-            <a:avLst>
-              <a:gd name="adj1" fmla="val 100367"/>
-            </a:avLst>
+          <a:xfrm flipH="1">
+            <a:off x="8768230" y="2562535"/>
+            <a:ext cx="1" cy="158515"/>
+          </a:xfrm>
+          <a:prstGeom prst="line">
+            <a:avLst/>
           </a:prstGeom>
           <a:noFill/>
           <a:ln w="12700" cap="flat" cmpd="sng" algn="ctr">
@@ -7989,19 +9064,17 @@
       </p:cxnSp>
       <p:cxnSp>
         <p:nvCxnSpPr>
-          <p:cNvPr id="111" name="Conector angular 261"/>
+          <p:cNvPr id="199" name="Conector recto 378"/>
           <p:cNvCxnSpPr/>
           <p:nvPr/>
         </p:nvCxnSpPr>
         <p:spPr>
-          <a:xfrm rot="10800000" flipH="1" flipV="1">
-            <a:off x="7956375" y="3822773"/>
-            <a:ext cx="772171" cy="118529"/>
-          </a:xfrm>
-          <a:prstGeom prst="bentConnector3">
-            <a:avLst>
-              <a:gd name="adj1" fmla="val 98827"/>
-            </a:avLst>
+          <a:xfrm flipH="1">
+            <a:off x="8768133" y="2903677"/>
+            <a:ext cx="1" cy="158515"/>
+          </a:xfrm>
+          <a:prstGeom prst="line">
+            <a:avLst/>
           </a:prstGeom>
           <a:noFill/>
           <a:ln w="12700" cap="flat" cmpd="sng" algn="ctr">
@@ -8014,23 +9087,21 @@
           <a:effectLst/>
         </p:spPr>
       </p:cxnSp>
-      <p:sp>
-        <p:nvSpPr>
-          <p:cNvPr id="115" name="Rectángulo 72" descr="Nodo de cuarto nivel&#10;" title="Nodo04"/>
-          <p:cNvSpPr/>
-          <p:nvPr/>
-        </p:nvSpPr>
-        <p:spPr>
-          <a:xfrm>
-            <a:off x="6948264" y="3981286"/>
-            <a:ext cx="864096" cy="239694"/>
-          </a:xfrm>
-          <a:prstGeom prst="rect">
-            <a:avLst/>
-          </a:prstGeom>
-          <a:solidFill>
-            <a:sysClr val="window" lastClr="FFFFFF"/>
-          </a:solidFill>
+      <p:cxnSp>
+        <p:nvCxnSpPr>
+          <p:cNvPr id="200" name="Conector recto 378"/>
+          <p:cNvCxnSpPr/>
+          <p:nvPr/>
+        </p:nvCxnSpPr>
+        <p:spPr>
+          <a:xfrm flipH="1">
+            <a:off x="7409386" y="3227035"/>
+            <a:ext cx="1" cy="158515"/>
+          </a:xfrm>
+          <a:prstGeom prst="line">
+            <a:avLst/>
+          </a:prstGeom>
+          <a:noFill/>
           <a:ln w="12700" cap="flat" cmpd="sng" algn="ctr">
             <a:solidFill>
               <a:sysClr val="windowText" lastClr="000000"/>
@@ -8040,8 +9111,27 @@
           </a:ln>
           <a:effectLst/>
         </p:spPr>
-        <p:txBody>
-          <a:bodyPr rtlCol="0" anchor="ctr"/>
+      </p:cxnSp>
+      <p:sp>
+        <p:nvSpPr>
+          <p:cNvPr id="201" name="CuadroTexto 262" descr="Conector entre nodos" title="conector"/>
+          <p:cNvSpPr txBox="1"/>
+          <p:nvPr/>
+        </p:nvSpPr>
+        <p:spPr>
+          <a:xfrm>
+            <a:off x="8170601" y="3014879"/>
+            <a:ext cx="1195063" cy="215444"/>
+          </a:xfrm>
+          <a:prstGeom prst="rect">
+            <a:avLst/>
+          </a:prstGeom>
+          <a:noFill/>
+        </p:spPr>
+        <p:txBody>
+          <a:bodyPr wrap="square" rtlCol="0">
+            <a:spAutoFit/>
+          </a:bodyPr>
           <a:lstStyle/>
           <a:p>
             <a:pPr marL="0" marR="0" lvl="0" indent="0" algn="ctr" defTabSz="914400" eaLnBrk="1" fontAlgn="auto" latinLnBrk="0" hangingPunct="1">
@@ -8062,7 +9152,17 @@
               <a:defRPr/>
             </a:pPr>
             <a:r>
-              <a:rPr kumimoji="0" lang="es-ES" sz="900" b="0" i="0" u="none" strike="noStrike" kern="0" cap="none" spc="0" normalizeH="0" baseline="0" noProof="0" dirty="0" smtClean="0">
+              <a:rPr lang="es-ES" sz="800" kern="0" dirty="0">
+                <a:solidFill>
+                  <a:prstClr val="black"/>
+                </a:solidFill>
+                <a:latin typeface="Arial" panose="020B0604020202020204" pitchFamily="34" charset="0"/>
+                <a:cs typeface="Arial" panose="020B0604020202020204" pitchFamily="34" charset="0"/>
+              </a:rPr>
+              <a:t>l</a:t>
+            </a:r>
+            <a:r>
+              <a:rPr kumimoji="0" lang="es-ES" sz="800" b="0" i="0" u="none" strike="noStrike" kern="0" cap="none" spc="0" normalizeH="0" baseline="0" noProof="0" dirty="0" smtClean="0">
                 <a:ln>
                   <a:noFill/>
                 </a:ln>
@@ -8072,13 +9172,28 @@
                 <a:effectLst/>
                 <a:uLnTx/>
                 <a:uFillTx/>
-                <a:latin typeface="Calibri" panose="020F0502020204030204"/>
-                <a:ea typeface="+mn-ea"/>
-                <a:cs typeface="+mn-cs"/>
-              </a:rPr>
-              <a:t>Comunicación oral </a:t>
-            </a:r>
-            <a:endParaRPr kumimoji="0" lang="es-ES" sz="900" b="0" i="0" u="none" strike="noStrike" kern="0" cap="none" spc="0" normalizeH="0" baseline="0" noProof="0" dirty="0">
+                <a:latin typeface="Arial" panose="020B0604020202020204" pitchFamily="34" charset="0"/>
+                <a:cs typeface="Arial" panose="020B0604020202020204" pitchFamily="34" charset="0"/>
+              </a:rPr>
+              <a:t>a</a:t>
+            </a:r>
+            <a:r>
+              <a:rPr kumimoji="0" lang="es-ES" sz="800" b="0" i="0" u="none" strike="noStrike" kern="0" cap="none" spc="0" normalizeH="0" noProof="0" dirty="0" smtClean="0">
+                <a:ln>
+                  <a:noFill/>
+                </a:ln>
+                <a:solidFill>
+                  <a:prstClr val="black"/>
+                </a:solidFill>
+                <a:effectLst/>
+                <a:uLnTx/>
+                <a:uFillTx/>
+                <a:latin typeface="Arial" panose="020B0604020202020204" pitchFamily="34" charset="0"/>
+                <a:cs typeface="Arial" panose="020B0604020202020204" pitchFamily="34" charset="0"/>
+              </a:rPr>
+              <a:t> cual </a:t>
+            </a:r>
+            <a:endParaRPr kumimoji="0" lang="es-ES" sz="800" b="0" i="0" u="none" strike="noStrike" kern="0" cap="none" spc="0" normalizeH="0" baseline="0" noProof="0" dirty="0">
               <a:ln>
                 <a:noFill/>
               </a:ln>
@@ -8088,103 +9203,21 @@
               <a:effectLst/>
               <a:uLnTx/>
               <a:uFillTx/>
-              <a:latin typeface="Calibri" panose="020F0502020204030204"/>
-              <a:ea typeface="+mn-ea"/>
-              <a:cs typeface="+mn-cs"/>
-            </a:endParaRPr>
-          </a:p>
-        </p:txBody>
-      </p:sp>
-      <p:sp>
-        <p:nvSpPr>
-          <p:cNvPr id="116" name="Rectángulo 72" descr="Nodo de cuarto nivel&#10;" title="Nodo04"/>
-          <p:cNvSpPr/>
-          <p:nvPr/>
-        </p:nvSpPr>
-        <p:spPr>
-          <a:xfrm>
-            <a:off x="8172400" y="3949107"/>
-            <a:ext cx="864096" cy="239694"/>
-          </a:xfrm>
-          <a:prstGeom prst="rect">
-            <a:avLst/>
-          </a:prstGeom>
-          <a:solidFill>
-            <a:sysClr val="window" lastClr="FFFFFF"/>
-          </a:solidFill>
-          <a:ln w="12700" cap="flat" cmpd="sng" algn="ctr">
-            <a:solidFill>
-              <a:sysClr val="windowText" lastClr="000000"/>
-            </a:solidFill>
-            <a:prstDash val="solid"/>
-            <a:miter lim="800000"/>
-          </a:ln>
-          <a:effectLst/>
-        </p:spPr>
-        <p:txBody>
-          <a:bodyPr rtlCol="0" anchor="ctr"/>
-          <a:lstStyle/>
-          <a:p>
-            <a:pPr marL="0" marR="0" lvl="0" indent="0" algn="ctr" defTabSz="914400" eaLnBrk="1" fontAlgn="auto" latinLnBrk="0" hangingPunct="1">
-              <a:lnSpc>
-                <a:spcPct val="100000"/>
-              </a:lnSpc>
-              <a:spcBef>
-                <a:spcPts val="0"/>
-              </a:spcBef>
-              <a:spcAft>
-                <a:spcPts val="0"/>
-              </a:spcAft>
-              <a:buClrTx/>
-              <a:buSzTx/>
-              <a:buFontTx/>
-              <a:buNone/>
-              <a:tabLst/>
-              <a:defRPr/>
-            </a:pPr>
-            <a:r>
-              <a:rPr kumimoji="0" lang="es-ES" sz="900" b="0" i="0" u="none" strike="noStrike" kern="0" cap="none" spc="0" normalizeH="0" baseline="0" noProof="0" dirty="0" smtClean="0">
-                <a:ln>
-                  <a:noFill/>
-                </a:ln>
-                <a:solidFill>
-                  <a:prstClr val="black"/>
-                </a:solidFill>
-                <a:effectLst/>
-                <a:uLnTx/>
-                <a:uFillTx/>
-                <a:latin typeface="Calibri" panose="020F0502020204030204"/>
-                <a:ea typeface="+mn-ea"/>
-                <a:cs typeface="+mn-cs"/>
-              </a:rPr>
-              <a:t>Comunicación escrita</a:t>
-            </a:r>
-            <a:endParaRPr kumimoji="0" lang="es-ES" sz="900" b="0" i="0" u="none" strike="noStrike" kern="0" cap="none" spc="0" normalizeH="0" baseline="0" noProof="0" dirty="0">
-              <a:ln>
-                <a:noFill/>
-              </a:ln>
-              <a:solidFill>
-                <a:prstClr val="black"/>
-              </a:solidFill>
-              <a:effectLst/>
-              <a:uLnTx/>
-              <a:uFillTx/>
-              <a:latin typeface="Calibri" panose="020F0502020204030204"/>
-              <a:ea typeface="+mn-ea"/>
-              <a:cs typeface="+mn-cs"/>
+              <a:latin typeface="Arial" panose="020B0604020202020204" pitchFamily="34" charset="0"/>
+              <a:cs typeface="Arial" panose="020B0604020202020204" pitchFamily="34" charset="0"/>
             </a:endParaRPr>
           </a:p>
         </p:txBody>
       </p:sp>
       <p:cxnSp>
         <p:nvCxnSpPr>
-          <p:cNvPr id="117" name="Conector recto 378"/>
+          <p:cNvPr id="202" name="Conector recto 378"/>
           <p:cNvCxnSpPr/>
           <p:nvPr/>
         </p:nvCxnSpPr>
         <p:spPr>
           <a:xfrm flipH="1">
-            <a:off x="8724966" y="4188801"/>
+            <a:off x="8768131" y="3203160"/>
             <a:ext cx="1" cy="158515"/>
           </a:xfrm>
           <a:prstGeom prst="line">
@@ -8201,350 +9234,6 @@
           <a:effectLst/>
         </p:spPr>
       </p:cxnSp>
-      <p:sp>
-        <p:nvSpPr>
-          <p:cNvPr id="118" name="CuadroTexto 262" descr="Conector entre nodos" title="conector"/>
-          <p:cNvSpPr txBox="1"/>
-          <p:nvPr/>
-        </p:nvSpPr>
-        <p:spPr>
-          <a:xfrm>
-            <a:off x="7913442" y="4372663"/>
-            <a:ext cx="1195063" cy="230832"/>
-          </a:xfrm>
-          <a:prstGeom prst="rect">
-            <a:avLst/>
-          </a:prstGeom>
-          <a:noFill/>
-        </p:spPr>
-        <p:txBody>
-          <a:bodyPr wrap="square" rtlCol="0">
-            <a:spAutoFit/>
-          </a:bodyPr>
-          <a:lstStyle/>
-          <a:p>
-            <a:pPr marL="0" marR="0" lvl="0" indent="0" algn="ctr" defTabSz="914400" eaLnBrk="1" fontAlgn="auto" latinLnBrk="0" hangingPunct="1">
-              <a:lnSpc>
-                <a:spcPct val="100000"/>
-              </a:lnSpc>
-              <a:spcBef>
-                <a:spcPts val="0"/>
-              </a:spcBef>
-              <a:spcAft>
-                <a:spcPts val="0"/>
-              </a:spcAft>
-              <a:buClrTx/>
-              <a:buSzTx/>
-              <a:buFontTx/>
-              <a:buNone/>
-              <a:tabLst/>
-              <a:defRPr/>
-            </a:pPr>
-            <a:r>
-              <a:rPr lang="es-ES" sz="900" kern="0" dirty="0" smtClean="0">
-                <a:solidFill>
-                  <a:prstClr val="black"/>
-                </a:solidFill>
-              </a:rPr>
-              <a:t>Se caracteriza </a:t>
-            </a:r>
-            <a:r>
-              <a:rPr lang="es-ES" sz="900" kern="0" dirty="0" smtClean="0">
-                <a:solidFill>
-                  <a:prstClr val="black"/>
-                </a:solidFill>
-              </a:rPr>
-              <a:t>porque </a:t>
-            </a:r>
-            <a:endParaRPr kumimoji="0" lang="es-ES" sz="900" b="0" i="0" u="none" strike="noStrike" kern="0" cap="none" spc="0" normalizeH="0" baseline="0" noProof="0" dirty="0">
-              <a:ln>
-                <a:noFill/>
-              </a:ln>
-              <a:solidFill>
-                <a:prstClr val="black"/>
-              </a:solidFill>
-              <a:effectLst/>
-              <a:uLnTx/>
-              <a:uFillTx/>
-            </a:endParaRPr>
-          </a:p>
-        </p:txBody>
-      </p:sp>
-      <p:cxnSp>
-        <p:nvCxnSpPr>
-          <p:cNvPr id="119" name="Conector recto 380"/>
-          <p:cNvCxnSpPr/>
-          <p:nvPr/>
-        </p:nvCxnSpPr>
-        <p:spPr>
-          <a:xfrm flipH="1">
-            <a:off x="8724967" y="4603495"/>
-            <a:ext cx="1" cy="158515"/>
-          </a:xfrm>
-          <a:prstGeom prst="line">
-            <a:avLst/>
-          </a:prstGeom>
-          <a:noFill/>
-          <a:ln w="12700" cap="flat" cmpd="sng" algn="ctr">
-            <a:solidFill>
-              <a:sysClr val="windowText" lastClr="000000"/>
-            </a:solidFill>
-            <a:prstDash val="solid"/>
-            <a:miter lim="800000"/>
-          </a:ln>
-          <a:effectLst/>
-        </p:spPr>
-      </p:cxnSp>
-      <p:sp>
-        <p:nvSpPr>
-          <p:cNvPr id="120" name="Rectángulo 72" descr="Nodo de cuarto nivel&#10;" title="Nodo04"/>
-          <p:cNvSpPr/>
-          <p:nvPr/>
-        </p:nvSpPr>
-        <p:spPr>
-          <a:xfrm>
-            <a:off x="8100392" y="4814466"/>
-            <a:ext cx="936104" cy="1782886"/>
-          </a:xfrm>
-          <a:prstGeom prst="rect">
-            <a:avLst/>
-          </a:prstGeom>
-          <a:solidFill>
-            <a:sysClr val="window" lastClr="FFFFFF"/>
-          </a:solidFill>
-          <a:ln w="12700" cap="flat" cmpd="sng" algn="ctr">
-            <a:solidFill>
-              <a:sysClr val="windowText" lastClr="000000"/>
-            </a:solidFill>
-            <a:prstDash val="solid"/>
-            <a:miter lim="800000"/>
-          </a:ln>
-          <a:effectLst/>
-        </p:spPr>
-        <p:txBody>
-          <a:bodyPr rtlCol="0" anchor="ctr"/>
-          <a:lstStyle/>
-          <a:p>
-            <a:pPr algn="ctr"/>
-            <a:r>
-              <a:rPr lang="es-ES" sz="900" dirty="0" smtClean="0"/>
-              <a:t> La palabra escrita es el medio primordial (puede acompañarse de  imágenes), por lo cual suele ser un mensaje pensado y planeado.</a:t>
-            </a:r>
-            <a:endParaRPr lang="es-CO" sz="900" dirty="0"/>
-          </a:p>
-        </p:txBody>
-      </p:sp>
-      <p:cxnSp>
-        <p:nvCxnSpPr>
-          <p:cNvPr id="121" name="Conector recto 378"/>
-          <p:cNvCxnSpPr/>
-          <p:nvPr/>
-        </p:nvCxnSpPr>
-        <p:spPr>
-          <a:xfrm flipH="1">
-            <a:off x="7377449" y="4233294"/>
-            <a:ext cx="1" cy="158515"/>
-          </a:xfrm>
-          <a:prstGeom prst="line">
-            <a:avLst/>
-          </a:prstGeom>
-          <a:noFill/>
-          <a:ln w="12700" cap="flat" cmpd="sng" algn="ctr">
-            <a:solidFill>
-              <a:sysClr val="windowText" lastClr="000000"/>
-            </a:solidFill>
-            <a:prstDash val="solid"/>
-            <a:miter lim="800000"/>
-          </a:ln>
-          <a:effectLst/>
-        </p:spPr>
-      </p:cxnSp>
-      <p:cxnSp>
-        <p:nvCxnSpPr>
-          <p:cNvPr id="123" name="Conector recto 380"/>
-          <p:cNvCxnSpPr/>
-          <p:nvPr/>
-        </p:nvCxnSpPr>
-        <p:spPr>
-          <a:xfrm flipH="1">
-            <a:off x="7381891" y="4622109"/>
-            <a:ext cx="1" cy="158515"/>
-          </a:xfrm>
-          <a:prstGeom prst="line">
-            <a:avLst/>
-          </a:prstGeom>
-          <a:noFill/>
-          <a:ln w="12700" cap="flat" cmpd="sng" algn="ctr">
-            <a:solidFill>
-              <a:sysClr val="windowText" lastClr="000000"/>
-            </a:solidFill>
-            <a:prstDash val="solid"/>
-            <a:miter lim="800000"/>
-          </a:ln>
-          <a:effectLst/>
-        </p:spPr>
-      </p:cxnSp>
-      <p:sp>
-        <p:nvSpPr>
-          <p:cNvPr id="124" name="Rectángulo 72" descr="Nodo de cuarto nivel&#10;" title="Nodo04"/>
-          <p:cNvSpPr/>
-          <p:nvPr/>
-        </p:nvSpPr>
-        <p:spPr>
-          <a:xfrm>
-            <a:off x="6948264" y="4814465"/>
-            <a:ext cx="936104" cy="1782887"/>
-          </a:xfrm>
-          <a:prstGeom prst="rect">
-            <a:avLst/>
-          </a:prstGeom>
-          <a:solidFill>
-            <a:sysClr val="window" lastClr="FFFFFF"/>
-          </a:solidFill>
-          <a:ln w="12700" cap="flat" cmpd="sng" algn="ctr">
-            <a:solidFill>
-              <a:sysClr val="windowText" lastClr="000000"/>
-            </a:solidFill>
-            <a:prstDash val="solid"/>
-            <a:miter lim="800000"/>
-          </a:ln>
-          <a:effectLst/>
-        </p:spPr>
-        <p:txBody>
-          <a:bodyPr rtlCol="0" anchor="ctr"/>
-          <a:lstStyle/>
-          <a:p>
-            <a:pPr algn="ctr"/>
-            <a:r>
-              <a:rPr lang="es-CO" sz="900" dirty="0" smtClean="0"/>
-              <a:t>Tener un mensaje inmediato, es de naturaleza oral y por tanto va acompañado de gestos y movimientos corporales.  Suele ser un mensaje espontáneo.</a:t>
-            </a:r>
-            <a:endParaRPr lang="es-CO" sz="900" dirty="0"/>
-          </a:p>
-        </p:txBody>
-      </p:sp>
-      <p:sp>
-        <p:nvSpPr>
-          <p:cNvPr id="125" name="CuadroTexto 262" descr="Conector entre nodos" title="conector"/>
-          <p:cNvSpPr txBox="1"/>
-          <p:nvPr/>
-        </p:nvSpPr>
-        <p:spPr>
-          <a:xfrm>
-            <a:off x="6905330" y="4391277"/>
-            <a:ext cx="1008112" cy="230832"/>
-          </a:xfrm>
-          <a:prstGeom prst="rect">
-            <a:avLst/>
-          </a:prstGeom>
-          <a:noFill/>
-        </p:spPr>
-        <p:txBody>
-          <a:bodyPr wrap="square" rtlCol="0">
-            <a:spAutoFit/>
-          </a:bodyPr>
-          <a:lstStyle/>
-          <a:p>
-            <a:pPr marL="0" marR="0" lvl="0" indent="0" algn="ctr" defTabSz="914400" eaLnBrk="1" fontAlgn="auto" latinLnBrk="0" hangingPunct="1">
-              <a:lnSpc>
-                <a:spcPct val="100000"/>
-              </a:lnSpc>
-              <a:spcBef>
-                <a:spcPts val="0"/>
-              </a:spcBef>
-              <a:spcAft>
-                <a:spcPts val="0"/>
-              </a:spcAft>
-              <a:buClrTx/>
-              <a:buSzTx/>
-              <a:buFontTx/>
-              <a:buNone/>
-              <a:tabLst/>
-              <a:defRPr/>
-            </a:pPr>
-            <a:r>
-              <a:rPr lang="es-ES" sz="900" kern="0" dirty="0" smtClean="0">
-                <a:solidFill>
-                  <a:prstClr val="black"/>
-                </a:solidFill>
-              </a:rPr>
-              <a:t>Se caracteriza por </a:t>
-            </a:r>
-            <a:endParaRPr kumimoji="0" lang="es-ES" sz="900" b="0" i="0" u="none" strike="noStrike" kern="0" cap="none" spc="0" normalizeH="0" baseline="0" noProof="0" dirty="0">
-              <a:ln>
-                <a:noFill/>
-              </a:ln>
-              <a:solidFill>
-                <a:prstClr val="black"/>
-              </a:solidFill>
-              <a:effectLst/>
-              <a:uLnTx/>
-              <a:uFillTx/>
-            </a:endParaRPr>
-          </a:p>
-        </p:txBody>
-      </p:sp>
-      <p:sp>
-        <p:nvSpPr>
-          <p:cNvPr id="127" name="CuadroTexto 262" descr="Conector entre nodos" title="conector"/>
-          <p:cNvSpPr txBox="1"/>
-          <p:nvPr/>
-        </p:nvSpPr>
-        <p:spPr>
-          <a:xfrm>
-            <a:off x="7416316" y="3342184"/>
-            <a:ext cx="1116124" cy="230832"/>
-          </a:xfrm>
-          <a:prstGeom prst="rect">
-            <a:avLst/>
-          </a:prstGeom>
-          <a:noFill/>
-        </p:spPr>
-        <p:txBody>
-          <a:bodyPr wrap="square" rtlCol="0">
-            <a:spAutoFit/>
-          </a:bodyPr>
-          <a:lstStyle/>
-          <a:p>
-            <a:pPr marL="0" marR="0" lvl="0" indent="0" algn="ctr" defTabSz="914400" eaLnBrk="1" fontAlgn="auto" latinLnBrk="0" hangingPunct="1">
-              <a:lnSpc>
-                <a:spcPct val="100000"/>
-              </a:lnSpc>
-              <a:spcBef>
-                <a:spcPts val="0"/>
-              </a:spcBef>
-              <a:spcAft>
-                <a:spcPts val="0"/>
-              </a:spcAft>
-              <a:buClrTx/>
-              <a:buSzTx/>
-              <a:buFontTx/>
-              <a:buNone/>
-              <a:tabLst/>
-              <a:defRPr/>
-            </a:pPr>
-            <a:r>
-              <a:rPr lang="es-ES" sz="900" kern="0" dirty="0" smtClean="0">
-                <a:solidFill>
-                  <a:prstClr val="black"/>
-                </a:solidFill>
-              </a:rPr>
-              <a:t>Posee dos medios</a:t>
-            </a:r>
-            <a:endParaRPr kumimoji="0" lang="es-ES" sz="900" b="0" i="0" u="none" strike="noStrike" kern="0" cap="none" spc="0" normalizeH="0" baseline="0" noProof="0" dirty="0">
-              <a:ln>
-                <a:noFill/>
-              </a:ln>
-              <a:solidFill>
-                <a:prstClr val="black"/>
-              </a:solidFill>
-              <a:effectLst/>
-              <a:uLnTx/>
-              <a:uFillTx/>
-            </a:endParaRPr>
-          </a:p>
-        </p:txBody>
-      </p:sp>
     </p:spTree>
     <p:extLst>
       <p:ext uri="{BB962C8B-B14F-4D97-AF65-F5344CB8AC3E}">

--- a/fuentes/contenidos/grado06/guion02/MC LE_06_02_CO.pptx
+++ b/fuentes/contenidos/grado06/guion02/MC LE_06_02_CO.pptx
@@ -3707,23 +3707,7 @@
                 <a:latin typeface="Arial" panose="020B0604020202020204" pitchFamily="34" charset="0"/>
                 <a:cs typeface="Arial" panose="020B0604020202020204" pitchFamily="34" charset="0"/>
               </a:rPr>
-              <a:t>l género </a:t>
-            </a:r>
-            <a:r>
-              <a:rPr kumimoji="0" lang="es-ES" sz="900" b="0" i="0" u="none" strike="noStrike" kern="0" cap="none" spc="0" normalizeH="0" baseline="0" noProof="0" dirty="0" smtClean="0">
-                <a:ln>
-                  <a:noFill/>
-                </a:ln>
-                <a:solidFill>
-                  <a:prstClr val="black"/>
-                </a:solidFill>
-                <a:effectLst/>
-                <a:uLnTx/>
-                <a:uFillTx/>
-                <a:latin typeface="Arial" panose="020B0604020202020204" pitchFamily="34" charset="0"/>
-                <a:cs typeface="Arial" panose="020B0604020202020204" pitchFamily="34" charset="0"/>
-              </a:rPr>
-              <a:t>narrativo</a:t>
+              <a:t>l género narrativo</a:t>
             </a:r>
             <a:endParaRPr kumimoji="0" lang="es-ES" sz="900" b="0" i="0" u="none" strike="noStrike" kern="0" cap="none" spc="0" normalizeH="0" baseline="0" noProof="0" dirty="0">
               <a:ln>
@@ -3883,17 +3867,7 @@
                 <a:latin typeface="Arial" panose="020B0604020202020204" pitchFamily="34" charset="0"/>
                 <a:cs typeface="Arial" panose="020B0604020202020204" pitchFamily="34" charset="0"/>
               </a:rPr>
-              <a:t>El sentido </a:t>
-            </a:r>
-            <a:r>
-              <a:rPr lang="es-ES" sz="1000" kern="0" dirty="0" smtClean="0">
-                <a:solidFill>
-                  <a:prstClr val="white"/>
-                </a:solidFill>
-                <a:latin typeface="Arial" panose="020B0604020202020204" pitchFamily="34" charset="0"/>
-                <a:cs typeface="Arial" panose="020B0604020202020204" pitchFamily="34" charset="0"/>
-              </a:rPr>
-              <a:t>propio</a:t>
+              <a:t>El sentido propio</a:t>
             </a:r>
             <a:endParaRPr kumimoji="0" lang="es-ES" sz="1000" b="0" i="0" u="none" strike="noStrike" kern="0" cap="none" spc="0" normalizeH="0" baseline="0" noProof="0" dirty="0">
               <a:ln>
@@ -4431,23 +4405,7 @@
                 <a:latin typeface="Arial" panose="020B0604020202020204" pitchFamily="34" charset="0"/>
                 <a:cs typeface="Arial" panose="020B0604020202020204" pitchFamily="34" charset="0"/>
               </a:rPr>
-              <a:t>l género </a:t>
-            </a:r>
-            <a:r>
-              <a:rPr kumimoji="0" lang="es-ES" sz="900" b="0" i="0" u="none" strike="noStrike" kern="0" cap="none" spc="0" normalizeH="0" baseline="0" noProof="0" dirty="0" smtClean="0">
-                <a:ln>
-                  <a:noFill/>
-                </a:ln>
-                <a:solidFill>
-                  <a:prstClr val="black"/>
-                </a:solidFill>
-                <a:effectLst/>
-                <a:uLnTx/>
-                <a:uFillTx/>
-                <a:latin typeface="Arial" panose="020B0604020202020204" pitchFamily="34" charset="0"/>
-                <a:cs typeface="Arial" panose="020B0604020202020204" pitchFamily="34" charset="0"/>
-              </a:rPr>
-              <a:t>lírico</a:t>
+              <a:t>l género lírico</a:t>
             </a:r>
             <a:endParaRPr kumimoji="0" lang="es-ES" sz="900" b="0" i="0" u="none" strike="noStrike" kern="0" cap="none" spc="0" normalizeH="0" baseline="0" noProof="0" dirty="0">
               <a:ln>
@@ -4552,23 +4510,7 @@
                 <a:latin typeface="Arial" panose="020B0604020202020204" pitchFamily="34" charset="0"/>
                 <a:cs typeface="Arial" panose="020B0604020202020204" pitchFamily="34" charset="0"/>
               </a:rPr>
-              <a:t> </a:t>
-            </a:r>
-            <a:r>
-              <a:rPr kumimoji="0" lang="es-ES" sz="900" b="0" i="0" u="none" strike="noStrike" kern="0" cap="none" spc="0" normalizeH="0" noProof="0" dirty="0" smtClean="0">
-                <a:ln>
-                  <a:noFill/>
-                </a:ln>
-                <a:solidFill>
-                  <a:prstClr val="black"/>
-                </a:solidFill>
-                <a:effectLst/>
-                <a:uLnTx/>
-                <a:uFillTx/>
-                <a:latin typeface="Arial" panose="020B0604020202020204" pitchFamily="34" charset="0"/>
-                <a:cs typeface="Arial" panose="020B0604020202020204" pitchFamily="34" charset="0"/>
-              </a:rPr>
-              <a:t>dramático</a:t>
+              <a:t> dramático</a:t>
             </a:r>
             <a:endParaRPr kumimoji="0" lang="es-ES" sz="900" b="0" i="0" u="none" strike="noStrike" kern="0" cap="none" spc="0" normalizeH="0" baseline="0" noProof="0" dirty="0">
               <a:ln>
@@ -5387,17 +5329,7 @@
                 <a:latin typeface="Arial" panose="020B0604020202020204" pitchFamily="34" charset="0"/>
                 <a:cs typeface="Arial" panose="020B0604020202020204" pitchFamily="34" charset="0"/>
               </a:rPr>
-              <a:t>textos que expresan los sentimientos del </a:t>
-            </a:r>
-            <a:r>
-              <a:rPr lang="es-CO" sz="800" kern="0" dirty="0" smtClean="0">
-                <a:solidFill>
-                  <a:prstClr val="black"/>
-                </a:solidFill>
-                <a:latin typeface="Arial" panose="020B0604020202020204" pitchFamily="34" charset="0"/>
-                <a:cs typeface="Arial" panose="020B0604020202020204" pitchFamily="34" charset="0"/>
-              </a:rPr>
-              <a:t>autor</a:t>
+              <a:t>textos que expresan los sentimientos del autor</a:t>
             </a:r>
             <a:endParaRPr kumimoji="0" lang="es-ES" sz="800" b="0" i="0" u="none" strike="noStrike" kern="0" cap="none" spc="0" normalizeH="0" baseline="0" noProof="0" dirty="0">
               <a:ln>
@@ -5454,17 +5386,7 @@
                 <a:latin typeface="Arial" panose="020B0604020202020204" pitchFamily="34" charset="0"/>
                 <a:cs typeface="Arial" panose="020B0604020202020204" pitchFamily="34" charset="0"/>
               </a:rPr>
-              <a:t>obras en forma de diálogo </a:t>
-            </a:r>
-            <a:r>
-              <a:rPr lang="es-CO" sz="800" kern="0" dirty="0" smtClean="0">
-                <a:solidFill>
-                  <a:prstClr val="black"/>
-                </a:solidFill>
-                <a:latin typeface="Arial" panose="020B0604020202020204" pitchFamily="34" charset="0"/>
-                <a:cs typeface="Arial" panose="020B0604020202020204" pitchFamily="34" charset="0"/>
-              </a:rPr>
-              <a:t>creadas para representarse en </a:t>
+              <a:t>obras en forma de diálogo creadas para representarse en </a:t>
             </a:r>
             <a:r>
               <a:rPr lang="es-CO" sz="800" kern="0" dirty="0">
@@ -6020,17 +5942,7 @@
                 <a:latin typeface="Arial" panose="020B0604020202020204" pitchFamily="34" charset="0"/>
                 <a:cs typeface="Arial" panose="020B0604020202020204" pitchFamily="34" charset="0"/>
               </a:rPr>
-              <a:t> </a:t>
-            </a:r>
-            <a:r>
-              <a:rPr lang="es-ES" sz="800" kern="0" noProof="0" dirty="0" smtClean="0">
-                <a:solidFill>
-                  <a:prstClr val="black"/>
-                </a:solidFill>
-                <a:latin typeface="Arial" panose="020B0604020202020204" pitchFamily="34" charset="0"/>
-                <a:cs typeface="Arial" panose="020B0604020202020204" pitchFamily="34" charset="0"/>
-              </a:rPr>
-              <a:t>ejemplo</a:t>
+              <a:t> ejemplo</a:t>
             </a:r>
             <a:endParaRPr kumimoji="0" lang="es-ES" sz="800" b="0" i="0" u="none" strike="noStrike" kern="0" cap="none" spc="0" normalizeH="0" baseline="0" noProof="0" dirty="0">
               <a:ln>
@@ -6140,17 +6052,7 @@
                 <a:latin typeface="Arial" panose="020B0604020202020204" pitchFamily="34" charset="0"/>
                 <a:cs typeface="Arial" panose="020B0604020202020204" pitchFamily="34" charset="0"/>
               </a:rPr>
-              <a:t> </a:t>
-            </a:r>
-            <a:r>
-              <a:rPr lang="es-ES" sz="800" kern="0" noProof="0" dirty="0" smtClean="0">
-                <a:solidFill>
-                  <a:prstClr val="black"/>
-                </a:solidFill>
-                <a:latin typeface="Arial" panose="020B0604020202020204" pitchFamily="34" charset="0"/>
-                <a:cs typeface="Arial" panose="020B0604020202020204" pitchFamily="34" charset="0"/>
-              </a:rPr>
-              <a:t>ejemplo</a:t>
+              <a:t> ejemplo</a:t>
             </a:r>
             <a:endParaRPr kumimoji="0" lang="es-ES" sz="800" b="0" i="0" u="none" strike="noStrike" kern="0" cap="none" spc="0" normalizeH="0" baseline="0" noProof="0" dirty="0">
               <a:ln>
@@ -6428,21 +6330,7 @@
                 <a:latin typeface="Arial" panose="020B0604020202020204" pitchFamily="34" charset="0"/>
                 <a:cs typeface="Arial" panose="020B0604020202020204" pitchFamily="34" charset="0"/>
               </a:rPr>
-              <a:t>un </a:t>
-            </a:r>
-            <a:r>
-              <a:rPr lang="es-ES_tradnl" sz="900" dirty="0" smtClean="0">
-                <a:latin typeface="Arial" panose="020B0604020202020204" pitchFamily="34" charset="0"/>
-                <a:cs typeface="Arial" panose="020B0604020202020204" pitchFamily="34" charset="0"/>
-              </a:rPr>
-              <a:t>programa informativo que presenta hechos </a:t>
-            </a:r>
-            <a:r>
-              <a:rPr lang="es-ES_tradnl" sz="900" dirty="0" smtClean="0">
-                <a:latin typeface="Arial" panose="020B0604020202020204" pitchFamily="34" charset="0"/>
-                <a:cs typeface="Arial" panose="020B0604020202020204" pitchFamily="34" charset="0"/>
-              </a:rPr>
-              <a:t>que se </a:t>
+              <a:t>un programa informativo que presenta hechos que se </a:t>
             </a:r>
             <a:r>
               <a:rPr lang="es-ES_tradnl" sz="900" dirty="0">
